--- a/documentation/Changelog.pptx
+++ b/documentation/Changelog.pptx
@@ -14,8 +14,9 @@
     <p:sldId id="261" r:id="rId8"/>
     <p:sldId id="262" r:id="rId9"/>
     <p:sldId id="259" r:id="rId10"/>
-    <p:sldId id="257" r:id="rId11"/>
-    <p:sldId id="264" r:id="rId12"/>
+    <p:sldId id="268" r:id="rId11"/>
+    <p:sldId id="257" r:id="rId12"/>
+    <p:sldId id="264" r:id="rId13"/>
   </p:sldIdLst>
   <p:sldSz cx="12192000" cy="6858000"/>
   <p:notesSz cx="6858000" cy="9144000"/>
@@ -128,6 +129,7 @@
             <p14:sldId id="261"/>
             <p14:sldId id="262"/>
             <p14:sldId id="259"/>
+            <p14:sldId id="268"/>
             <p14:sldId id="257"/>
             <p14:sldId id="264"/>
           </p14:sldIdLst>
@@ -1754,7 +1756,7 @@
           <a:p>
             <a:fld id="{52530C3D-FF84-4E8E-8A5F-BA3F0AC25245}" type="datetimeFigureOut">
               <a:rPr lang="de-DE" smtClean="0"/>
-              <a:t>12.04.2020</a:t>
+              <a:t>18.04.2020</a:t>
             </a:fld>
             <a:endParaRPr lang="de-DE"/>
           </a:p>
@@ -1952,7 +1954,7 @@
           <a:p>
             <a:fld id="{52530C3D-FF84-4E8E-8A5F-BA3F0AC25245}" type="datetimeFigureOut">
               <a:rPr lang="de-DE" smtClean="0"/>
-              <a:t>12.04.2020</a:t>
+              <a:t>18.04.2020</a:t>
             </a:fld>
             <a:endParaRPr lang="de-DE"/>
           </a:p>
@@ -2160,7 +2162,7 @@
           <a:p>
             <a:fld id="{52530C3D-FF84-4E8E-8A5F-BA3F0AC25245}" type="datetimeFigureOut">
               <a:rPr lang="de-DE" smtClean="0"/>
-              <a:t>12.04.2020</a:t>
+              <a:t>18.04.2020</a:t>
             </a:fld>
             <a:endParaRPr lang="de-DE"/>
           </a:p>
@@ -2358,7 +2360,7 @@
           <a:p>
             <a:fld id="{52530C3D-FF84-4E8E-8A5F-BA3F0AC25245}" type="datetimeFigureOut">
               <a:rPr lang="de-DE" smtClean="0"/>
-              <a:t>12.04.2020</a:t>
+              <a:t>18.04.2020</a:t>
             </a:fld>
             <a:endParaRPr lang="de-DE"/>
           </a:p>
@@ -2633,7 +2635,7 @@
           <a:p>
             <a:fld id="{52530C3D-FF84-4E8E-8A5F-BA3F0AC25245}" type="datetimeFigureOut">
               <a:rPr lang="de-DE" smtClean="0"/>
-              <a:t>12.04.2020</a:t>
+              <a:t>18.04.2020</a:t>
             </a:fld>
             <a:endParaRPr lang="de-DE"/>
           </a:p>
@@ -2898,7 +2900,7 @@
           <a:p>
             <a:fld id="{52530C3D-FF84-4E8E-8A5F-BA3F0AC25245}" type="datetimeFigureOut">
               <a:rPr lang="de-DE" smtClean="0"/>
-              <a:t>12.04.2020</a:t>
+              <a:t>18.04.2020</a:t>
             </a:fld>
             <a:endParaRPr lang="de-DE"/>
           </a:p>
@@ -3310,7 +3312,7 @@
           <a:p>
             <a:fld id="{52530C3D-FF84-4E8E-8A5F-BA3F0AC25245}" type="datetimeFigureOut">
               <a:rPr lang="de-DE" smtClean="0"/>
-              <a:t>12.04.2020</a:t>
+              <a:t>18.04.2020</a:t>
             </a:fld>
             <a:endParaRPr lang="de-DE"/>
           </a:p>
@@ -3451,7 +3453,7 @@
           <a:p>
             <a:fld id="{52530C3D-FF84-4E8E-8A5F-BA3F0AC25245}" type="datetimeFigureOut">
               <a:rPr lang="de-DE" smtClean="0"/>
-              <a:t>12.04.2020</a:t>
+              <a:t>18.04.2020</a:t>
             </a:fld>
             <a:endParaRPr lang="de-DE"/>
           </a:p>
@@ -3564,7 +3566,7 @@
           <a:p>
             <a:fld id="{52530C3D-FF84-4E8E-8A5F-BA3F0AC25245}" type="datetimeFigureOut">
               <a:rPr lang="de-DE" smtClean="0"/>
-              <a:t>12.04.2020</a:t>
+              <a:t>18.04.2020</a:t>
             </a:fld>
             <a:endParaRPr lang="de-DE"/>
           </a:p>
@@ -3875,7 +3877,7 @@
           <a:p>
             <a:fld id="{52530C3D-FF84-4E8E-8A5F-BA3F0AC25245}" type="datetimeFigureOut">
               <a:rPr lang="de-DE" smtClean="0"/>
-              <a:t>12.04.2020</a:t>
+              <a:t>18.04.2020</a:t>
             </a:fld>
             <a:endParaRPr lang="de-DE"/>
           </a:p>
@@ -4163,7 +4165,7 @@
           <a:p>
             <a:fld id="{52530C3D-FF84-4E8E-8A5F-BA3F0AC25245}" type="datetimeFigureOut">
               <a:rPr lang="de-DE" smtClean="0"/>
-              <a:t>12.04.2020</a:t>
+              <a:t>18.04.2020</a:t>
             </a:fld>
             <a:endParaRPr lang="de-DE"/>
           </a:p>
@@ -4404,7 +4406,7 @@
           <a:p>
             <a:fld id="{52530C3D-FF84-4E8E-8A5F-BA3F0AC25245}" type="datetimeFigureOut">
               <a:rPr lang="de-DE" smtClean="0"/>
-              <a:t>12.04.2020</a:t>
+              <a:t>18.04.2020</a:t>
             </a:fld>
             <a:endParaRPr lang="de-DE"/>
           </a:p>
@@ -4923,6 +4925,159 @@
       </p:grpSpPr>
       <p:sp>
         <p:nvSpPr>
+          <p:cNvPr id="2" name="Titel 1">
+            <a:extLst>
+              <a:ext uri="{FF2B5EF4-FFF2-40B4-BE49-F238E27FC236}">
+                <a16:creationId xmlns:a16="http://schemas.microsoft.com/office/drawing/2014/main" id="{F844096B-E1B1-474F-822E-A45C7BA9F1A7}"/>
+              </a:ext>
+            </a:extLst>
+          </p:cNvPr>
+          <p:cNvSpPr>
+            <a:spLocks noGrp="1"/>
+          </p:cNvSpPr>
+          <p:nvPr>
+            <p:ph type="title"/>
+          </p:nvPr>
+        </p:nvSpPr>
+        <p:spPr/>
+        <p:txBody>
+          <a:bodyPr/>
+          <a:lstStyle/>
+          <a:p>
+            <a:r>
+              <a:rPr lang="de-DE" dirty="0"/>
+              <a:t>Für Excel: Reguläre Ausdrücke auf Zellen anwenden</a:t>
+            </a:r>
+          </a:p>
+        </p:txBody>
+      </p:sp>
+      <p:pic>
+        <p:nvPicPr>
+          <p:cNvPr id="3" name="Grafik 2">
+            <a:extLst>
+              <a:ext uri="{FF2B5EF4-FFF2-40B4-BE49-F238E27FC236}">
+                <a16:creationId xmlns:a16="http://schemas.microsoft.com/office/drawing/2014/main" id="{7065A4C2-3BBD-4980-9452-7EC0014A9125}"/>
+              </a:ext>
+            </a:extLst>
+          </p:cNvPr>
+          <p:cNvPicPr>
+            <a:picLocks noChangeAspect="1"/>
+          </p:cNvPicPr>
+          <p:nvPr/>
+        </p:nvPicPr>
+        <p:blipFill>
+          <a:blip r:embed="rId2"/>
+          <a:stretch>
+            <a:fillRect/>
+          </a:stretch>
+        </p:blipFill>
+        <p:spPr>
+          <a:xfrm>
+            <a:off x="1930114" y="2703433"/>
+            <a:ext cx="2248214" cy="1600423"/>
+          </a:xfrm>
+          <a:prstGeom prst="rect">
+            <a:avLst/>
+          </a:prstGeom>
+        </p:spPr>
+      </p:pic>
+      <p:pic>
+        <p:nvPicPr>
+          <p:cNvPr id="4" name="Grafik 3">
+            <a:extLst>
+              <a:ext uri="{FF2B5EF4-FFF2-40B4-BE49-F238E27FC236}">
+                <a16:creationId xmlns:a16="http://schemas.microsoft.com/office/drawing/2014/main" id="{24AAF6A7-0B21-4832-8F7F-D233896E51F4}"/>
+              </a:ext>
+            </a:extLst>
+          </p:cNvPr>
+          <p:cNvPicPr>
+            <a:picLocks noChangeAspect="1"/>
+          </p:cNvPicPr>
+          <p:nvPr/>
+        </p:nvPicPr>
+        <p:blipFill>
+          <a:blip r:embed="rId3"/>
+          <a:stretch>
+            <a:fillRect/>
+          </a:stretch>
+        </p:blipFill>
+        <p:spPr>
+          <a:xfrm>
+            <a:off x="6246541" y="1476818"/>
+            <a:ext cx="4696480" cy="3381847"/>
+          </a:xfrm>
+          <a:prstGeom prst="rect">
+            <a:avLst/>
+          </a:prstGeom>
+        </p:spPr>
+      </p:pic>
+      <p:sp>
+        <p:nvSpPr>
+          <p:cNvPr id="5" name="Textfeld 4">
+            <a:extLst>
+              <a:ext uri="{FF2B5EF4-FFF2-40B4-BE49-F238E27FC236}">
+                <a16:creationId xmlns:a16="http://schemas.microsoft.com/office/drawing/2014/main" id="{D61631A0-D4D0-4971-AFF6-64C87360B81A}"/>
+              </a:ext>
+            </a:extLst>
+          </p:cNvPr>
+          <p:cNvSpPr txBox="1"/>
+          <p:nvPr/>
+        </p:nvSpPr>
+        <p:spPr>
+          <a:xfrm>
+            <a:off x="2217695" y="5316601"/>
+            <a:ext cx="8598798" cy="646331"/>
+          </a:xfrm>
+          <a:prstGeom prst="rect">
+            <a:avLst/>
+          </a:prstGeom>
+          <a:noFill/>
+        </p:spPr>
+        <p:txBody>
+          <a:bodyPr wrap="square" rtlCol="0">
+            <a:spAutoFit/>
+          </a:bodyPr>
+          <a:lstStyle/>
+          <a:p>
+            <a:r>
+              <a:rPr lang="de-DE" dirty="0"/>
+              <a:t>Mit regulären Ausdrücken können Filter erstellt werden, Daten getrennt werden, oder komplexe Suchen und Ersetzen Anfragen erstellt werden</a:t>
+            </a:r>
+          </a:p>
+        </p:txBody>
+      </p:sp>
+    </p:spTree>
+    <p:extLst>
+      <p:ext uri="{BB962C8B-B14F-4D97-AF65-F5344CB8AC3E}">
+        <p14:creationId xmlns:p14="http://schemas.microsoft.com/office/powerpoint/2010/main" val="3808148863"/>
+      </p:ext>
+    </p:extLst>
+  </p:cSld>
+  <p:clrMapOvr>
+    <a:masterClrMapping/>
+  </p:clrMapOvr>
+</p:sld>
+</file>
+
+<file path=ppt/slides/slide11.xml><?xml version="1.0" encoding="utf-8"?>
+<p:sld xmlns:a="http://schemas.openxmlformats.org/drawingml/2006/main" xmlns:r="http://schemas.openxmlformats.org/officeDocument/2006/relationships" xmlns:p="http://schemas.openxmlformats.org/presentationml/2006/main">
+  <p:cSld>
+    <p:spTree>
+      <p:nvGrpSpPr>
+        <p:cNvPr id="1" name=""/>
+        <p:cNvGrpSpPr/>
+        <p:nvPr/>
+      </p:nvGrpSpPr>
+      <p:grpSpPr>
+        <a:xfrm>
+          <a:off x="0" y="0"/>
+          <a:ext cx="0" cy="0"/>
+          <a:chOff x="0" y="0"/>
+          <a:chExt cx="0" cy="0"/>
+        </a:xfrm>
+      </p:grpSpPr>
+      <p:sp>
+        <p:nvSpPr>
           <p:cNvPr id="4" name="Titel 3">
             <a:extLst>
               <a:ext uri="{FF2B5EF4-FFF2-40B4-BE49-F238E27FC236}">
@@ -5048,7 +5203,7 @@
 </p:sld>
 </file>
 
-<file path=ppt/slides/slide11.xml><?xml version="1.0" encoding="utf-8"?>
+<file path=ppt/slides/slide12.xml><?xml version="1.0" encoding="utf-8"?>
 <p:sld xmlns:a="http://schemas.openxmlformats.org/drawingml/2006/main" xmlns:r="http://schemas.openxmlformats.org/officeDocument/2006/relationships" xmlns:p="http://schemas.openxmlformats.org/presentationml/2006/main">
   <p:cSld>
     <p:spTree>
@@ -5909,7 +6064,15 @@
           <a:p>
             <a:r>
               <a:rPr lang="de-DE" dirty="0"/>
-              <a:t>Font-Icon Suche</a:t>
+              <a:t>Font-Icon Suche &amp; </a:t>
+            </a:r>
+            <a:r>
+              <a:rPr lang="de-DE" dirty="0" err="1"/>
+              <a:t>IcoMoon</a:t>
+            </a:r>
+            <a:r>
+              <a:rPr lang="de-DE" dirty="0"/>
+              <a:t>-Free</a:t>
             </a:r>
           </a:p>
         </p:txBody>
@@ -5936,7 +6099,7 @@
         </p:blipFill>
         <p:spPr>
           <a:xfrm>
-            <a:off x="2248822" y="5172637"/>
+            <a:off x="2911559" y="4631933"/>
             <a:ext cx="714475" cy="1609950"/>
           </a:xfrm>
           <a:prstGeom prst="rect">
@@ -5993,8 +6156,8 @@
         </p:nvSpPr>
         <p:spPr>
           <a:xfrm>
-            <a:off x="3079205" y="5492408"/>
-            <a:ext cx="3212921" cy="646331"/>
+            <a:off x="3668452" y="4836743"/>
+            <a:ext cx="2192342" cy="1200329"/>
           </a:xfrm>
           <a:prstGeom prst="rect">
             <a:avLst/>
@@ -6028,7 +6191,7 @@
         </p:nvSpPr>
         <p:spPr>
           <a:xfrm>
-            <a:off x="2719146" y="4299970"/>
+            <a:off x="2788683" y="3784557"/>
             <a:ext cx="7344747" cy="646331"/>
           </a:xfrm>
           <a:prstGeom prst="rect">
@@ -6102,8 +6265,8 @@
         </p:blipFill>
         <p:spPr>
           <a:xfrm>
-            <a:off x="4196334" y="2591846"/>
-            <a:ext cx="2095792" cy="1481788"/>
+            <a:off x="4210638" y="2364840"/>
+            <a:ext cx="1774620" cy="1254710"/>
           </a:xfrm>
           <a:prstGeom prst="rect">
             <a:avLst/>
@@ -6124,7 +6287,7 @@
         </p:nvSpPr>
         <p:spPr>
           <a:xfrm>
-            <a:off x="6409972" y="2591846"/>
+            <a:off x="6093324" y="2364840"/>
             <a:ext cx="4442541" cy="646331"/>
           </a:xfrm>
           <a:prstGeom prst="rect">
@@ -6175,6 +6338,79 @@
           </a:prstGeom>
         </p:spPr>
       </p:pic>
+      <p:pic>
+        <p:nvPicPr>
+          <p:cNvPr id="3" name="Grafik 2">
+            <a:extLst>
+              <a:ext uri="{FF2B5EF4-FFF2-40B4-BE49-F238E27FC236}">
+                <a16:creationId xmlns:a16="http://schemas.microsoft.com/office/drawing/2014/main" id="{FEC06AE5-BD12-4980-B733-BF5064C7BE9B}"/>
+              </a:ext>
+            </a:extLst>
+          </p:cNvPr>
+          <p:cNvPicPr>
+            <a:picLocks noChangeAspect="1"/>
+          </p:cNvPicPr>
+          <p:nvPr/>
+        </p:nvPicPr>
+        <p:blipFill>
+          <a:blip r:embed="rId5"/>
+          <a:stretch>
+            <a:fillRect/>
+          </a:stretch>
+        </p:blipFill>
+        <p:spPr>
+          <a:xfrm>
+            <a:off x="6854093" y="4998115"/>
+            <a:ext cx="4210638" cy="800212"/>
+          </a:xfrm>
+          <a:prstGeom prst="rect">
+            <a:avLst/>
+          </a:prstGeom>
+        </p:spPr>
+      </p:pic>
+      <p:sp>
+        <p:nvSpPr>
+          <p:cNvPr id="12" name="Textfeld 11">
+            <a:extLst>
+              <a:ext uri="{FF2B5EF4-FFF2-40B4-BE49-F238E27FC236}">
+                <a16:creationId xmlns:a16="http://schemas.microsoft.com/office/drawing/2014/main" id="{678C5FAF-AD4B-4005-BD9A-2741EACEE996}"/>
+              </a:ext>
+            </a:extLst>
+          </p:cNvPr>
+          <p:cNvSpPr txBox="1"/>
+          <p:nvPr/>
+        </p:nvSpPr>
+        <p:spPr>
+          <a:xfrm>
+            <a:off x="7001131" y="5848441"/>
+            <a:ext cx="3916561" cy="646331"/>
+          </a:xfrm>
+          <a:prstGeom prst="rect">
+            <a:avLst/>
+          </a:prstGeom>
+          <a:noFill/>
+        </p:spPr>
+        <p:txBody>
+          <a:bodyPr wrap="square" rtlCol="0">
+            <a:spAutoFit/>
+          </a:bodyPr>
+          <a:lstStyle/>
+          <a:p>
+            <a:r>
+              <a:rPr lang="de-DE" dirty="0"/>
+              <a:t>Außerdem: Icons für </a:t>
+            </a:r>
+            <a:r>
+              <a:rPr lang="de-DE" dirty="0" err="1"/>
+              <a:t>IcoMoo</a:t>
+            </a:r>
+            <a:r>
+              <a:rPr lang="de-DE" dirty="0"/>
+              <a:t>-Free Font hinzugefügt</a:t>
+            </a:r>
+          </a:p>
+        </p:txBody>
+      </p:sp>
     </p:spTree>
     <p:extLst>
       <p:ext uri="{BB962C8B-B14F-4D97-AF65-F5344CB8AC3E}">
@@ -6481,6 +6717,13 @@
           <a:p>
             <a:r>
               <a:rPr lang="de-DE" dirty="0"/>
+              <a:t>„Über BKT“-Dialog und</a:t>
+            </a:r>
+            <a:br>
+              <a:rPr lang="de-DE" dirty="0"/>
+            </a:br>
+            <a:r>
+              <a:rPr lang="de-DE" dirty="0"/>
               <a:t>Suche nach neuer BKT-Version</a:t>
             </a:r>
           </a:p>
@@ -6508,7 +6751,7 @@
         </p:blipFill>
         <p:spPr>
           <a:xfrm>
-            <a:off x="4769314" y="1869083"/>
+            <a:off x="7934370" y="1967176"/>
             <a:ext cx="2038635" cy="1143160"/>
           </a:xfrm>
           <a:prstGeom prst="rect">
@@ -6538,7 +6781,7 @@
         </p:blipFill>
         <p:spPr>
           <a:xfrm>
-            <a:off x="7529513" y="1585499"/>
+            <a:off x="9282932" y="2763395"/>
             <a:ext cx="2533762" cy="1029153"/>
           </a:xfrm>
           <a:prstGeom prst="rect">
@@ -6568,8 +6811,8 @@
         </p:blipFill>
         <p:spPr>
           <a:xfrm>
-            <a:off x="571766" y="3421307"/>
-            <a:ext cx="4420217" cy="2029108"/>
+            <a:off x="528160" y="4243951"/>
+            <a:ext cx="3007680" cy="1380681"/>
           </a:xfrm>
           <a:prstGeom prst="rect">
             <a:avLst/>
@@ -6598,7 +6841,7 @@
         </p:blipFill>
         <p:spPr>
           <a:xfrm>
-            <a:off x="8875534" y="5307164"/>
+            <a:off x="8796394" y="5450784"/>
             <a:ext cx="2244423" cy="1181275"/>
           </a:xfrm>
           <a:prstGeom prst="rect">
@@ -6628,7 +6871,7 @@
         </p:blipFill>
         <p:spPr>
           <a:xfrm>
-            <a:off x="8730864" y="2413001"/>
+            <a:off x="7934370" y="3572227"/>
             <a:ext cx="2533762" cy="1087726"/>
           </a:xfrm>
           <a:prstGeom prst="rect">
@@ -6650,8 +6893,8 @@
         </p:nvSpPr>
         <p:spPr>
           <a:xfrm>
-            <a:off x="1127076" y="1978998"/>
-            <a:ext cx="3749455" cy="923330"/>
+            <a:off x="3931647" y="2187643"/>
+            <a:ext cx="3834403" cy="1200329"/>
           </a:xfrm>
           <a:prstGeom prst="rect">
             <a:avLst/>
@@ -6666,7 +6909,7 @@
           <a:p>
             <a:r>
               <a:rPr lang="de-DE" dirty="0"/>
-              <a:t>Im BKT-Menü kann ganz einfach nach einer neuen Version gesucht werden</a:t>
+              <a:t>Im neuen Versionsdialog sowie im BKT-Menü kann ganz einfach nach einer neuen Version gesucht werden</a:t>
             </a:r>
           </a:p>
         </p:txBody>
@@ -6685,7 +6928,7 @@
         </p:nvSpPr>
         <p:spPr>
           <a:xfrm>
-            <a:off x="5230423" y="3734556"/>
+            <a:off x="3592477" y="4243951"/>
             <a:ext cx="3765086" cy="923330"/>
           </a:xfrm>
           <a:prstGeom prst="rect">
@@ -6720,8 +6963,8 @@
         </p:nvSpPr>
         <p:spPr>
           <a:xfrm>
-            <a:off x="2032000" y="5708729"/>
-            <a:ext cx="6648937" cy="646331"/>
+            <a:off x="4109119" y="5592325"/>
+            <a:ext cx="4687275" cy="923330"/>
           </a:xfrm>
           <a:prstGeom prst="rect">
             <a:avLst/>
@@ -6741,6 +6984,36 @@
           </a:p>
         </p:txBody>
       </p:sp>
+      <p:pic>
+        <p:nvPicPr>
+          <p:cNvPr id="4" name="Grafik 3">
+            <a:extLst>
+              <a:ext uri="{FF2B5EF4-FFF2-40B4-BE49-F238E27FC236}">
+                <a16:creationId xmlns:a16="http://schemas.microsoft.com/office/drawing/2014/main" id="{247CD00D-AA23-4240-9D45-B46CDCA9DB18}"/>
+              </a:ext>
+            </a:extLst>
+          </p:cNvPr>
+          <p:cNvPicPr>
+            <a:picLocks noChangeAspect="1"/>
+          </p:cNvPicPr>
+          <p:nvPr/>
+        </p:nvPicPr>
+        <p:blipFill>
+          <a:blip r:embed="rId7"/>
+          <a:stretch>
+            <a:fillRect/>
+          </a:stretch>
+        </p:blipFill>
+        <p:spPr>
+          <a:xfrm>
+            <a:off x="505596" y="1871472"/>
+            <a:ext cx="3257732" cy="1783846"/>
+          </a:xfrm>
+          <a:prstGeom prst="rect">
+            <a:avLst/>
+          </a:prstGeom>
+        </p:spPr>
+      </p:pic>
     </p:spTree>
     <p:extLst>
       <p:ext uri="{BB962C8B-B14F-4D97-AF65-F5344CB8AC3E}">

--- a/documentation/Changelog.pptx
+++ b/documentation/Changelog.pptx
@@ -1720,7 +1720,7 @@
           <a:p>
             <a:fld id="{5EC86055-D2F1-46C3-83FD-A327EBDDB0A8}" type="datetimeFigureOut">
               <a:rPr lang="de-DE" smtClean="0"/>
-              <a:t>26.04.2020</a:t>
+              <a:t>27.04.2020</a:t>
             </a:fld>
             <a:endParaRPr lang="de-DE"/>
           </a:p>
@@ -2134,7 +2134,7 @@
           <a:p>
             <a:fld id="{83E968C0-E631-4FA5-B66C-A6893089A72C}" type="datetime1">
               <a:rPr lang="de-DE" smtClean="0"/>
-              <a:t>26.04.2020</a:t>
+              <a:t>27.04.2020</a:t>
             </a:fld>
             <a:endParaRPr lang="de-DE"/>
           </a:p>
@@ -2332,7 +2332,7 @@
           <a:p>
             <a:fld id="{327DFED5-F5BC-4C21-B00D-107757BCB1D5}" type="datetime1">
               <a:rPr lang="de-DE" smtClean="0"/>
-              <a:t>26.04.2020</a:t>
+              <a:t>27.04.2020</a:t>
             </a:fld>
             <a:endParaRPr lang="de-DE"/>
           </a:p>
@@ -2540,7 +2540,7 @@
           <a:p>
             <a:fld id="{D55D80D4-FC22-469B-B760-6A7940AA3138}" type="datetime1">
               <a:rPr lang="de-DE" smtClean="0"/>
-              <a:t>26.04.2020</a:t>
+              <a:t>27.04.2020</a:t>
             </a:fld>
             <a:endParaRPr lang="de-DE"/>
           </a:p>
@@ -2655,7 +2655,7 @@
           <a:graphicData uri="http://schemas.openxmlformats.org/presentationml/2006/ole">
             <mc:AlternateContent xmlns:mc="http://schemas.openxmlformats.org/markup-compatibility/2006">
               <mc:Choice xmlns:v="urn:schemas-microsoft-com:vml" Requires="v">
-                <p:oleObj spid="_x0000_s1036" name="think-cell Folie" r:id="rId4" imgW="762" imgH="769" progId="TCLayout.ActiveDocument.1">
+                <p:oleObj spid="_x0000_s1041" name="think-cell Folie" r:id="rId4" imgW="762" imgH="769" progId="TCLayout.ActiveDocument.1">
                   <p:embed/>
                 </p:oleObj>
               </mc:Choice>
@@ -2734,7 +2734,7 @@
           <a:p>
             <a:fld id="{146DBEAB-51C5-4FBE-9B54-BC8F608043B0}" type="datetime1">
               <a:rPr lang="de-DE" smtClean="0"/>
-              <a:t>26.04.2020</a:t>
+              <a:t>27.04.2020</a:t>
             </a:fld>
             <a:endParaRPr lang="de-DE" dirty="0"/>
           </a:p>
@@ -2921,7 +2921,7 @@
           <a:p>
             <a:fld id="{B861EB0D-30DD-4E89-8B0D-65B7028FC562}" type="datetime1">
               <a:rPr lang="de-DE" smtClean="0"/>
-              <a:t>26.04.2020</a:t>
+              <a:t>27.04.2020</a:t>
             </a:fld>
             <a:endParaRPr lang="de-DE"/>
           </a:p>
@@ -3196,7 +3196,7 @@
           <a:p>
             <a:fld id="{73CEBF28-F29F-47B0-8445-64F25E1B2731}" type="datetime1">
               <a:rPr lang="de-DE" smtClean="0"/>
-              <a:t>26.04.2020</a:t>
+              <a:t>27.04.2020</a:t>
             </a:fld>
             <a:endParaRPr lang="de-DE"/>
           </a:p>
@@ -3461,7 +3461,7 @@
           <a:p>
             <a:fld id="{70BB8FCB-2F3D-4195-89D6-401F7605A609}" type="datetime1">
               <a:rPr lang="de-DE" smtClean="0"/>
-              <a:t>26.04.2020</a:t>
+              <a:t>27.04.2020</a:t>
             </a:fld>
             <a:endParaRPr lang="de-DE"/>
           </a:p>
@@ -3873,7 +3873,7 @@
           <a:p>
             <a:fld id="{7A814B83-3C3F-4E43-9685-CE4AC483A9CE}" type="datetime1">
               <a:rPr lang="de-DE" smtClean="0"/>
-              <a:t>26.04.2020</a:t>
+              <a:t>27.04.2020</a:t>
             </a:fld>
             <a:endParaRPr lang="de-DE"/>
           </a:p>
@@ -4014,7 +4014,7 @@
           <a:p>
             <a:fld id="{5A2175DA-8D38-4A58-A54F-1168D09756FD}" type="datetime1">
               <a:rPr lang="de-DE" smtClean="0"/>
-              <a:t>26.04.2020</a:t>
+              <a:t>27.04.2020</a:t>
             </a:fld>
             <a:endParaRPr lang="de-DE"/>
           </a:p>
@@ -4127,7 +4127,7 @@
           <a:p>
             <a:fld id="{8F6AF57F-AE76-4C94-AABC-F8C3359A6250}" type="datetime1">
               <a:rPr lang="de-DE" smtClean="0"/>
-              <a:t>26.04.2020</a:t>
+              <a:t>27.04.2020</a:t>
             </a:fld>
             <a:endParaRPr lang="de-DE"/>
           </a:p>
@@ -4438,7 +4438,7 @@
           <a:p>
             <a:fld id="{5582B541-E7EC-488F-97C5-20BBF6BE4B06}" type="datetime1">
               <a:rPr lang="de-DE" smtClean="0"/>
-              <a:t>26.04.2020</a:t>
+              <a:t>27.04.2020</a:t>
             </a:fld>
             <a:endParaRPr lang="de-DE"/>
           </a:p>
@@ -4726,7 +4726,7 @@
           <a:p>
             <a:fld id="{07C6A342-1575-4CB6-868D-A21133827D71}" type="datetime1">
               <a:rPr lang="de-DE" smtClean="0"/>
-              <a:t>26.04.2020</a:t>
+              <a:t>27.04.2020</a:t>
             </a:fld>
             <a:endParaRPr lang="de-DE"/>
           </a:p>
@@ -4967,7 +4967,7 @@
           <a:p>
             <a:fld id="{EC197B76-F97A-42BE-B66C-1432418DB8F2}" type="datetime1">
               <a:rPr lang="de-DE" smtClean="0"/>
-              <a:t>26.04.2020</a:t>
+              <a:t>27.04.2020</a:t>
             </a:fld>
             <a:endParaRPr lang="de-DE"/>
           </a:p>
@@ -9314,7 +9314,7 @@
           <a:graphicData uri="http://schemas.openxmlformats.org/presentationml/2006/ole">
             <mc:AlternateContent xmlns:mc="http://schemas.openxmlformats.org/markup-compatibility/2006">
               <mc:Choice xmlns:v="urn:schemas-microsoft-com:vml" Requires="v">
-                <p:oleObj spid="_x0000_s6156" name="think-cell Folie" r:id="rId5" imgW="631" imgH="631" progId="TCLayout.ActiveDocument.1">
+                <p:oleObj spid="_x0000_s6161" name="think-cell Folie" r:id="rId5" imgW="631" imgH="631" progId="TCLayout.ActiveDocument.1">
                   <p:embed/>
                 </p:oleObj>
               </mc:Choice>
@@ -10765,7 +10765,7 @@
           <a:graphicData uri="http://schemas.openxmlformats.org/presentationml/2006/ole">
             <mc:AlternateContent xmlns:mc="http://schemas.openxmlformats.org/markup-compatibility/2006">
               <mc:Choice xmlns:v="urn:schemas-microsoft-com:vml" Requires="v">
-                <p:oleObj spid="_x0000_s7180" name="think-cell Folie" r:id="rId6" imgW="631" imgH="631" progId="TCLayout.ActiveDocument.1">
+                <p:oleObj spid="_x0000_s7185" name="think-cell Folie" r:id="rId6" imgW="631" imgH="631" progId="TCLayout.ActiveDocument.1">
                   <p:embed/>
                 </p:oleObj>
               </mc:Choice>
@@ -13229,7 +13229,7 @@
           <a:graphicData uri="http://schemas.openxmlformats.org/presentationml/2006/ole">
             <mc:AlternateContent xmlns:mc="http://schemas.openxmlformats.org/markup-compatibility/2006">
               <mc:Choice xmlns:v="urn:schemas-microsoft-com:vml" Requires="v">
-                <p:oleObj spid="_x0000_s8204" name="think-cell Folie" r:id="rId5" imgW="631" imgH="631" progId="TCLayout.ActiveDocument.1">
+                <p:oleObj spid="_x0000_s8209" name="think-cell Folie" r:id="rId5" imgW="631" imgH="631" progId="TCLayout.ActiveDocument.1">
                   <p:embed/>
                 </p:oleObj>
               </mc:Choice>
@@ -14788,7 +14788,7 @@
           <a:graphicData uri="http://schemas.openxmlformats.org/presentationml/2006/ole">
             <mc:AlternateContent xmlns:mc="http://schemas.openxmlformats.org/markup-compatibility/2006">
               <mc:Choice xmlns:v="urn:schemas-microsoft-com:vml" Requires="v">
-                <p:oleObj spid="_x0000_s9228" name="think-cell Folie" r:id="rId5" imgW="592" imgH="588" progId="TCLayout.ActiveDocument.1">
+                <p:oleObj spid="_x0000_s9233" name="think-cell Folie" r:id="rId5" imgW="592" imgH="588" progId="TCLayout.ActiveDocument.1">
                   <p:embed/>
                 </p:oleObj>
               </mc:Choice>
@@ -15994,7 +15994,7 @@
           <a:graphicData uri="http://schemas.openxmlformats.org/presentationml/2006/ole">
             <mc:AlternateContent xmlns:mc="http://schemas.openxmlformats.org/markup-compatibility/2006">
               <mc:Choice xmlns:v="urn:schemas-microsoft-com:vml" Requires="v">
-                <p:oleObj spid="_x0000_s10252" name="think-cell Folie" r:id="rId5" imgW="631" imgH="631" progId="TCLayout.ActiveDocument.1">
+                <p:oleObj spid="_x0000_s10257" name="think-cell Folie" r:id="rId5" imgW="631" imgH="631" progId="TCLayout.ActiveDocument.1">
                   <p:embed/>
                 </p:oleObj>
               </mc:Choice>
@@ -17275,10 +17275,10 @@
       </p:sp>
       <p:pic>
         <p:nvPicPr>
-          <p:cNvPr id="9" name="Grafik 8">
+          <p:cNvPr id="13" name="Grafik 12">
             <a:extLst>
               <a:ext uri="{FF2B5EF4-FFF2-40B4-BE49-F238E27FC236}">
-                <a16:creationId xmlns:a16="http://schemas.microsoft.com/office/drawing/2014/main" id="{735392A8-37A0-449A-B745-221CB9F0FC95}"/>
+                <a16:creationId xmlns:a16="http://schemas.microsoft.com/office/drawing/2014/main" id="{CB89A9BB-15E6-4CF4-A7E9-E89276BF5298}"/>
               </a:ext>
             </a:extLst>
           </p:cNvPr>
@@ -17287,15 +17287,16 @@
           </p:cNvPicPr>
           <p:nvPr/>
         </p:nvPicPr>
-        <p:blipFill rotWithShape="1">
+        <p:blipFill>
           <a:blip r:embed="rId3"/>
-          <a:srcRect b="49001"/>
-          <a:stretch/>
+          <a:stretch>
+            <a:fillRect/>
+          </a:stretch>
         </p:blipFill>
         <p:spPr>
           <a:xfrm>
-            <a:off x="4210638" y="2364840"/>
-            <a:ext cx="1774620" cy="1254710"/>
+            <a:off x="4210638" y="2364841"/>
+            <a:ext cx="1721239" cy="1305038"/>
           </a:xfrm>
           <a:prstGeom prst="rect">
             <a:avLst/>
@@ -17339,10 +17340,10 @@
       </p:sp>
       <p:pic>
         <p:nvPicPr>
-          <p:cNvPr id="11" name="Grafik 10">
+          <p:cNvPr id="5" name="Grafik 4">
             <a:extLst>
               <a:ext uri="{FF2B5EF4-FFF2-40B4-BE49-F238E27FC236}">
-                <a16:creationId xmlns:a16="http://schemas.microsoft.com/office/drawing/2014/main" id="{4494E79F-6A6C-4FC0-8299-78AD4A2BF96A}"/>
+                <a16:creationId xmlns:a16="http://schemas.microsoft.com/office/drawing/2014/main" id="{BDD3D5E6-1926-4D2B-9DA9-D2453FC11C1E}"/>
               </a:ext>
             </a:extLst>
           </p:cNvPr>
@@ -17359,8 +17360,8 @@
         </p:blipFill>
         <p:spPr>
           <a:xfrm>
-            <a:off x="659447" y="1619238"/>
-            <a:ext cx="2019582" cy="3439005"/>
+            <a:off x="685442" y="1619238"/>
+            <a:ext cx="1925807" cy="3859347"/>
           </a:xfrm>
           <a:prstGeom prst="rect">
             <a:avLst/>
@@ -18090,7 +18091,7 @@
         </p:blipFill>
         <p:spPr>
           <a:xfrm>
-            <a:off x="8796394" y="5450784"/>
+            <a:off x="8796394" y="5311600"/>
             <a:ext cx="2244423" cy="1181275"/>
           </a:xfrm>
           <a:prstGeom prst="rect">
@@ -18100,10 +18101,10 @@
       </p:pic>
       <p:pic>
         <p:nvPicPr>
-          <p:cNvPr id="8" name="Grafik 7">
+          <p:cNvPr id="12" name="Grafik 11">
             <a:extLst>
               <a:ext uri="{FF2B5EF4-FFF2-40B4-BE49-F238E27FC236}">
-                <a16:creationId xmlns:a16="http://schemas.microsoft.com/office/drawing/2014/main" id="{420657DF-A598-494D-A11C-942886C04299}"/>
+                <a16:creationId xmlns:a16="http://schemas.microsoft.com/office/drawing/2014/main" id="{A35CE258-30BC-4F5D-B22D-3827991278A4}"/>
               </a:ext>
             </a:extLst>
           </p:cNvPr>
@@ -18120,8 +18121,8 @@
         </p:blipFill>
         <p:spPr>
           <a:xfrm>
-            <a:off x="7934370" y="3572227"/>
-            <a:ext cx="2533762" cy="1087726"/>
+            <a:off x="8225331" y="3553440"/>
+            <a:ext cx="2469466" cy="1175039"/>
           </a:xfrm>
           <a:prstGeom prst="rect">
             <a:avLst/>

--- a/documentation/Changelog.pptx
+++ b/documentation/Changelog.pptx
@@ -1720,7 +1720,7 @@
           <a:p>
             <a:fld id="{5EC86055-D2F1-46C3-83FD-A327EBDDB0A8}" type="datetimeFigureOut">
               <a:rPr lang="de-DE" smtClean="0"/>
-              <a:t>27.04.2020</a:t>
+              <a:t>29.04.2020</a:t>
             </a:fld>
             <a:endParaRPr lang="de-DE"/>
           </a:p>
@@ -2134,7 +2134,7 @@
           <a:p>
             <a:fld id="{83E968C0-E631-4FA5-B66C-A6893089A72C}" type="datetime1">
               <a:rPr lang="de-DE" smtClean="0"/>
-              <a:t>27.04.2020</a:t>
+              <a:t>29.04.2020</a:t>
             </a:fld>
             <a:endParaRPr lang="de-DE"/>
           </a:p>
@@ -2332,7 +2332,7 @@
           <a:p>
             <a:fld id="{327DFED5-F5BC-4C21-B00D-107757BCB1D5}" type="datetime1">
               <a:rPr lang="de-DE" smtClean="0"/>
-              <a:t>27.04.2020</a:t>
+              <a:t>29.04.2020</a:t>
             </a:fld>
             <a:endParaRPr lang="de-DE"/>
           </a:p>
@@ -2540,7 +2540,7 @@
           <a:p>
             <a:fld id="{D55D80D4-FC22-469B-B760-6A7940AA3138}" type="datetime1">
               <a:rPr lang="de-DE" smtClean="0"/>
-              <a:t>27.04.2020</a:t>
+              <a:t>29.04.2020</a:t>
             </a:fld>
             <a:endParaRPr lang="de-DE"/>
           </a:p>
@@ -2655,7 +2655,7 @@
           <a:graphicData uri="http://schemas.openxmlformats.org/presentationml/2006/ole">
             <mc:AlternateContent xmlns:mc="http://schemas.openxmlformats.org/markup-compatibility/2006">
               <mc:Choice xmlns:v="urn:schemas-microsoft-com:vml" Requires="v">
-                <p:oleObj spid="_x0000_s1041" name="think-cell Folie" r:id="rId4" imgW="762" imgH="769" progId="TCLayout.ActiveDocument.1">
+                <p:oleObj spid="_x0000_s1045" name="think-cell Folie" r:id="rId4" imgW="762" imgH="769" progId="TCLayout.ActiveDocument.1">
                   <p:embed/>
                 </p:oleObj>
               </mc:Choice>
@@ -2734,7 +2734,7 @@
           <a:p>
             <a:fld id="{146DBEAB-51C5-4FBE-9B54-BC8F608043B0}" type="datetime1">
               <a:rPr lang="de-DE" smtClean="0"/>
-              <a:t>27.04.2020</a:t>
+              <a:t>29.04.2020</a:t>
             </a:fld>
             <a:endParaRPr lang="de-DE" dirty="0"/>
           </a:p>
@@ -2921,7 +2921,7 @@
           <a:p>
             <a:fld id="{B861EB0D-30DD-4E89-8B0D-65B7028FC562}" type="datetime1">
               <a:rPr lang="de-DE" smtClean="0"/>
-              <a:t>27.04.2020</a:t>
+              <a:t>29.04.2020</a:t>
             </a:fld>
             <a:endParaRPr lang="de-DE"/>
           </a:p>
@@ -3196,7 +3196,7 @@
           <a:p>
             <a:fld id="{73CEBF28-F29F-47B0-8445-64F25E1B2731}" type="datetime1">
               <a:rPr lang="de-DE" smtClean="0"/>
-              <a:t>27.04.2020</a:t>
+              <a:t>29.04.2020</a:t>
             </a:fld>
             <a:endParaRPr lang="de-DE"/>
           </a:p>
@@ -3461,7 +3461,7 @@
           <a:p>
             <a:fld id="{70BB8FCB-2F3D-4195-89D6-401F7605A609}" type="datetime1">
               <a:rPr lang="de-DE" smtClean="0"/>
-              <a:t>27.04.2020</a:t>
+              <a:t>29.04.2020</a:t>
             </a:fld>
             <a:endParaRPr lang="de-DE"/>
           </a:p>
@@ -3873,7 +3873,7 @@
           <a:p>
             <a:fld id="{7A814B83-3C3F-4E43-9685-CE4AC483A9CE}" type="datetime1">
               <a:rPr lang="de-DE" smtClean="0"/>
-              <a:t>27.04.2020</a:t>
+              <a:t>29.04.2020</a:t>
             </a:fld>
             <a:endParaRPr lang="de-DE"/>
           </a:p>
@@ -4014,7 +4014,7 @@
           <a:p>
             <a:fld id="{5A2175DA-8D38-4A58-A54F-1168D09756FD}" type="datetime1">
               <a:rPr lang="de-DE" smtClean="0"/>
-              <a:t>27.04.2020</a:t>
+              <a:t>29.04.2020</a:t>
             </a:fld>
             <a:endParaRPr lang="de-DE"/>
           </a:p>
@@ -4127,7 +4127,7 @@
           <a:p>
             <a:fld id="{8F6AF57F-AE76-4C94-AABC-F8C3359A6250}" type="datetime1">
               <a:rPr lang="de-DE" smtClean="0"/>
-              <a:t>27.04.2020</a:t>
+              <a:t>29.04.2020</a:t>
             </a:fld>
             <a:endParaRPr lang="de-DE"/>
           </a:p>
@@ -4438,7 +4438,7 @@
           <a:p>
             <a:fld id="{5582B541-E7EC-488F-97C5-20BBF6BE4B06}" type="datetime1">
               <a:rPr lang="de-DE" smtClean="0"/>
-              <a:t>27.04.2020</a:t>
+              <a:t>29.04.2020</a:t>
             </a:fld>
             <a:endParaRPr lang="de-DE"/>
           </a:p>
@@ -4726,7 +4726,7 @@
           <a:p>
             <a:fld id="{07C6A342-1575-4CB6-868D-A21133827D71}" type="datetime1">
               <a:rPr lang="de-DE" smtClean="0"/>
-              <a:t>27.04.2020</a:t>
+              <a:t>29.04.2020</a:t>
             </a:fld>
             <a:endParaRPr lang="de-DE"/>
           </a:p>
@@ -4967,7 +4967,7 @@
           <a:p>
             <a:fld id="{EC197B76-F97A-42BE-B66C-1432418DB8F2}" type="datetime1">
               <a:rPr lang="de-DE" smtClean="0"/>
-              <a:t>27.04.2020</a:t>
+              <a:t>29.04.2020</a:t>
             </a:fld>
             <a:endParaRPr lang="de-DE"/>
           </a:p>
@@ -8962,10 +8962,10 @@
       </p:sp>
       <p:pic>
         <p:nvPicPr>
-          <p:cNvPr id="10" name="Grafik 9">
+          <p:cNvPr id="16" name="Grafik 15">
             <a:extLst>
               <a:ext uri="{FF2B5EF4-FFF2-40B4-BE49-F238E27FC236}">
-                <a16:creationId xmlns:a16="http://schemas.microsoft.com/office/drawing/2014/main" id="{63C75BFB-B706-45A8-B059-36817C8D9043}"/>
+                <a16:creationId xmlns:a16="http://schemas.microsoft.com/office/drawing/2014/main" id="{332E2B9D-737A-4C32-A088-A9FC5E7F1E44}"/>
               </a:ext>
             </a:extLst>
           </p:cNvPr>
@@ -8982,8 +8982,8 @@
         </p:blipFill>
         <p:spPr>
           <a:xfrm>
-            <a:off x="2263719" y="2590438"/>
-            <a:ext cx="1238713" cy="904084"/>
+            <a:off x="2130732" y="2564904"/>
+            <a:ext cx="1238713" cy="857571"/>
           </a:xfrm>
           <a:prstGeom prst="rect">
             <a:avLst/>
@@ -9092,10 +9092,10 @@
       </p:sp>
       <p:pic>
         <p:nvPicPr>
-          <p:cNvPr id="17" name="Grafik 16">
+          <p:cNvPr id="22" name="Grafik 21">
             <a:extLst>
               <a:ext uri="{FF2B5EF4-FFF2-40B4-BE49-F238E27FC236}">
-                <a16:creationId xmlns:a16="http://schemas.microsoft.com/office/drawing/2014/main" id="{90E12B39-A5DE-40F9-BCB1-C63B7D348458}"/>
+                <a16:creationId xmlns:a16="http://schemas.microsoft.com/office/drawing/2014/main" id="{E80116EC-B501-49B6-9B14-49B055481F41}"/>
               </a:ext>
             </a:extLst>
           </p:cNvPr>
@@ -9109,7 +9109,13 @@
           </p:nvPr>
         </p:nvPicPr>
         <p:blipFill rotWithShape="1">
-          <a:blip r:embed="rId7"/>
+          <a:blip r:embed="rId7">
+            <a:extLst>
+              <a:ext uri="{28A0092B-C50C-407E-A947-70E740481C1C}">
+                <a14:useLocalDpi xmlns:a14="http://schemas.microsoft.com/office/drawing/2010/main" val="0"/>
+              </a:ext>
+            </a:extLst>
+          </a:blip>
           <a:srcRect/>
           <a:stretch/>
         </p:blipFill>
@@ -9162,6 +9168,234 @@
               <a:rPr lang="de-DE" dirty="0"/>
               <a:t>Folien-Thumbnails hatten Probleme mit gewissen Sonderzeichen im Pfad. Dies ist nun behoben.</a:t>
             </a:r>
+          </a:p>
+        </p:txBody>
+      </p:sp>
+      <p:pic>
+        <p:nvPicPr>
+          <p:cNvPr id="14" name="Grafik 13">
+            <a:extLst>
+              <a:ext uri="{FF2B5EF4-FFF2-40B4-BE49-F238E27FC236}">
+                <a16:creationId xmlns:a16="http://schemas.microsoft.com/office/drawing/2014/main" id="{5BDB6070-5E77-4AD2-B365-47073470826F}"/>
+              </a:ext>
+            </a:extLst>
+          </p:cNvPr>
+          <p:cNvPicPr>
+            <a:picLocks noChangeAspect="1"/>
+          </p:cNvPicPr>
+          <p:nvPr/>
+        </p:nvPicPr>
+        <p:blipFill>
+          <a:blip r:embed="rId8"/>
+          <a:stretch>
+            <a:fillRect/>
+          </a:stretch>
+        </p:blipFill>
+        <p:spPr>
+          <a:xfrm>
+            <a:off x="669744" y="2500134"/>
+            <a:ext cx="1179783" cy="823255"/>
+          </a:xfrm>
+          <a:prstGeom prst="rect">
+            <a:avLst/>
+          </a:prstGeom>
+        </p:spPr>
+      </p:pic>
+      <p:sp>
+        <p:nvSpPr>
+          <p:cNvPr id="18" name="Gleichschenkliges Dreieck 17">
+            <a:extLst>
+              <a:ext uri="{FF2B5EF4-FFF2-40B4-BE49-F238E27FC236}">
+                <a16:creationId xmlns:a16="http://schemas.microsoft.com/office/drawing/2014/main" id="{85D5F680-4112-4D21-B8EB-720FC4BD70F5}"/>
+              </a:ext>
+            </a:extLst>
+          </p:cNvPr>
+          <p:cNvSpPr/>
+          <p:nvPr/>
+        </p:nvSpPr>
+        <p:spPr>
+          <a:xfrm rot="5400000">
+            <a:off x="1698415" y="2908464"/>
+            <a:ext cx="590807" cy="97426"/>
+          </a:xfrm>
+          <a:prstGeom prst="triangle">
+            <a:avLst/>
+          </a:prstGeom>
+          <a:solidFill>
+            <a:schemeClr val="tx1">
+              <a:lumMod val="100000"/>
+            </a:schemeClr>
+          </a:solidFill>
+          <a:ln w="12700" cap="flat" cmpd="sng" algn="ctr">
+            <a:noFill/>
+            <a:prstDash val="solid"/>
+            <a:miter lim="800000"/>
+          </a:ln>
+          <a:effectLst/>
+          <a:extLst>
+            <a:ext uri="{91240B29-F687-4F45-9708-019B960494DF}">
+              <a14:hiddenLine xmlns:a14="http://schemas.microsoft.com/office/drawing/2010/main" w="12700" cap="flat" cmpd="sng" algn="ctr">
+                <a:solidFill>
+                  <a:schemeClr val="accent1">
+                    <a:shade val="50000"/>
+                  </a:schemeClr>
+                </a:solidFill>
+                <a:prstDash val="solid"/>
+                <a:miter lim="800000"/>
+              </a14:hiddenLine>
+            </a:ext>
+          </a:extLst>
+        </p:spPr>
+        <p:style>
+          <a:lnRef idx="2">
+            <a:schemeClr val="accent1">
+              <a:shade val="50000"/>
+            </a:schemeClr>
+          </a:lnRef>
+          <a:fillRef idx="1">
+            <a:schemeClr val="accent1"/>
+          </a:fillRef>
+          <a:effectRef idx="0">
+            <a:schemeClr val="accent1"/>
+          </a:effectRef>
+          <a:fontRef idx="minor">
+            <a:schemeClr val="lt1"/>
+          </a:fontRef>
+        </p:style>
+        <p:txBody>
+          <a:bodyPr rtlCol="0" anchor="ctr"/>
+          <a:lstStyle/>
+          <a:p>
+            <a:pPr algn="ctr"/>
+            <a:endParaRPr lang="de-DE"/>
+          </a:p>
+        </p:txBody>
+      </p:sp>
+      <p:sp>
+        <p:nvSpPr>
+          <p:cNvPr id="19" name="Rechteck 18">
+            <a:extLst>
+              <a:ext uri="{FF2B5EF4-FFF2-40B4-BE49-F238E27FC236}">
+                <a16:creationId xmlns:a16="http://schemas.microsoft.com/office/drawing/2014/main" id="{C572475E-C162-4F56-8FC8-B6695F3653D8}"/>
+              </a:ext>
+            </a:extLst>
+          </p:cNvPr>
+          <p:cNvSpPr/>
+          <p:nvPr/>
+        </p:nvSpPr>
+        <p:spPr>
+          <a:xfrm>
+            <a:off x="1363572" y="2457946"/>
+            <a:ext cx="155606" cy="881073"/>
+          </a:xfrm>
+          <a:prstGeom prst="rect">
+            <a:avLst/>
+          </a:prstGeom>
+          <a:noFill/>
+          <a:ln w="12700" cap="flat" cmpd="sng" algn="ctr">
+            <a:solidFill>
+              <a:srgbClr val="FF0000"/>
+            </a:solidFill>
+            <a:prstDash val="solid"/>
+            <a:miter lim="800000"/>
+          </a:ln>
+          <a:effectLst/>
+          <a:extLst>
+            <a:ext uri="{909E8E84-426E-40DD-AFC4-6F175D3DCCD1}">
+              <a14:hiddenFill xmlns:a14="http://schemas.microsoft.com/office/drawing/2010/main">
+                <a:solidFill>
+                  <a:schemeClr val="accent1"/>
+                </a:solidFill>
+              </a14:hiddenFill>
+            </a:ext>
+          </a:extLst>
+        </p:spPr>
+        <p:style>
+          <a:lnRef idx="2">
+            <a:schemeClr val="accent1">
+              <a:shade val="50000"/>
+            </a:schemeClr>
+          </a:lnRef>
+          <a:fillRef idx="1">
+            <a:schemeClr val="accent1"/>
+          </a:fillRef>
+          <a:effectRef idx="0">
+            <a:schemeClr val="accent1"/>
+          </a:effectRef>
+          <a:fontRef idx="minor">
+            <a:schemeClr val="lt1"/>
+          </a:fontRef>
+        </p:style>
+        <p:txBody>
+          <a:bodyPr rtlCol="0" anchor="ctr"/>
+          <a:lstStyle/>
+          <a:p>
+            <a:pPr algn="ctr"/>
+            <a:endParaRPr lang="de-DE"/>
+          </a:p>
+        </p:txBody>
+      </p:sp>
+      <p:sp>
+        <p:nvSpPr>
+          <p:cNvPr id="20" name="Rechteck 19">
+            <a:extLst>
+              <a:ext uri="{FF2B5EF4-FFF2-40B4-BE49-F238E27FC236}">
+                <a16:creationId xmlns:a16="http://schemas.microsoft.com/office/drawing/2014/main" id="{8CDD62E4-34BA-4AE6-A697-24F474F8BAE5}"/>
+              </a:ext>
+            </a:extLst>
+          </p:cNvPr>
+          <p:cNvSpPr/>
+          <p:nvPr/>
+        </p:nvSpPr>
+        <p:spPr>
+          <a:xfrm>
+            <a:off x="2864265" y="2546702"/>
+            <a:ext cx="155606" cy="881073"/>
+          </a:xfrm>
+          <a:prstGeom prst="rect">
+            <a:avLst/>
+          </a:prstGeom>
+          <a:noFill/>
+          <a:ln w="12700" cap="flat" cmpd="sng" algn="ctr">
+            <a:solidFill>
+              <a:srgbClr val="FF0000"/>
+            </a:solidFill>
+            <a:prstDash val="solid"/>
+            <a:miter lim="800000"/>
+          </a:ln>
+          <a:effectLst/>
+          <a:extLst>
+            <a:ext uri="{909E8E84-426E-40DD-AFC4-6F175D3DCCD1}">
+              <a14:hiddenFill xmlns:a14="http://schemas.microsoft.com/office/drawing/2010/main">
+                <a:solidFill>
+                  <a:schemeClr val="accent1"/>
+                </a:solidFill>
+              </a14:hiddenFill>
+            </a:ext>
+          </a:extLst>
+        </p:spPr>
+        <p:style>
+          <a:lnRef idx="2">
+            <a:schemeClr val="accent1">
+              <a:shade val="50000"/>
+            </a:schemeClr>
+          </a:lnRef>
+          <a:fillRef idx="1">
+            <a:schemeClr val="accent1"/>
+          </a:fillRef>
+          <a:effectRef idx="0">
+            <a:schemeClr val="accent1"/>
+          </a:effectRef>
+          <a:fontRef idx="minor">
+            <a:schemeClr val="lt1"/>
+          </a:fontRef>
+        </p:style>
+        <p:txBody>
+          <a:bodyPr rtlCol="0" anchor="ctr"/>
+          <a:lstStyle/>
+          <a:p>
+            <a:pPr algn="ctr"/>
+            <a:endParaRPr lang="de-DE"/>
           </a:p>
         </p:txBody>
       </p:sp>
@@ -9314,7 +9548,7 @@
           <a:graphicData uri="http://schemas.openxmlformats.org/presentationml/2006/ole">
             <mc:AlternateContent xmlns:mc="http://schemas.openxmlformats.org/markup-compatibility/2006">
               <mc:Choice xmlns:v="urn:schemas-microsoft-com:vml" Requires="v">
-                <p:oleObj spid="_x0000_s6161" name="think-cell Folie" r:id="rId5" imgW="631" imgH="631" progId="TCLayout.ActiveDocument.1">
+                <p:oleObj spid="_x0000_s6165" name="think-cell Folie" r:id="rId5" imgW="631" imgH="631" progId="TCLayout.ActiveDocument.1">
                   <p:embed/>
                 </p:oleObj>
               </mc:Choice>
@@ -10765,7 +10999,7 @@
           <a:graphicData uri="http://schemas.openxmlformats.org/presentationml/2006/ole">
             <mc:AlternateContent xmlns:mc="http://schemas.openxmlformats.org/markup-compatibility/2006">
               <mc:Choice xmlns:v="urn:schemas-microsoft-com:vml" Requires="v">
-                <p:oleObj spid="_x0000_s7185" name="think-cell Folie" r:id="rId6" imgW="631" imgH="631" progId="TCLayout.ActiveDocument.1">
+                <p:oleObj spid="_x0000_s7189" name="think-cell Folie" r:id="rId6" imgW="631" imgH="631" progId="TCLayout.ActiveDocument.1">
                   <p:embed/>
                 </p:oleObj>
               </mc:Choice>
@@ -13229,7 +13463,7 @@
           <a:graphicData uri="http://schemas.openxmlformats.org/presentationml/2006/ole">
             <mc:AlternateContent xmlns:mc="http://schemas.openxmlformats.org/markup-compatibility/2006">
               <mc:Choice xmlns:v="urn:schemas-microsoft-com:vml" Requires="v">
-                <p:oleObj spid="_x0000_s8209" name="think-cell Folie" r:id="rId5" imgW="631" imgH="631" progId="TCLayout.ActiveDocument.1">
+                <p:oleObj spid="_x0000_s8213" name="think-cell Folie" r:id="rId5" imgW="631" imgH="631" progId="TCLayout.ActiveDocument.1">
                   <p:embed/>
                 </p:oleObj>
               </mc:Choice>
@@ -14788,7 +15022,7 @@
           <a:graphicData uri="http://schemas.openxmlformats.org/presentationml/2006/ole">
             <mc:AlternateContent xmlns:mc="http://schemas.openxmlformats.org/markup-compatibility/2006">
               <mc:Choice xmlns:v="urn:schemas-microsoft-com:vml" Requires="v">
-                <p:oleObj spid="_x0000_s9233" name="think-cell Folie" r:id="rId5" imgW="592" imgH="588" progId="TCLayout.ActiveDocument.1">
+                <p:oleObj spid="_x0000_s9237" name="think-cell Folie" r:id="rId5" imgW="592" imgH="588" progId="TCLayout.ActiveDocument.1">
                   <p:embed/>
                 </p:oleObj>
               </mc:Choice>
@@ -15994,7 +16228,7 @@
           <a:graphicData uri="http://schemas.openxmlformats.org/presentationml/2006/ole">
             <mc:AlternateContent xmlns:mc="http://schemas.openxmlformats.org/markup-compatibility/2006">
               <mc:Choice xmlns:v="urn:schemas-microsoft-com:vml" Requires="v">
-                <p:oleObj spid="_x0000_s10257" name="think-cell Folie" r:id="rId5" imgW="631" imgH="631" progId="TCLayout.ActiveDocument.1">
+                <p:oleObj spid="_x0000_s10261" name="think-cell Folie" r:id="rId5" imgW="631" imgH="631" progId="TCLayout.ActiveDocument.1">
                   <p:embed/>
                 </p:oleObj>
               </mc:Choice>

--- a/documentation/Changelog.pptx
+++ b/documentation/Changelog.pptx
@@ -32,6 +32,9 @@
   </p:sldIdLst>
   <p:sldSz cx="12192000" cy="6858000"/>
   <p:notesSz cx="6858000" cy="9144000"/>
+  <p:custDataLst>
+    <p:tags r:id="rId24"/>
+  </p:custDataLst>
   <p:defaultTextStyle>
     <a:defPPr>
       <a:defRPr lang="de-DE"/>
@@ -1720,7 +1723,7 @@
           <a:p>
             <a:fld id="{5EC86055-D2F1-46C3-83FD-A327EBDDB0A8}" type="datetimeFigureOut">
               <a:rPr lang="de-DE" smtClean="0"/>
-              <a:t>29.04.2020</a:t>
+              <a:t>05.05.2020</a:t>
             </a:fld>
             <a:endParaRPr lang="de-DE"/>
           </a:p>
@@ -2134,7 +2137,7 @@
           <a:p>
             <a:fld id="{83E968C0-E631-4FA5-B66C-A6893089A72C}" type="datetime1">
               <a:rPr lang="de-DE" smtClean="0"/>
-              <a:t>29.04.2020</a:t>
+              <a:t>05.05.2020</a:t>
             </a:fld>
             <a:endParaRPr lang="de-DE"/>
           </a:p>
@@ -2332,7 +2335,7 @@
           <a:p>
             <a:fld id="{327DFED5-F5BC-4C21-B00D-107757BCB1D5}" type="datetime1">
               <a:rPr lang="de-DE" smtClean="0"/>
-              <a:t>29.04.2020</a:t>
+              <a:t>05.05.2020</a:t>
             </a:fld>
             <a:endParaRPr lang="de-DE"/>
           </a:p>
@@ -2540,7 +2543,7 @@
           <a:p>
             <a:fld id="{D55D80D4-FC22-469B-B760-6A7940AA3138}" type="datetime1">
               <a:rPr lang="de-DE" smtClean="0"/>
-              <a:t>29.04.2020</a:t>
+              <a:t>05.05.2020</a:t>
             </a:fld>
             <a:endParaRPr lang="de-DE"/>
           </a:p>
@@ -2655,7 +2658,7 @@
           <a:graphicData uri="http://schemas.openxmlformats.org/presentationml/2006/ole">
             <mc:AlternateContent xmlns:mc="http://schemas.openxmlformats.org/markup-compatibility/2006">
               <mc:Choice xmlns:v="urn:schemas-microsoft-com:vml" Requires="v">
-                <p:oleObj spid="_x0000_s1045" name="think-cell Folie" r:id="rId4" imgW="762" imgH="769" progId="TCLayout.ActiveDocument.1">
+                <p:oleObj spid="_x0000_s1048" name="think-cell Folie" r:id="rId4" imgW="762" imgH="769" progId="TCLayout.ActiveDocument.1">
                   <p:embed/>
                 </p:oleObj>
               </mc:Choice>
@@ -2734,7 +2737,7 @@
           <a:p>
             <a:fld id="{146DBEAB-51C5-4FBE-9B54-BC8F608043B0}" type="datetime1">
               <a:rPr lang="de-DE" smtClean="0"/>
-              <a:t>29.04.2020</a:t>
+              <a:t>05.05.2020</a:t>
             </a:fld>
             <a:endParaRPr lang="de-DE" dirty="0"/>
           </a:p>
@@ -2921,7 +2924,7 @@
           <a:p>
             <a:fld id="{B861EB0D-30DD-4E89-8B0D-65B7028FC562}" type="datetime1">
               <a:rPr lang="de-DE" smtClean="0"/>
-              <a:t>29.04.2020</a:t>
+              <a:t>05.05.2020</a:t>
             </a:fld>
             <a:endParaRPr lang="de-DE"/>
           </a:p>
@@ -3196,7 +3199,7 @@
           <a:p>
             <a:fld id="{73CEBF28-F29F-47B0-8445-64F25E1B2731}" type="datetime1">
               <a:rPr lang="de-DE" smtClean="0"/>
-              <a:t>29.04.2020</a:t>
+              <a:t>05.05.2020</a:t>
             </a:fld>
             <a:endParaRPr lang="de-DE"/>
           </a:p>
@@ -3461,7 +3464,7 @@
           <a:p>
             <a:fld id="{70BB8FCB-2F3D-4195-89D6-401F7605A609}" type="datetime1">
               <a:rPr lang="de-DE" smtClean="0"/>
-              <a:t>29.04.2020</a:t>
+              <a:t>05.05.2020</a:t>
             </a:fld>
             <a:endParaRPr lang="de-DE"/>
           </a:p>
@@ -3873,7 +3876,7 @@
           <a:p>
             <a:fld id="{7A814B83-3C3F-4E43-9685-CE4AC483A9CE}" type="datetime1">
               <a:rPr lang="de-DE" smtClean="0"/>
-              <a:t>29.04.2020</a:t>
+              <a:t>05.05.2020</a:t>
             </a:fld>
             <a:endParaRPr lang="de-DE"/>
           </a:p>
@@ -4014,7 +4017,7 @@
           <a:p>
             <a:fld id="{5A2175DA-8D38-4A58-A54F-1168D09756FD}" type="datetime1">
               <a:rPr lang="de-DE" smtClean="0"/>
-              <a:t>29.04.2020</a:t>
+              <a:t>05.05.2020</a:t>
             </a:fld>
             <a:endParaRPr lang="de-DE"/>
           </a:p>
@@ -4127,7 +4130,7 @@
           <a:p>
             <a:fld id="{8F6AF57F-AE76-4C94-AABC-F8C3359A6250}" type="datetime1">
               <a:rPr lang="de-DE" smtClean="0"/>
-              <a:t>29.04.2020</a:t>
+              <a:t>05.05.2020</a:t>
             </a:fld>
             <a:endParaRPr lang="de-DE"/>
           </a:p>
@@ -4438,7 +4441,7 @@
           <a:p>
             <a:fld id="{5582B541-E7EC-488F-97C5-20BBF6BE4B06}" type="datetime1">
               <a:rPr lang="de-DE" smtClean="0"/>
-              <a:t>29.04.2020</a:t>
+              <a:t>05.05.2020</a:t>
             </a:fld>
             <a:endParaRPr lang="de-DE"/>
           </a:p>
@@ -4726,7 +4729,7 @@
           <a:p>
             <a:fld id="{07C6A342-1575-4CB6-868D-A21133827D71}" type="datetime1">
               <a:rPr lang="de-DE" smtClean="0"/>
-              <a:t>29.04.2020</a:t>
+              <a:t>05.05.2020</a:t>
             </a:fld>
             <a:endParaRPr lang="de-DE"/>
           </a:p>
@@ -4967,7 +4970,7 @@
           <a:p>
             <a:fld id="{EC197B76-F97A-42BE-B66C-1432418DB8F2}" type="datetime1">
               <a:rPr lang="de-DE" smtClean="0"/>
-              <a:t>29.04.2020</a:t>
+              <a:t>05.05.2020</a:t>
             </a:fld>
             <a:endParaRPr lang="de-DE"/>
           </a:p>
@@ -5435,7 +5438,7 @@
           <p:nvPr/>
         </p:nvPicPr>
         <p:blipFill>
-          <a:blip r:embed="rId2">
+          <a:blip r:embed="rId2" cstate="hqprint">
             <a:extLst>
               <a:ext uri="{28A0092B-C50C-407E-A947-70E740481C1C}">
                 <a14:useLocalDpi xmlns:a14="http://schemas.microsoft.com/office/drawing/2010/main" val="0"/>
@@ -9109,7 +9112,7 @@
           </p:nvPr>
         </p:nvPicPr>
         <p:blipFill rotWithShape="1">
-          <a:blip r:embed="rId7">
+          <a:blip r:embed="rId7" cstate="hqprint">
             <a:extLst>
               <a:ext uri="{28A0092B-C50C-407E-A947-70E740481C1C}">
                 <a14:useLocalDpi xmlns:a14="http://schemas.microsoft.com/office/drawing/2010/main" val="0"/>
@@ -9477,7 +9480,7 @@
           <p:nvPr/>
         </p:nvPicPr>
         <p:blipFill>
-          <a:blip r:embed="rId2">
+          <a:blip r:embed="rId2" cstate="hqprint">
             <a:extLst>
               <a:ext uri="{28A0092B-C50C-407E-A947-70E740481C1C}">
                 <a14:useLocalDpi xmlns:a14="http://schemas.microsoft.com/office/drawing/2010/main" val="0"/>
@@ -9548,7 +9551,7 @@
           <a:graphicData uri="http://schemas.openxmlformats.org/presentationml/2006/ole">
             <mc:AlternateContent xmlns:mc="http://schemas.openxmlformats.org/markup-compatibility/2006">
               <mc:Choice xmlns:v="urn:schemas-microsoft-com:vml" Requires="v">
-                <p:oleObj spid="_x0000_s6165" name="think-cell Folie" r:id="rId5" imgW="631" imgH="631" progId="TCLayout.ActiveDocument.1">
+                <p:oleObj spid="_x0000_s6168" name="think-cell Folie" r:id="rId5" imgW="631" imgH="631" progId="TCLayout.ActiveDocument.1">
                   <p:embed/>
                 </p:oleObj>
               </mc:Choice>
@@ -10928,7 +10931,7 @@
           <p:nvPr/>
         </p:nvPicPr>
         <p:blipFill>
-          <a:blip r:embed="rId2">
+          <a:blip r:embed="rId2" cstate="hqprint">
             <a:extLst>
               <a:ext uri="{28A0092B-C50C-407E-A947-70E740481C1C}">
                 <a14:useLocalDpi xmlns:a14="http://schemas.microsoft.com/office/drawing/2010/main" val="0"/>
@@ -10999,7 +11002,7 @@
           <a:graphicData uri="http://schemas.openxmlformats.org/presentationml/2006/ole">
             <mc:AlternateContent xmlns:mc="http://schemas.openxmlformats.org/markup-compatibility/2006">
               <mc:Choice xmlns:v="urn:schemas-microsoft-com:vml" Requires="v">
-                <p:oleObj spid="_x0000_s7189" name="think-cell Folie" r:id="rId6" imgW="631" imgH="631" progId="TCLayout.ActiveDocument.1">
+                <p:oleObj spid="_x0000_s7192" name="think-cell Folie" r:id="rId6" imgW="631" imgH="631" progId="TCLayout.ActiveDocument.1">
                   <p:embed/>
                 </p:oleObj>
               </mc:Choice>
@@ -13463,7 +13466,7 @@
           <a:graphicData uri="http://schemas.openxmlformats.org/presentationml/2006/ole">
             <mc:AlternateContent xmlns:mc="http://schemas.openxmlformats.org/markup-compatibility/2006">
               <mc:Choice xmlns:v="urn:schemas-microsoft-com:vml" Requires="v">
-                <p:oleObj spid="_x0000_s8213" name="think-cell Folie" r:id="rId5" imgW="631" imgH="631" progId="TCLayout.ActiveDocument.1">
+                <p:oleObj spid="_x0000_s8216" name="think-cell Folie" r:id="rId5" imgW="631" imgH="631" progId="TCLayout.ActiveDocument.1">
                   <p:embed/>
                 </p:oleObj>
               </mc:Choice>
@@ -15022,7 +15025,7 @@
           <a:graphicData uri="http://schemas.openxmlformats.org/presentationml/2006/ole">
             <mc:AlternateContent xmlns:mc="http://schemas.openxmlformats.org/markup-compatibility/2006">
               <mc:Choice xmlns:v="urn:schemas-microsoft-com:vml" Requires="v">
-                <p:oleObj spid="_x0000_s9237" name="think-cell Folie" r:id="rId5" imgW="592" imgH="588" progId="TCLayout.ActiveDocument.1">
+                <p:oleObj spid="_x0000_s9240" name="think-cell Folie" r:id="rId5" imgW="592" imgH="588" progId="TCLayout.ActiveDocument.1">
                   <p:embed/>
                 </p:oleObj>
               </mc:Choice>
@@ -16228,7 +16231,7 @@
           <a:graphicData uri="http://schemas.openxmlformats.org/presentationml/2006/ole">
             <mc:AlternateContent xmlns:mc="http://schemas.openxmlformats.org/markup-compatibility/2006">
               <mc:Choice xmlns:v="urn:schemas-microsoft-com:vml" Requires="v">
-                <p:oleObj spid="_x0000_s10261" name="think-cell Folie" r:id="rId5" imgW="631" imgH="631" progId="TCLayout.ActiveDocument.1">
+                <p:oleObj spid="_x0000_s10264" name="think-cell Folie" r:id="rId5" imgW="631" imgH="631" progId="TCLayout.ActiveDocument.1">
                   <p:embed/>
                 </p:oleObj>
               </mc:Choice>
@@ -18470,13 +18473,7 @@
       </p:sp>
       <p:pic>
         <p:nvPicPr>
-          <p:cNvPr id="4" name="Grafik 3">
-            <a:extLst>
-              <a:ext uri="{FF2B5EF4-FFF2-40B4-BE49-F238E27FC236}">
-                <a16:creationId xmlns:a16="http://schemas.microsoft.com/office/drawing/2014/main" id="{247CD00D-AA23-4240-9D45-B46CDCA9DB18}"/>
-              </a:ext>
-            </a:extLst>
-          </p:cNvPr>
+          <p:cNvPr id="8" name="Grafik 7"/>
           <p:cNvPicPr>
             <a:picLocks noChangeAspect="1"/>
           </p:cNvPicPr>
@@ -18491,7 +18488,7 @@
         <p:spPr>
           <a:xfrm>
             <a:off x="505596" y="1871472"/>
-            <a:ext cx="3257732" cy="1783846"/>
+            <a:ext cx="3257679" cy="1783846"/>
           </a:xfrm>
           <a:prstGeom prst="rect">
             <a:avLst/>
@@ -19126,85 +19123,92 @@
 
 <file path=ppt/tags/tag1.xml><?xml version="1.0" encoding="utf-8"?>
 <p:tagLst xmlns:a="http://schemas.openxmlformats.org/drawingml/2006/main" xmlns:r="http://schemas.openxmlformats.org/officeDocument/2006/relationships" xmlns:p="http://schemas.openxmlformats.org/presentationml/2006/main">
-  <p:tag name="THINKCELLSHAPEDONOTDELETE" val="thinkcellActiveDocDoNotDelete"/>
+  <p:tag name="THINKCELLUNDODONOTDELETE" val="0"/>
 </p:tagLst>
 </file>
 
 <file path=ppt/tags/tag10.xml><?xml version="1.0" encoding="utf-8"?>
+<p:tagLst xmlns:a="http://schemas.openxmlformats.org/drawingml/2006/main" xmlns:r="http://schemas.openxmlformats.org/officeDocument/2006/relationships" xmlns:p="http://schemas.openxmlformats.org/presentationml/2006/main">
+  <p:tag name="BKT_SHAPE_HARVEY" val="BKT_HARVEY_V1"/>
+  <p:tag name="BKT_CONTEXTDIALOG" val="BKT_SHAPE_HARVEY"/>
+  <p:tag name="BKT_HARVEY_DENOM_TAG" val="4"/>
+</p:tagLst>
+</file>
+
+<file path=ppt/tags/tag11.xml><?xml version="1.0" encoding="utf-8"?>
 <p:tagLst xmlns:a="http://schemas.openxmlformats.org/drawingml/2006/main" xmlns:r="http://schemas.openxmlformats.org/officeDocument/2006/relationships" xmlns:p="http://schemas.openxmlformats.org/presentationml/2006/main">
   <p:tag name="BKT_THUMBNAIL" val="{&quot;content_only&quot;: false, &quot;slide_id&quot;: 264, &quot;slide_path&quot;: &quot;CURRENT&quot;, &quot;data_type&quot;: 6}"/>
   <p:tag name="BKT_CONTEXTDIALOG" val="BKT_THUMBNAIL"/>
 </p:tagLst>
 </file>
 
-<file path=ppt/tags/tag11.xml><?xml version="1.0" encoding="utf-8"?>
+<file path=ppt/tags/tag12.xml><?xml version="1.0" encoding="utf-8"?>
 <p:tagLst xmlns:a="http://schemas.openxmlformats.org/drawingml/2006/main" xmlns:r="http://schemas.openxmlformats.org/officeDocument/2006/relationships" xmlns:p="http://schemas.openxmlformats.org/presentationml/2006/main">
   <p:tag name="THINKCELLSHAPEDONOTDELETE" val="thinkcellActiveDocDoNotDelete"/>
 </p:tagLst>
 </file>
 
-<file path=ppt/tags/tag12.xml><?xml version="1.0" encoding="utf-8"?>
+<file path=ppt/tags/tag13.xml><?xml version="1.0" encoding="utf-8"?>
 <p:tagLst xmlns:a="http://schemas.openxmlformats.org/drawingml/2006/main" xmlns:r="http://schemas.openxmlformats.org/officeDocument/2006/relationships" xmlns:p="http://schemas.openxmlformats.org/presentationml/2006/main">
   <p:tag name="THINKCELLSHAPEDONOTDELETE" val="t0lrq6NLARaiyXQhnfxG.fw"/>
 </p:tagLst>
 </file>
 
-<file path=ppt/tags/tag13.xml><?xml version="1.0" encoding="utf-8"?>
+<file path=ppt/tags/tag14.xml><?xml version="1.0" encoding="utf-8"?>
 <p:tagLst xmlns:a="http://schemas.openxmlformats.org/drawingml/2006/main" xmlns:r="http://schemas.openxmlformats.org/officeDocument/2006/relationships" xmlns:p="http://schemas.openxmlformats.org/presentationml/2006/main">
   <p:tag name="THINKCELLSHAPEDONOTDELETE" val="thinkcellActiveDocDoNotDelete"/>
 </p:tagLst>
 </file>
 
-<file path=ppt/tags/tag14.xml><?xml version="1.0" encoding="utf-8"?>
+<file path=ppt/tags/tag15.xml><?xml version="1.0" encoding="utf-8"?>
 <p:tagLst xmlns:a="http://schemas.openxmlformats.org/drawingml/2006/main" xmlns:r="http://schemas.openxmlformats.org/officeDocument/2006/relationships" xmlns:p="http://schemas.openxmlformats.org/presentationml/2006/main">
   <p:tag name="THINKCELLSHAPEDONOTDELETE" val="t0lrq6NLARaiyXQhnfxG.fw"/>
 </p:tagLst>
 </file>
 
-<file path=ppt/tags/tag15.xml><?xml version="1.0" encoding="utf-8"?>
+<file path=ppt/tags/tag16.xml><?xml version="1.0" encoding="utf-8"?>
 <p:tagLst xmlns:a="http://schemas.openxmlformats.org/drawingml/2006/main" xmlns:r="http://schemas.openxmlformats.org/officeDocument/2006/relationships" xmlns:p="http://schemas.openxmlformats.org/presentationml/2006/main">
   <p:tag name="BKT_SHAPE_CONNECTORS" val="{&quot;shape2_side&quot;: &quot;top&quot;, &quot;shape1_side&quot;: &quot;bottom&quot;, &quot;shape2_id&quot;: 117, &quot;shape1_id&quot;: 116}"/>
 </p:tagLst>
 </file>
 
-<file path=ppt/tags/tag16.xml><?xml version="1.0" encoding="utf-8"?>
+<file path=ppt/tags/tag17.xml><?xml version="1.0" encoding="utf-8"?>
 <p:tagLst xmlns:a="http://schemas.openxmlformats.org/drawingml/2006/main" xmlns:r="http://schemas.openxmlformats.org/officeDocument/2006/relationships" xmlns:p="http://schemas.openxmlformats.org/presentationml/2006/main">
   <p:tag name="THINKCELLSHAPEDONOTDELETE" val="thinkcellActiveDocDoNotDelete"/>
 </p:tagLst>
 </file>
 
-<file path=ppt/tags/tag17.xml><?xml version="1.0" encoding="utf-8"?>
+<file path=ppt/tags/tag18.xml><?xml version="1.0" encoding="utf-8"?>
 <p:tagLst xmlns:a="http://schemas.openxmlformats.org/drawingml/2006/main" xmlns:r="http://schemas.openxmlformats.org/officeDocument/2006/relationships" xmlns:p="http://schemas.openxmlformats.org/presentationml/2006/main">
   <p:tag name="THINKCELLSHAPEDONOTDELETE" val="t0lrq6NLARaiyXQhnfxG.fw"/>
 </p:tagLst>
 </file>
 
-<file path=ppt/tags/tag18.xml><?xml version="1.0" encoding="utf-8"?>
+<file path=ppt/tags/tag19.xml><?xml version="1.0" encoding="utf-8"?>
 <p:tagLst xmlns:a="http://schemas.openxmlformats.org/drawingml/2006/main" xmlns:r="http://schemas.openxmlformats.org/officeDocument/2006/relationships" xmlns:p="http://schemas.openxmlformats.org/presentationml/2006/main">
   <p:tag name="THINKCELLSHAPEDONOTDELETE" val="thinkcellActiveDocDoNotDelete"/>
 </p:tagLst>
 </file>
 
-<file path=ppt/tags/tag19.xml><?xml version="1.0" encoding="utf-8"?>
+<file path=ppt/tags/tag2.xml><?xml version="1.0" encoding="utf-8"?>
+<p:tagLst xmlns:a="http://schemas.openxmlformats.org/drawingml/2006/main" xmlns:r="http://schemas.openxmlformats.org/officeDocument/2006/relationships" xmlns:p="http://schemas.openxmlformats.org/presentationml/2006/main">
+  <p:tag name="THINKCELLSHAPEDONOTDELETE" val="thinkcellActiveDocDoNotDelete"/>
+</p:tagLst>
+</file>
+
+<file path=ppt/tags/tag20.xml><?xml version="1.0" encoding="utf-8"?>
 <p:tagLst xmlns:a="http://schemas.openxmlformats.org/drawingml/2006/main" xmlns:r="http://schemas.openxmlformats.org/officeDocument/2006/relationships" xmlns:p="http://schemas.openxmlformats.org/presentationml/2006/main">
   <p:tag name="THINKCELLSHAPEDONOTDELETE" val="ty2ovgFxlQzOVaHuOYItxlQ"/>
 </p:tagLst>
 </file>
 
-<file path=ppt/tags/tag2.xml><?xml version="1.0" encoding="utf-8"?>
-<p:tagLst xmlns:a="http://schemas.openxmlformats.org/drawingml/2006/main" xmlns:r="http://schemas.openxmlformats.org/officeDocument/2006/relationships" xmlns:p="http://schemas.openxmlformats.org/presentationml/2006/main">
-  <p:tag name="BKT_THUMBNAIL" val="{&quot;content_only&quot;: false, &quot;slide_id&quot;: 265, &quot;slide_path&quot;: &quot;CURRENT&quot;, &quot;data_type&quot;: 6}"/>
-  <p:tag name="BKT_CONTEXTDIALOG" val="BKT_THUMBNAIL"/>
-</p:tagLst>
-</file>
-
-<file path=ppt/tags/tag20.xml><?xml version="1.0" encoding="utf-8"?>
+<file path=ppt/tags/tag21.xml><?xml version="1.0" encoding="utf-8"?>
 <p:tagLst xmlns:a="http://schemas.openxmlformats.org/drawingml/2006/main" xmlns:r="http://schemas.openxmlformats.org/officeDocument/2006/relationships" xmlns:p="http://schemas.openxmlformats.org/presentationml/2006/main">
   <p:tag name="THINKCELLSHAPEDONOTDELETE" val="thinkcellActiveDocDoNotDelete"/>
 </p:tagLst>
 </file>
 
-<file path=ppt/tags/tag21.xml><?xml version="1.0" encoding="utf-8"?>
+<file path=ppt/tags/tag22.xml><?xml version="1.0" encoding="utf-8"?>
 <p:tagLst xmlns:a="http://schemas.openxmlformats.org/drawingml/2006/main" xmlns:r="http://schemas.openxmlformats.org/officeDocument/2006/relationships" xmlns:p="http://schemas.openxmlformats.org/presentationml/2006/main">
   <p:tag name="THINKCELLSHAPEDONOTDELETE" val="tju1ROJXtTnab04WA7axZvg"/>
 </p:tagLst>
@@ -19212,18 +19216,25 @@
 
 <file path=ppt/tags/tag3.xml><?xml version="1.0" encoding="utf-8"?>
 <p:tagLst xmlns:a="http://schemas.openxmlformats.org/drawingml/2006/main" xmlns:r="http://schemas.openxmlformats.org/officeDocument/2006/relationships" xmlns:p="http://schemas.openxmlformats.org/presentationml/2006/main">
+  <p:tag name="BKT_THUMBNAIL" val="{&quot;content_only&quot;: false, &quot;slide_id&quot;: 265, &quot;slide_path&quot;: &quot;CURRENT&quot;, &quot;data_type&quot;: 6}"/>
+  <p:tag name="BKT_CONTEXTDIALOG" val="BKT_THUMBNAIL"/>
+</p:tagLst>
+</file>
+
+<file path=ppt/tags/tag4.xml><?xml version="1.0" encoding="utf-8"?>
+<p:tagLst xmlns:a="http://schemas.openxmlformats.org/drawingml/2006/main" xmlns:r="http://schemas.openxmlformats.org/officeDocument/2006/relationships" xmlns:p="http://schemas.openxmlformats.org/presentationml/2006/main">
   <p:tag name="BKT_CONTEXTDIALOG" val="BKT_THUMBNAIL"/>
   <p:tag name="BKT_THUMBNAIL" val="{&quot;content_only&quot;: false, &quot;slide_id&quot;: 265, &quot;slide_path&quot;: &quot;CURRENT&quot;, &quot;data_type&quot;: 1}"/>
 </p:tagLst>
 </file>
 
-<file path=ppt/tags/tag4.xml><?xml version="1.0" encoding="utf-8"?>
+<file path=ppt/tags/tag5.xml><?xml version="1.0" encoding="utf-8"?>
 <p:tagLst xmlns:a="http://schemas.openxmlformats.org/drawingml/2006/main" xmlns:r="http://schemas.openxmlformats.org/officeDocument/2006/relationships" xmlns:p="http://schemas.openxmlformats.org/presentationml/2006/main">
   <p:tag name="BKT_CONTEXTDIALOG" val="BKT_DIALOG_AMPEL3"/>
 </p:tagLst>
 </file>
 
-<file path=ppt/tags/tag5.xml><?xml version="1.0" encoding="utf-8"?>
+<file path=ppt/tags/tag6.xml><?xml version="1.0" encoding="utf-8"?>
 <p:tagLst xmlns:a="http://schemas.openxmlformats.org/drawingml/2006/main" xmlns:r="http://schemas.openxmlformats.org/officeDocument/2006/relationships" xmlns:p="http://schemas.openxmlformats.org/presentationml/2006/main">
   <p:tag name="BKT_SHAPE_HARVEY" val="BKT_HARVEY_V1"/>
   <p:tag name="BKT_CONTEXTDIALOG" val="BKT_SHAPE_HARVEY"/>
@@ -19231,24 +19242,16 @@
 </p:tagLst>
 </file>
 
-<file path=ppt/tags/tag6.xml><?xml version="1.0" encoding="utf-8"?>
+<file path=ppt/tags/tag7.xml><?xml version="1.0" encoding="utf-8"?>
 <p:tagLst xmlns:a="http://schemas.openxmlformats.org/drawingml/2006/main" xmlns:r="http://schemas.openxmlformats.org/officeDocument/2006/relationships" xmlns:p="http://schemas.openxmlformats.org/presentationml/2006/main">
   <p:tag name="BKT_THUMBNAIL" val="{&quot;content_only&quot;: false, &quot;slide_id&quot;: 264, &quot;slide_path&quot;: &quot;CURRENT&quot;, &quot;data_type&quot;: 6}"/>
   <p:tag name="BKT_CONTEXTDIALOG" val="BKT_THUMBNAIL"/>
 </p:tagLst>
 </file>
 
-<file path=ppt/tags/tag7.xml><?xml version="1.0" encoding="utf-8"?>
+<file path=ppt/tags/tag8.xml><?xml version="1.0" encoding="utf-8"?>
 <p:tagLst xmlns:a="http://schemas.openxmlformats.org/drawingml/2006/main" xmlns:r="http://schemas.openxmlformats.org/officeDocument/2006/relationships" xmlns:p="http://schemas.openxmlformats.org/presentationml/2006/main">
   <p:tag name="BKT_CONTEXTDIALOG" val="BKT_DIALOG_STATESHAPE"/>
-</p:tagLst>
-</file>
-
-<file path=ppt/tags/tag8.xml><?xml version="1.0" encoding="utf-8"?>
-<p:tagLst xmlns:a="http://schemas.openxmlformats.org/drawingml/2006/main" xmlns:r="http://schemas.openxmlformats.org/officeDocument/2006/relationships" xmlns:p="http://schemas.openxmlformats.org/presentationml/2006/main">
-  <p:tag name="BKT_SHAPE_HARVEY" val="BKT_HARVEY_V1"/>
-  <p:tag name="BKT_CONTEXTDIALOG" val="BKT_SHAPE_HARVEY"/>
-  <p:tag name="BKT_HARVEY_DENOM_TAG" val="4"/>
 </p:tagLst>
 </file>
 

--- a/documentation/Changelog.pptx
+++ b/documentation/Changelog.pptx
@@ -1723,7 +1723,7 @@
           <a:p>
             <a:fld id="{5EC86055-D2F1-46C3-83FD-A327EBDDB0A8}" type="datetimeFigureOut">
               <a:rPr lang="de-DE" smtClean="0"/>
-              <a:t>05.05.2020</a:t>
+              <a:t>07.05.2020</a:t>
             </a:fld>
             <a:endParaRPr lang="de-DE"/>
           </a:p>
@@ -2137,7 +2137,7 @@
           <a:p>
             <a:fld id="{83E968C0-E631-4FA5-B66C-A6893089A72C}" type="datetime1">
               <a:rPr lang="de-DE" smtClean="0"/>
-              <a:t>05.05.2020</a:t>
+              <a:t>07.05.2020</a:t>
             </a:fld>
             <a:endParaRPr lang="de-DE"/>
           </a:p>
@@ -2335,7 +2335,7 @@
           <a:p>
             <a:fld id="{327DFED5-F5BC-4C21-B00D-107757BCB1D5}" type="datetime1">
               <a:rPr lang="de-DE" smtClean="0"/>
-              <a:t>05.05.2020</a:t>
+              <a:t>07.05.2020</a:t>
             </a:fld>
             <a:endParaRPr lang="de-DE"/>
           </a:p>
@@ -2543,7 +2543,7 @@
           <a:p>
             <a:fld id="{D55D80D4-FC22-469B-B760-6A7940AA3138}" type="datetime1">
               <a:rPr lang="de-DE" smtClean="0"/>
-              <a:t>05.05.2020</a:t>
+              <a:t>07.05.2020</a:t>
             </a:fld>
             <a:endParaRPr lang="de-DE"/>
           </a:p>
@@ -2658,7 +2658,7 @@
           <a:graphicData uri="http://schemas.openxmlformats.org/presentationml/2006/ole">
             <mc:AlternateContent xmlns:mc="http://schemas.openxmlformats.org/markup-compatibility/2006">
               <mc:Choice xmlns:v="urn:schemas-microsoft-com:vml" Requires="v">
-                <p:oleObj spid="_x0000_s1048" name="think-cell Folie" r:id="rId4" imgW="762" imgH="769" progId="TCLayout.ActiveDocument.1">
+                <p:oleObj spid="_x0000_s1051" name="think-cell Folie" r:id="rId4" imgW="762" imgH="769" progId="TCLayout.ActiveDocument.1">
                   <p:embed/>
                 </p:oleObj>
               </mc:Choice>
@@ -2737,7 +2737,7 @@
           <a:p>
             <a:fld id="{146DBEAB-51C5-4FBE-9B54-BC8F608043B0}" type="datetime1">
               <a:rPr lang="de-DE" smtClean="0"/>
-              <a:t>05.05.2020</a:t>
+              <a:t>07.05.2020</a:t>
             </a:fld>
             <a:endParaRPr lang="de-DE" dirty="0"/>
           </a:p>
@@ -2924,7 +2924,7 @@
           <a:p>
             <a:fld id="{B861EB0D-30DD-4E89-8B0D-65B7028FC562}" type="datetime1">
               <a:rPr lang="de-DE" smtClean="0"/>
-              <a:t>05.05.2020</a:t>
+              <a:t>07.05.2020</a:t>
             </a:fld>
             <a:endParaRPr lang="de-DE"/>
           </a:p>
@@ -3199,7 +3199,7 @@
           <a:p>
             <a:fld id="{73CEBF28-F29F-47B0-8445-64F25E1B2731}" type="datetime1">
               <a:rPr lang="de-DE" smtClean="0"/>
-              <a:t>05.05.2020</a:t>
+              <a:t>07.05.2020</a:t>
             </a:fld>
             <a:endParaRPr lang="de-DE"/>
           </a:p>
@@ -3464,7 +3464,7 @@
           <a:p>
             <a:fld id="{70BB8FCB-2F3D-4195-89D6-401F7605A609}" type="datetime1">
               <a:rPr lang="de-DE" smtClean="0"/>
-              <a:t>05.05.2020</a:t>
+              <a:t>07.05.2020</a:t>
             </a:fld>
             <a:endParaRPr lang="de-DE"/>
           </a:p>
@@ -3876,7 +3876,7 @@
           <a:p>
             <a:fld id="{7A814B83-3C3F-4E43-9685-CE4AC483A9CE}" type="datetime1">
               <a:rPr lang="de-DE" smtClean="0"/>
-              <a:t>05.05.2020</a:t>
+              <a:t>07.05.2020</a:t>
             </a:fld>
             <a:endParaRPr lang="de-DE"/>
           </a:p>
@@ -4017,7 +4017,7 @@
           <a:p>
             <a:fld id="{5A2175DA-8D38-4A58-A54F-1168D09756FD}" type="datetime1">
               <a:rPr lang="de-DE" smtClean="0"/>
-              <a:t>05.05.2020</a:t>
+              <a:t>07.05.2020</a:t>
             </a:fld>
             <a:endParaRPr lang="de-DE"/>
           </a:p>
@@ -4130,7 +4130,7 @@
           <a:p>
             <a:fld id="{8F6AF57F-AE76-4C94-AABC-F8C3359A6250}" type="datetime1">
               <a:rPr lang="de-DE" smtClean="0"/>
-              <a:t>05.05.2020</a:t>
+              <a:t>07.05.2020</a:t>
             </a:fld>
             <a:endParaRPr lang="de-DE"/>
           </a:p>
@@ -4441,7 +4441,7 @@
           <a:p>
             <a:fld id="{5582B541-E7EC-488F-97C5-20BBF6BE4B06}" type="datetime1">
               <a:rPr lang="de-DE" smtClean="0"/>
-              <a:t>05.05.2020</a:t>
+              <a:t>07.05.2020</a:t>
             </a:fld>
             <a:endParaRPr lang="de-DE"/>
           </a:p>
@@ -4729,7 +4729,7 @@
           <a:p>
             <a:fld id="{07C6A342-1575-4CB6-868D-A21133827D71}" type="datetime1">
               <a:rPr lang="de-DE" smtClean="0"/>
-              <a:t>05.05.2020</a:t>
+              <a:t>07.05.2020</a:t>
             </a:fld>
             <a:endParaRPr lang="de-DE"/>
           </a:p>
@@ -4970,7 +4970,7 @@
           <a:p>
             <a:fld id="{EC197B76-F97A-42BE-B66C-1432418DB8F2}" type="datetime1">
               <a:rPr lang="de-DE" smtClean="0"/>
-              <a:t>05.05.2020</a:t>
+              <a:t>07.05.2020</a:t>
             </a:fld>
             <a:endParaRPr lang="de-DE"/>
           </a:p>
@@ -5562,7 +5562,7 @@
         <p:spPr>
           <a:xfrm>
             <a:off x="731656" y="3576778"/>
-            <a:ext cx="3433944" cy="646331"/>
+            <a:ext cx="3433944" cy="1384995"/>
           </a:xfrm>
           <a:prstGeom prst="rect">
             <a:avLst/>
@@ -5585,8 +5585,77 @@
             </a:r>
             <a:r>
               <a:rPr lang="de-DE" dirty="0"/>
-              <a:t> haben nun auch ein kleines Popup</a:t>
-            </a:r>
+              <a:t> haben nun auch ein kleines </a:t>
+            </a:r>
+            <a:r>
+              <a:rPr lang="de-DE" dirty="0" smtClean="0"/>
+              <a:t>Popup</a:t>
+            </a:r>
+          </a:p>
+          <a:p>
+            <a:r>
+              <a:rPr lang="de-DE" sz="1600" i="1" dirty="0" smtClean="0">
+                <a:solidFill>
+                  <a:schemeClr val="tx1">
+                    <a:lumMod val="50000"/>
+                    <a:lumOff val="50000"/>
+                  </a:schemeClr>
+                </a:solidFill>
+              </a:rPr>
+              <a:t>[Funktioniert nur bei neu angelegten </a:t>
+            </a:r>
+            <a:r>
+              <a:rPr lang="de-DE" sz="1600" i="1" dirty="0" smtClean="0">
+                <a:solidFill>
+                  <a:schemeClr val="tx1">
+                    <a:lumMod val="50000"/>
+                    <a:lumOff val="50000"/>
+                  </a:schemeClr>
+                </a:solidFill>
+              </a:rPr>
+              <a:t>Agenda-Boxen oder nac</a:t>
+            </a:r>
+            <a:r>
+              <a:rPr lang="de-DE" sz="1600" i="1" dirty="0" smtClean="0">
+                <a:solidFill>
+                  <a:schemeClr val="tx1">
+                    <a:lumMod val="50000"/>
+                    <a:lumOff val="50000"/>
+                  </a:schemeClr>
+                </a:solidFill>
+              </a:rPr>
+              <a:t>h </a:t>
+            </a:r>
+            <a:r>
+              <a:rPr lang="de-DE" sz="1600" i="1" smtClean="0">
+                <a:solidFill>
+                  <a:schemeClr val="tx1">
+                    <a:lumMod val="50000"/>
+                    <a:lumOff val="50000"/>
+                  </a:schemeClr>
+                </a:solidFill>
+              </a:rPr>
+              <a:t>einem Agenda-Update</a:t>
+            </a:r>
+            <a:r>
+              <a:rPr lang="de-DE" sz="1600" i="1" smtClean="0">
+                <a:solidFill>
+                  <a:schemeClr val="tx1">
+                    <a:lumMod val="50000"/>
+                    <a:lumOff val="50000"/>
+                  </a:schemeClr>
+                </a:solidFill>
+              </a:rPr>
+              <a:t>]</a:t>
+            </a:r>
+            <a:endParaRPr lang="de-DE" sz="1600" i="1" dirty="0">
+              <a:solidFill>
+                <a:schemeClr val="tx1">
+                  <a:lumMod val="50000"/>
+                  <a:lumOff val="50000"/>
+                </a:schemeClr>
+              </a:solidFill>
+            </a:endParaRPr>
           </a:p>
         </p:txBody>
       </p:sp>
@@ -9551,7 +9620,7 @@
           <a:graphicData uri="http://schemas.openxmlformats.org/presentationml/2006/ole">
             <mc:AlternateContent xmlns:mc="http://schemas.openxmlformats.org/markup-compatibility/2006">
               <mc:Choice xmlns:v="urn:schemas-microsoft-com:vml" Requires="v">
-                <p:oleObj spid="_x0000_s6168" name="think-cell Folie" r:id="rId5" imgW="631" imgH="631" progId="TCLayout.ActiveDocument.1">
+                <p:oleObj spid="_x0000_s6171" name="think-cell Folie" r:id="rId5" imgW="631" imgH="631" progId="TCLayout.ActiveDocument.1">
                   <p:embed/>
                 </p:oleObj>
               </mc:Choice>
@@ -11002,7 +11071,7 @@
           <a:graphicData uri="http://schemas.openxmlformats.org/presentationml/2006/ole">
             <mc:AlternateContent xmlns:mc="http://schemas.openxmlformats.org/markup-compatibility/2006">
               <mc:Choice xmlns:v="urn:schemas-microsoft-com:vml" Requires="v">
-                <p:oleObj spid="_x0000_s7192" name="think-cell Folie" r:id="rId6" imgW="631" imgH="631" progId="TCLayout.ActiveDocument.1">
+                <p:oleObj spid="_x0000_s7195" name="think-cell Folie" r:id="rId6" imgW="631" imgH="631" progId="TCLayout.ActiveDocument.1">
                   <p:embed/>
                 </p:oleObj>
               </mc:Choice>
@@ -13466,7 +13535,7 @@
           <a:graphicData uri="http://schemas.openxmlformats.org/presentationml/2006/ole">
             <mc:AlternateContent xmlns:mc="http://schemas.openxmlformats.org/markup-compatibility/2006">
               <mc:Choice xmlns:v="urn:schemas-microsoft-com:vml" Requires="v">
-                <p:oleObj spid="_x0000_s8216" name="think-cell Folie" r:id="rId5" imgW="631" imgH="631" progId="TCLayout.ActiveDocument.1">
+                <p:oleObj spid="_x0000_s8219" name="think-cell Folie" r:id="rId5" imgW="631" imgH="631" progId="TCLayout.ActiveDocument.1">
                   <p:embed/>
                 </p:oleObj>
               </mc:Choice>
@@ -15025,7 +15094,7 @@
           <a:graphicData uri="http://schemas.openxmlformats.org/presentationml/2006/ole">
             <mc:AlternateContent xmlns:mc="http://schemas.openxmlformats.org/markup-compatibility/2006">
               <mc:Choice xmlns:v="urn:schemas-microsoft-com:vml" Requires="v">
-                <p:oleObj spid="_x0000_s9240" name="think-cell Folie" r:id="rId5" imgW="592" imgH="588" progId="TCLayout.ActiveDocument.1">
+                <p:oleObj spid="_x0000_s9243" name="think-cell Folie" r:id="rId5" imgW="592" imgH="588" progId="TCLayout.ActiveDocument.1">
                   <p:embed/>
                 </p:oleObj>
               </mc:Choice>
@@ -16231,7 +16300,7 @@
           <a:graphicData uri="http://schemas.openxmlformats.org/presentationml/2006/ole">
             <mc:AlternateContent xmlns:mc="http://schemas.openxmlformats.org/markup-compatibility/2006">
               <mc:Choice xmlns:v="urn:schemas-microsoft-com:vml" Requires="v">
-                <p:oleObj spid="_x0000_s10264" name="think-cell Folie" r:id="rId5" imgW="631" imgH="631" progId="TCLayout.ActiveDocument.1">
+                <p:oleObj spid="_x0000_s10267" name="think-cell Folie" r:id="rId5" imgW="631" imgH="631" progId="TCLayout.ActiveDocument.1">
                   <p:embed/>
                 </p:oleObj>
               </mc:Choice>

--- a/documentation/Changelog.pptx
+++ b/documentation/Changelog.pptx
@@ -1234,7 +1234,7 @@
           <a:graphicData uri="http://schemas.openxmlformats.org/presentationml/2006/ole">
             <mc:AlternateContent xmlns:mc="http://schemas.openxmlformats.org/markup-compatibility/2006">
               <mc:Choice xmlns:v="urn:schemas-microsoft-com:vml" Requires="v">
-                <p:oleObj spid="_x0000_s1164" name="think-cell Folie" r:id="rId4" imgW="762" imgH="769" progId="TCLayout.ActiveDocument.1">
+                <p:oleObj spid="_x0000_s1167" name="think-cell Folie" r:id="rId4" imgW="762" imgH="769" progId="TCLayout.ActiveDocument.1">
                   <p:embed/>
                 </p:oleObj>
               </mc:Choice>
@@ -3430,7 +3430,7 @@
           <a:graphicData uri="http://schemas.openxmlformats.org/presentationml/2006/ole">
             <mc:AlternateContent xmlns:mc="http://schemas.openxmlformats.org/markup-compatibility/2006">
               <mc:Choice xmlns:v="urn:schemas-microsoft-com:vml" Requires="v">
-                <p:oleObj spid="_x0000_s11378" name="think-cell Folie" r:id="rId17" imgW="526" imgH="526" progId="TCLayout.ActiveDocument.1">
+                <p:oleObj spid="_x0000_s11381" name="think-cell Folie" r:id="rId17" imgW="526" imgH="526" progId="TCLayout.ActiveDocument.1">
                   <p:embed/>
                 </p:oleObj>
               </mc:Choice>
@@ -4104,7 +4104,7 @@
           <a:graphicData uri="http://schemas.openxmlformats.org/presentationml/2006/ole">
             <mc:AlternateContent xmlns:mc="http://schemas.openxmlformats.org/markup-compatibility/2006">
               <mc:Choice xmlns:v="urn:schemas-microsoft-com:vml" Requires="v">
-                <p:oleObj spid="_x0000_s25633" name="think-cell Folie" r:id="rId5" imgW="526" imgH="526" progId="TCLayout.ActiveDocument.1">
+                <p:oleObj spid="_x0000_s25636" name="think-cell Folie" r:id="rId5" imgW="526" imgH="526" progId="TCLayout.ActiveDocument.1">
                   <p:embed/>
                 </p:oleObj>
               </mc:Choice>
@@ -4218,13 +4218,8 @@
           <a:p>
             <a:r>
               <a:rPr lang="de-DE" dirty="0"/>
-              <a:t>BKT </a:t>
-            </a:r>
-            <a:r>
-              <a:rPr lang="de-DE" dirty="0" smtClean="0"/>
-              <a:t>v2.7.2</a:t>
-            </a:r>
-            <a:endParaRPr lang="de-DE" dirty="0"/>
+              <a:t>BKT v2.7.2</a:t>
+            </a:r>
           </a:p>
         </p:txBody>
       </p:sp>
@@ -4314,13 +4309,6 @@
   <p:clrMapOvr>
     <a:masterClrMapping/>
   </p:clrMapOvr>
-  <p:timing>
-    <p:tnLst>
-      <p:par>
-        <p:cTn id="1" dur="indefinite" restart="never" nodeType="tmRoot"/>
-      </p:par>
-    </p:tnLst>
-  </p:timing>
 </p:sld>
 </file>
 
@@ -4366,7 +4354,7 @@
           <a:graphicData uri="http://schemas.openxmlformats.org/presentationml/2006/ole">
             <mc:AlternateContent xmlns:mc="http://schemas.openxmlformats.org/markup-compatibility/2006">
               <mc:Choice xmlns:v="urn:schemas-microsoft-com:vml" Requires="v">
-                <p:oleObj spid="_x0000_s13426" name="think-cell Folie" r:id="rId11" imgW="526" imgH="526" progId="TCLayout.ActiveDocument.1">
+                <p:oleObj spid="_x0000_s13429" name="think-cell Folie" r:id="rId11" imgW="526" imgH="526" progId="TCLayout.ActiveDocument.1">
                   <p:embed/>
                 </p:oleObj>
               </mc:Choice>
@@ -5464,13 +5452,6 @@
   <p:clrMapOvr>
     <a:masterClrMapping/>
   </p:clrMapOvr>
-  <p:timing>
-    <p:tnLst>
-      <p:par>
-        <p:cTn id="1" dur="indefinite" restart="never" nodeType="tmRoot"/>
-      </p:par>
-    </p:tnLst>
-  </p:timing>
 </p:sld>
 </file>
 
@@ -5516,7 +5497,7 @@
           <a:graphicData uri="http://schemas.openxmlformats.org/presentationml/2006/ole">
             <mc:AlternateContent xmlns:mc="http://schemas.openxmlformats.org/markup-compatibility/2006">
               <mc:Choice xmlns:v="urn:schemas-microsoft-com:vml" Requires="v">
-                <p:oleObj spid="_x0000_s17497" name="think-cell Folie" r:id="rId7" imgW="526" imgH="526" progId="TCLayout.ActiveDocument.1">
+                <p:oleObj spid="_x0000_s17500" name="think-cell Folie" r:id="rId7" imgW="526" imgH="526" progId="TCLayout.ActiveDocument.1">
                   <p:embed/>
                 </p:oleObj>
               </mc:Choice>
@@ -6378,13 +6359,6 @@
   <p:clrMapOvr>
     <a:masterClrMapping/>
   </p:clrMapOvr>
-  <p:timing>
-    <p:tnLst>
-      <p:par>
-        <p:cTn id="1" dur="indefinite" restart="never" nodeType="tmRoot"/>
-      </p:par>
-    </p:tnLst>
-  </p:timing>
 </p:sld>
 </file>
 
@@ -6430,7 +6404,7 @@
           <a:graphicData uri="http://schemas.openxmlformats.org/presentationml/2006/ole">
             <mc:AlternateContent xmlns:mc="http://schemas.openxmlformats.org/markup-compatibility/2006">
               <mc:Choice xmlns:v="urn:schemas-microsoft-com:vml" Requires="v">
-                <p:oleObj spid="_x0000_s19536" name="think-cell Folie" r:id="rId5" imgW="526" imgH="526" progId="TCLayout.ActiveDocument.1">
+                <p:oleObj spid="_x0000_s19539" name="think-cell Folie" r:id="rId5" imgW="526" imgH="526" progId="TCLayout.ActiveDocument.1">
                   <p:embed/>
                 </p:oleObj>
               </mc:Choice>
@@ -7184,7 +7158,7 @@
           <a:graphicData uri="http://schemas.openxmlformats.org/presentationml/2006/ole">
             <mc:AlternateContent xmlns:mc="http://schemas.openxmlformats.org/markup-compatibility/2006">
               <mc:Choice xmlns:v="urn:schemas-microsoft-com:vml" Requires="v">
-                <p:oleObj spid="_x0000_s20560" name="think-cell Folie" r:id="rId5" imgW="526" imgH="526" progId="TCLayout.ActiveDocument.1">
+                <p:oleObj spid="_x0000_s20563" name="think-cell Folie" r:id="rId5" imgW="526" imgH="526" progId="TCLayout.ActiveDocument.1">
                   <p:embed/>
                 </p:oleObj>
               </mc:Choice>
@@ -7585,7 +7559,7 @@
           <a:graphicData uri="http://schemas.openxmlformats.org/presentationml/2006/ole">
             <mc:AlternateContent xmlns:mc="http://schemas.openxmlformats.org/markup-compatibility/2006">
               <mc:Choice xmlns:v="urn:schemas-microsoft-com:vml" Requires="v">
-                <p:oleObj spid="_x0000_s22604" name="think-cell Folie" r:id="rId5" imgW="526" imgH="526" progId="TCLayout.ActiveDocument.1">
+                <p:oleObj spid="_x0000_s22607" name="think-cell Folie" r:id="rId5" imgW="526" imgH="526" progId="TCLayout.ActiveDocument.1">
                   <p:embed/>
                 </p:oleObj>
               </mc:Choice>
@@ -8097,13 +8071,6 @@
   <p:clrMapOvr>
     <a:masterClrMapping/>
   </p:clrMapOvr>
-  <p:timing>
-    <p:tnLst>
-      <p:par>
-        <p:cTn id="1" dur="indefinite" restart="never" nodeType="tmRoot"/>
-      </p:par>
-    </p:tnLst>
-  </p:timing>
 </p:sld>
 </file>
 
@@ -8149,7 +8116,7 @@
           <a:graphicData uri="http://schemas.openxmlformats.org/presentationml/2006/ole">
             <mc:AlternateContent xmlns:mc="http://schemas.openxmlformats.org/markup-compatibility/2006">
               <mc:Choice xmlns:v="urn:schemas-microsoft-com:vml" Requires="v">
-                <p:oleObj spid="_x0000_s15459" name="think-cell Folie" r:id="rId5" imgW="526" imgH="526" progId="TCLayout.ActiveDocument.1">
+                <p:oleObj spid="_x0000_s15462" name="think-cell Folie" r:id="rId5" imgW="526" imgH="526" progId="TCLayout.ActiveDocument.1">
                   <p:embed/>
                 </p:oleObj>
               </mc:Choice>
@@ -8479,7 +8446,7 @@
           <a:graphicData uri="http://schemas.openxmlformats.org/presentationml/2006/ole">
             <mc:AlternateContent xmlns:mc="http://schemas.openxmlformats.org/markup-compatibility/2006">
               <mc:Choice xmlns:v="urn:schemas-microsoft-com:vml" Requires="v">
-                <p:oleObj spid="_x0000_s24630" name="think-cell Folie" r:id="rId4" imgW="526" imgH="526" progId="TCLayout.ActiveDocument.1">
+                <p:oleObj spid="_x0000_s24633" name="think-cell Folie" r:id="rId4" imgW="526" imgH="526" progId="TCLayout.ActiveDocument.1">
                   <p:embed/>
                 </p:oleObj>
               </mc:Choice>
@@ -9350,7 +9317,7 @@
           <a:graphicData uri="http://schemas.openxmlformats.org/presentationml/2006/ole">
             <mc:AlternateContent xmlns:mc="http://schemas.openxmlformats.org/markup-compatibility/2006">
               <mc:Choice xmlns:v="urn:schemas-microsoft-com:vml" Requires="v">
-                <p:oleObj spid="_x0000_s23611" name="think-cell Folie" r:id="rId5" imgW="526" imgH="526" progId="TCLayout.ActiveDocument.1">
+                <p:oleObj spid="_x0000_s23614" name="think-cell Folie" r:id="rId5" imgW="526" imgH="526" progId="TCLayout.ActiveDocument.1">
                   <p:embed/>
                 </p:oleObj>
               </mc:Choice>
@@ -10038,7 +10005,7 @@
           <a:graphicData uri="http://schemas.openxmlformats.org/presentationml/2006/ole">
             <mc:AlternateContent xmlns:mc="http://schemas.openxmlformats.org/markup-compatibility/2006">
               <mc:Choice xmlns:v="urn:schemas-microsoft-com:vml" Requires="v">
-                <p:oleObj spid="_x0000_s28686" name="think-cell Folie" r:id="rId5" imgW="526" imgH="526" progId="TCLayout.ActiveDocument.1">
+                <p:oleObj spid="_x0000_s28689" name="think-cell Folie" r:id="rId5" imgW="526" imgH="526" progId="TCLayout.ActiveDocument.1">
                   <p:embed/>
                 </p:oleObj>
               </mc:Choice>
@@ -10138,49 +10105,48 @@
           <a:lstStyle/>
           <a:p>
             <a:r>
-              <a:rPr lang="en-US" dirty="0" err="1" smtClean="0"/>
+              <a:rPr lang="en-US" dirty="0" err="1"/>
               <a:t>Komprimierte</a:t>
             </a:r>
             <a:r>
-              <a:rPr lang="en-US" dirty="0" smtClean="0"/>
+              <a:rPr lang="en-US" dirty="0"/>
               <a:t> </a:t>
             </a:r>
             <a:r>
-              <a:rPr lang="en-US" dirty="0" err="1" smtClean="0"/>
+              <a:rPr lang="en-US" dirty="0" err="1"/>
               <a:t>Gruppe</a:t>
             </a:r>
             <a:r>
-              <a:rPr lang="en-US" dirty="0" smtClean="0"/>
+              <a:rPr lang="en-US" dirty="0"/>
               <a:t> nun Standard</a:t>
             </a:r>
-            <a:endParaRPr lang="en-US" dirty="0"/>
           </a:p>
         </p:txBody>
       </p:sp>
       <p:pic>
         <p:nvPicPr>
-          <p:cNvPr id="8" name="Grafik 7"/>
+          <p:cNvPr id="11" name="Grafik 10">
+            <a:extLst>
+              <a:ext uri="{FF2B5EF4-FFF2-40B4-BE49-F238E27FC236}">
+                <a16:creationId xmlns:a16="http://schemas.microsoft.com/office/drawing/2014/main" id="{D6DC64A6-29AD-4B0F-ACFC-D9AD79A412E7}"/>
+              </a:ext>
+            </a:extLst>
+          </p:cNvPr>
           <p:cNvPicPr>
             <a:picLocks noChangeAspect="1"/>
           </p:cNvPicPr>
           <p:nvPr/>
         </p:nvPicPr>
         <p:blipFill>
-          <a:blip r:embed="rId7">
-            <a:extLst>
-              <a:ext uri="{28A0092B-C50C-407E-A947-70E740481C1C}">
-                <a14:useLocalDpi xmlns:a14="http://schemas.microsoft.com/office/drawing/2010/main" val="0"/>
-              </a:ext>
-            </a:extLst>
-          </a:blip>
+          <a:blip r:embed="rId7"/>
           <a:stretch>
             <a:fillRect/>
           </a:stretch>
         </p:blipFill>
         <p:spPr>
           <a:xfrm>
-            <a:off x="1317123" y="2077837"/>
-            <a:ext cx="2771775" cy="914400"/>
+            <a:off x="1230999" y="3551714"/>
+            <a:ext cx="2857899" cy="895475"/>
           </a:xfrm>
           <a:prstGeom prst="rect">
             <a:avLst/>
@@ -10197,13 +10163,6 @@
   <p:clrMapOvr>
     <a:masterClrMapping/>
   </p:clrMapOvr>
-  <p:timing>
-    <p:tnLst>
-      <p:par>
-        <p:cTn id="1" dur="indefinite" restart="never" nodeType="tmRoot"/>
-      </p:par>
-    </p:tnLst>
-  </p:timing>
 </p:sld>
 </file>
 
@@ -15075,7 +15034,7 @@
           <a:graphicData uri="http://schemas.openxmlformats.org/presentationml/2006/ole">
             <mc:AlternateContent xmlns:mc="http://schemas.openxmlformats.org/markup-compatibility/2006">
               <mc:Choice xmlns:v="urn:schemas-microsoft-com:vml" Requires="v">
-                <p:oleObj spid="_x0000_s27677" name="think-cell Folie" r:id="rId11" imgW="526" imgH="526" progId="TCLayout.ActiveDocument.1">
+                <p:oleObj spid="_x0000_s27680" name="think-cell Folie" r:id="rId11" imgW="526" imgH="526" progId="TCLayout.ActiveDocument.1">
                   <p:embed/>
                 </p:oleObj>
               </mc:Choice>
@@ -15224,22 +15183,21 @@
           <a:lstStyle/>
           <a:p>
             <a:r>
-              <a:rPr lang="en-US" dirty="0" err="1" smtClean="0"/>
+              <a:rPr lang="en-US" dirty="0" err="1"/>
               <a:t>Verbesserung</a:t>
             </a:r>
             <a:r>
-              <a:rPr lang="en-US" dirty="0" smtClean="0"/>
+              <a:rPr lang="en-US" dirty="0"/>
               <a:t> “</a:t>
             </a:r>
             <a:r>
-              <a:rPr lang="en-US" dirty="0" err="1" smtClean="0"/>
+              <a:rPr lang="en-US" dirty="0" err="1"/>
               <a:t>Verknüpfte</a:t>
             </a:r>
             <a:r>
-              <a:rPr lang="en-US" dirty="0" smtClean="0"/>
+              <a:rPr lang="en-US" dirty="0"/>
               <a:t> Shapes”</a:t>
             </a:r>
-            <a:endParaRPr lang="en-US" dirty="0"/>
           </a:p>
         </p:txBody>
       </p:sp>
@@ -15305,7 +15263,7 @@
           <a:p>
             <a:pPr algn="ctr"/>
             <a:r>
-              <a:rPr lang="en-US" b="1" dirty="0" err="1" smtClean="0">
+              <a:rPr lang="en-US" b="1" dirty="0" err="1">
                 <a:solidFill>
                   <a:schemeClr val="tx1">
                     <a:lumMod val="100000"/>
@@ -15315,7 +15273,7 @@
               <a:t>Beispiel</a:t>
             </a:r>
             <a:r>
-              <a:rPr lang="en-US" b="1" dirty="0" smtClean="0">
+              <a:rPr lang="en-US" b="1" dirty="0">
                 <a:solidFill>
                   <a:schemeClr val="tx1">
                     <a:lumMod val="100000"/>
@@ -15324,19 +15282,18 @@
               </a:rPr>
               <a:t> Use Case</a:t>
             </a:r>
-            <a:endParaRPr lang="en-US" b="1" dirty="0">
-              <a:solidFill>
-                <a:schemeClr val="tx1">
-                  <a:lumMod val="100000"/>
-                </a:schemeClr>
-              </a:solidFill>
-            </a:endParaRPr>
           </a:p>
         </p:txBody>
       </p:sp>
       <p:pic>
         <p:nvPicPr>
-          <p:cNvPr id="8" name="Grafik 7"/>
+          <p:cNvPr id="26" name="Grafik 25">
+            <a:extLst>
+              <a:ext uri="{FF2B5EF4-FFF2-40B4-BE49-F238E27FC236}">
+                <a16:creationId xmlns:a16="http://schemas.microsoft.com/office/drawing/2014/main" id="{97A3A36C-7D16-4CC9-B0D1-E57F98AD67BB}"/>
+              </a:ext>
+            </a:extLst>
+          </p:cNvPr>
           <p:cNvPicPr>
             <a:picLocks noChangeAspect="1"/>
           </p:cNvPicPr>
@@ -15351,7 +15308,7 @@
         <p:spPr>
           <a:xfrm>
             <a:off x="838200" y="1900329"/>
-            <a:ext cx="3731221" cy="1820781"/>
+            <a:ext cx="3569806" cy="1820781"/>
           </a:xfrm>
           <a:prstGeom prst="rect">
             <a:avLst/>
@@ -15394,7 +15351,7 @@
               <a:buChar char="•"/>
             </a:pPr>
             <a:r>
-              <a:rPr lang="de-DE" dirty="0" smtClean="0"/>
+              <a:rPr lang="de-DE" dirty="0"/>
               <a:t>Auswahl der Referenz (gilt für die aktuelle Session bis zum PPT-Neustart)</a:t>
             </a:r>
           </a:p>
@@ -15407,15 +15364,15 @@
               <a:buChar char="•"/>
             </a:pPr>
             <a:r>
-              <a:rPr lang="de-DE" dirty="0" smtClean="0"/>
+              <a:rPr lang="de-DE" dirty="0"/>
               <a:t>Status-</a:t>
             </a:r>
             <a:r>
-              <a:rPr lang="de-DE" dirty="0" err="1" smtClean="0"/>
+              <a:rPr lang="de-DE" dirty="0" err="1"/>
               <a:t>Overlays</a:t>
             </a:r>
             <a:r>
-              <a:rPr lang="de-DE" dirty="0" smtClean="0"/>
+              <a:rPr lang="de-DE" dirty="0"/>
               <a:t> (zur Überprüfung ob Aktualisierung erfolgreich war)</a:t>
             </a:r>
           </a:p>
@@ -15428,10 +15385,9 @@
               <a:buChar char="•"/>
             </a:pPr>
             <a:r>
-              <a:rPr lang="de-DE" dirty="0" smtClean="0"/>
+              <a:rPr lang="de-DE" dirty="0"/>
               <a:t>Mehrere verknüpfte Shapes gleichzeitig auswählen und aktualisieren</a:t>
             </a:r>
-            <a:endParaRPr lang="de-DE" dirty="0"/>
           </a:p>
         </p:txBody>
       </p:sp>
@@ -15836,10 +15792,9 @@
           <a:lstStyle/>
           <a:p>
             <a:r>
-              <a:rPr lang="en-US" dirty="0" smtClean="0"/>
+              <a:rPr lang="en-US" dirty="0"/>
               <a:t>A</a:t>
             </a:r>
-            <a:endParaRPr lang="en-US" dirty="0"/>
           </a:p>
         </p:txBody>
       </p:sp>
@@ -15866,10 +15821,9 @@
           <a:lstStyle/>
           <a:p>
             <a:r>
-              <a:rPr lang="en-US" dirty="0" smtClean="0"/>
+              <a:rPr lang="en-US" dirty="0"/>
               <a:t>B</a:t>
             </a:r>
-            <a:endParaRPr lang="en-US" dirty="0"/>
           </a:p>
         </p:txBody>
       </p:sp>
@@ -15896,10 +15850,9 @@
           <a:lstStyle/>
           <a:p>
             <a:r>
-              <a:rPr lang="en-US" dirty="0" smtClean="0"/>
+              <a:rPr lang="en-US" dirty="0"/>
               <a:t>C</a:t>
             </a:r>
-            <a:endParaRPr lang="en-US" dirty="0"/>
           </a:p>
         </p:txBody>
       </p:sp>
@@ -16088,10 +16041,9 @@
           <a:lstStyle/>
           <a:p>
             <a:r>
-              <a:rPr lang="en-US" sz="1200" dirty="0" smtClean="0"/>
+              <a:rPr lang="en-US" sz="1200" dirty="0"/>
               <a:t>A</a:t>
             </a:r>
-            <a:endParaRPr lang="en-US" sz="1200" dirty="0"/>
           </a:p>
         </p:txBody>
       </p:sp>
@@ -16118,10 +16070,9 @@
           <a:lstStyle/>
           <a:p>
             <a:r>
-              <a:rPr lang="en-US" sz="1200" dirty="0" smtClean="0"/>
+              <a:rPr lang="en-US" sz="1200" dirty="0"/>
               <a:t>B</a:t>
             </a:r>
-            <a:endParaRPr lang="en-US" sz="1200" dirty="0"/>
           </a:p>
         </p:txBody>
       </p:sp>
@@ -16148,10 +16099,9 @@
           <a:lstStyle/>
           <a:p>
             <a:r>
-              <a:rPr lang="en-US" sz="1200" dirty="0" smtClean="0"/>
+              <a:rPr lang="en-US" sz="1200" dirty="0"/>
               <a:t>C</a:t>
             </a:r>
-            <a:endParaRPr lang="en-US" sz="1200" dirty="0"/>
           </a:p>
         </p:txBody>
       </p:sp>
@@ -16314,7 +16264,7 @@
               <a:buChar char="•"/>
             </a:pPr>
             <a:r>
-              <a:rPr lang="de-DE" sz="1200" dirty="0" smtClean="0"/>
+              <a:rPr lang="de-DE" sz="1200" dirty="0"/>
               <a:t>Es gibt mehrere Status-Folien mit Ampeln sowie eine Management Summary</a:t>
             </a:r>
           </a:p>
@@ -16327,7 +16277,7 @@
               <a:buChar char="•"/>
             </a:pPr>
             <a:r>
-              <a:rPr lang="de-DE" sz="1200" dirty="0" smtClean="0"/>
+              <a:rPr lang="de-DE" sz="1200" dirty="0"/>
               <a:t>Wenn die Summary-Ampeln mit den einzelnen Folien verknüpft werden, könne alle auf einen Schlag aktualisiert werden</a:t>
             </a:r>
           </a:p>
@@ -16340,14 +16290,9 @@
               <a:buChar char="•"/>
             </a:pPr>
             <a:r>
-              <a:rPr lang="de-DE" sz="1200" dirty="0" smtClean="0"/>
-              <a:t>Dazu muss die Referenz auf „Letztes Shap</a:t>
-            </a:r>
-            <a:r>
-              <a:rPr lang="de-DE" sz="1200" dirty="0" smtClean="0"/>
-              <a:t>e im Foliensatz“ gesetzt werden</a:t>
-            </a:r>
-            <a:endParaRPr lang="de-DE" sz="1200" dirty="0"/>
+              <a:rPr lang="de-DE" sz="1200" dirty="0"/>
+              <a:t>Dazu muss die Referenz auf „Letztes Shape im Foliensatz“ gesetzt werden</a:t>
+            </a:r>
           </a:p>
         </p:txBody>
       </p:sp>
@@ -16374,14 +16319,13 @@
           <a:lstStyle/>
           <a:p>
             <a:r>
-              <a:rPr lang="en-US" sz="800" dirty="0" err="1" smtClean="0"/>
+              <a:rPr lang="en-US" sz="800" dirty="0" err="1"/>
               <a:t>Folie</a:t>
             </a:r>
             <a:r>
-              <a:rPr lang="en-US" sz="800" dirty="0" smtClean="0"/>
+              <a:rPr lang="en-US" sz="800" dirty="0"/>
               <a:t> 1</a:t>
             </a:r>
-            <a:endParaRPr lang="en-US" sz="800" dirty="0"/>
           </a:p>
         </p:txBody>
       </p:sp>
@@ -16408,14 +16352,13 @@
           <a:lstStyle/>
           <a:p>
             <a:r>
-              <a:rPr lang="en-US" sz="800" dirty="0" err="1" smtClean="0"/>
+              <a:rPr lang="en-US" sz="800" dirty="0" err="1"/>
               <a:t>Folie</a:t>
             </a:r>
             <a:r>
-              <a:rPr lang="en-US" sz="800" dirty="0" smtClean="0"/>
+              <a:rPr lang="en-US" sz="800" dirty="0"/>
               <a:t> 2</a:t>
             </a:r>
-            <a:endParaRPr lang="en-US" sz="800" dirty="0"/>
           </a:p>
         </p:txBody>
       </p:sp>
@@ -16442,14 +16385,13 @@
           <a:lstStyle/>
           <a:p>
             <a:r>
-              <a:rPr lang="en-US" sz="800" dirty="0" err="1" smtClean="0"/>
+              <a:rPr lang="en-US" sz="800" dirty="0" err="1"/>
               <a:t>Folie</a:t>
             </a:r>
             <a:r>
-              <a:rPr lang="en-US" sz="800" dirty="0" smtClean="0"/>
+              <a:rPr lang="en-US" sz="800" dirty="0"/>
               <a:t> 3</a:t>
             </a:r>
-            <a:endParaRPr lang="en-US" sz="800" dirty="0"/>
           </a:p>
         </p:txBody>
       </p:sp>
@@ -16476,14 +16418,13 @@
           <a:lstStyle/>
           <a:p>
             <a:r>
-              <a:rPr lang="en-US" sz="800" dirty="0" err="1" smtClean="0"/>
+              <a:rPr lang="en-US" sz="800" dirty="0" err="1"/>
               <a:t>Folie</a:t>
             </a:r>
             <a:r>
-              <a:rPr lang="en-US" sz="800" dirty="0" smtClean="0"/>
+              <a:rPr lang="en-US" sz="800" dirty="0"/>
               <a:t> 4</a:t>
             </a:r>
-            <a:endParaRPr lang="en-US" sz="800" dirty="0"/>
           </a:p>
         </p:txBody>
       </p:sp>
@@ -16497,13 +16438,6 @@
   <p:clrMapOvr>
     <a:masterClrMapping/>
   </p:clrMapOvr>
-  <p:timing>
-    <p:tnLst>
-      <p:par>
-        <p:cTn id="1" dur="indefinite" restart="never" nodeType="tmRoot"/>
-      </p:par>
-    </p:tnLst>
-  </p:timing>
 </p:sld>
 </file>
 
@@ -17623,7 +17557,7 @@
           <a:graphicData uri="http://schemas.openxmlformats.org/presentationml/2006/ole">
             <mc:AlternateContent xmlns:mc="http://schemas.openxmlformats.org/markup-compatibility/2006">
               <mc:Choice xmlns:v="urn:schemas-microsoft-com:vml" Requires="v">
-                <p:oleObj spid="_x0000_s6284" name="think-cell Folie" r:id="rId5" imgW="631" imgH="631" progId="TCLayout.ActiveDocument.1">
+                <p:oleObj spid="_x0000_s6287" name="think-cell Folie" r:id="rId5" imgW="631" imgH="631" progId="TCLayout.ActiveDocument.1">
                   <p:embed/>
                 </p:oleObj>
               </mc:Choice>
@@ -19074,7 +19008,7 @@
           <a:graphicData uri="http://schemas.openxmlformats.org/presentationml/2006/ole">
             <mc:AlternateContent xmlns:mc="http://schemas.openxmlformats.org/markup-compatibility/2006">
               <mc:Choice xmlns:v="urn:schemas-microsoft-com:vml" Requires="v">
-                <p:oleObj spid="_x0000_s7308" name="think-cell Folie" r:id="rId6" imgW="631" imgH="631" progId="TCLayout.ActiveDocument.1">
+                <p:oleObj spid="_x0000_s7311" name="think-cell Folie" r:id="rId6" imgW="631" imgH="631" progId="TCLayout.ActiveDocument.1">
                   <p:embed/>
                 </p:oleObj>
               </mc:Choice>
@@ -21538,7 +21472,7 @@
           <a:graphicData uri="http://schemas.openxmlformats.org/presentationml/2006/ole">
             <mc:AlternateContent xmlns:mc="http://schemas.openxmlformats.org/markup-compatibility/2006">
               <mc:Choice xmlns:v="urn:schemas-microsoft-com:vml" Requires="v">
-                <p:oleObj spid="_x0000_s8332" name="think-cell Folie" r:id="rId5" imgW="631" imgH="631" progId="TCLayout.ActiveDocument.1">
+                <p:oleObj spid="_x0000_s8335" name="think-cell Folie" r:id="rId5" imgW="631" imgH="631" progId="TCLayout.ActiveDocument.1">
                   <p:embed/>
                 </p:oleObj>
               </mc:Choice>
@@ -22878,7 +22812,7 @@
           <a:graphicData uri="http://schemas.openxmlformats.org/presentationml/2006/ole">
             <mc:AlternateContent xmlns:mc="http://schemas.openxmlformats.org/markup-compatibility/2006">
               <mc:Choice xmlns:v="urn:schemas-microsoft-com:vml" Requires="v">
-                <p:oleObj spid="_x0000_s9356" name="think-cell Folie" r:id="rId5" imgW="592" imgH="588" progId="TCLayout.ActiveDocument.1">
+                <p:oleObj spid="_x0000_s9359" name="think-cell Folie" r:id="rId5" imgW="592" imgH="588" progId="TCLayout.ActiveDocument.1">
                   <p:embed/>
                 </p:oleObj>
               </mc:Choice>
@@ -24084,7 +24018,7 @@
           <a:graphicData uri="http://schemas.openxmlformats.org/presentationml/2006/ole">
             <mc:AlternateContent xmlns:mc="http://schemas.openxmlformats.org/markup-compatibility/2006">
               <mc:Choice xmlns:v="urn:schemas-microsoft-com:vml" Requires="v">
-                <p:oleObj spid="_x0000_s10380" name="think-cell Folie" r:id="rId5" imgW="631" imgH="631" progId="TCLayout.ActiveDocument.1">
+                <p:oleObj spid="_x0000_s10383" name="think-cell Folie" r:id="rId5" imgW="631" imgH="631" progId="TCLayout.ActiveDocument.1">
                   <p:embed/>
                 </p:oleObj>
               </mc:Choice>
@@ -25185,7 +25119,7 @@
           <a:graphicData uri="http://schemas.openxmlformats.org/presentationml/2006/ole">
             <mc:AlternateContent xmlns:mc="http://schemas.openxmlformats.org/markup-compatibility/2006">
               <mc:Choice xmlns:v="urn:schemas-microsoft-com:vml" Requires="v">
-                <p:oleObj spid="_x0000_s26656" name="think-cell Folie" r:id="rId4" imgW="526" imgH="526" progId="TCLayout.ActiveDocument.1">
+                <p:oleObj spid="_x0000_s26659" name="think-cell Folie" r:id="rId4" imgW="526" imgH="526" progId="TCLayout.ActiveDocument.1">
                   <p:embed/>
                 </p:oleObj>
               </mc:Choice>
@@ -25236,10 +25170,9 @@
           <a:lstStyle/>
           <a:p>
             <a:r>
-              <a:rPr lang="en-US" dirty="0" smtClean="0"/>
+              <a:rPr lang="en-US" dirty="0"/>
               <a:t>Divers</a:t>
             </a:r>
-            <a:endParaRPr lang="en-US" dirty="0"/>
           </a:p>
         </p:txBody>
       </p:sp>
@@ -25266,10 +25199,9 @@
           <a:lstStyle/>
           <a:p>
             <a:r>
-              <a:rPr lang="en-US" dirty="0" smtClean="0"/>
+              <a:rPr lang="en-US" dirty="0"/>
               <a:t>Master</a:t>
             </a:r>
-            <a:endParaRPr lang="en-US" dirty="0"/>
           </a:p>
         </p:txBody>
       </p:sp>
@@ -25296,22 +25228,21 @@
           <a:lstStyle/>
           <a:p>
             <a:r>
-              <a:rPr lang="en-US" dirty="0" err="1" smtClean="0"/>
+              <a:rPr lang="en-US" dirty="0" err="1"/>
               <a:t>Referenz</a:t>
             </a:r>
             <a:r>
-              <a:rPr lang="en-US" dirty="0" smtClean="0"/>
+              <a:rPr lang="en-US" dirty="0"/>
               <a:t>/</a:t>
             </a:r>
             <a:r>
-              <a:rPr lang="en-US" dirty="0" err="1" smtClean="0"/>
+              <a:rPr lang="en-US" dirty="0" err="1"/>
               <a:t>Haupt</a:t>
             </a:r>
             <a:r>
-              <a:rPr lang="en-US" dirty="0" smtClean="0"/>
+              <a:rPr lang="en-US" dirty="0"/>
               <a:t>-…</a:t>
             </a:r>
-            <a:endParaRPr lang="en-US" dirty="0"/>
           </a:p>
         </p:txBody>
       </p:sp>
@@ -25418,7 +25349,13 @@
       </p:cxnSp>
       <p:pic>
         <p:nvPicPr>
-          <p:cNvPr id="10" name="Grafik 9"/>
+          <p:cNvPr id="3" name="Grafik 2">
+            <a:extLst>
+              <a:ext uri="{FF2B5EF4-FFF2-40B4-BE49-F238E27FC236}">
+                <a16:creationId xmlns:a16="http://schemas.microsoft.com/office/drawing/2014/main" id="{D993449E-4649-42F7-B346-BEFD2703F5C1}"/>
+              </a:ext>
+            </a:extLst>
+          </p:cNvPr>
           <p:cNvPicPr>
             <a:picLocks noChangeAspect="1"/>
           </p:cNvPicPr>
@@ -25433,7 +25370,7 @@
         <p:spPr>
           <a:xfrm>
             <a:off x="950755" y="3015574"/>
-            <a:ext cx="1679369" cy="3290085"/>
+            <a:ext cx="1377951" cy="3290085"/>
           </a:xfrm>
           <a:prstGeom prst="rect">
             <a:avLst/>
@@ -25442,7 +25379,13 @@
       </p:pic>
       <p:pic>
         <p:nvPicPr>
-          <p:cNvPr id="11" name="Grafik 10"/>
+          <p:cNvPr id="15" name="Grafik 14">
+            <a:extLst>
+              <a:ext uri="{FF2B5EF4-FFF2-40B4-BE49-F238E27FC236}">
+                <a16:creationId xmlns:a16="http://schemas.microsoft.com/office/drawing/2014/main" id="{256A11DA-78AC-4B34-880E-84F572E32D10}"/>
+              </a:ext>
+            </a:extLst>
+          </p:cNvPr>
           <p:cNvPicPr>
             <a:picLocks noChangeAspect="1"/>
           </p:cNvPicPr>
@@ -25457,7 +25400,7 @@
         <p:spPr>
           <a:xfrm>
             <a:off x="5297758" y="2637853"/>
-            <a:ext cx="2400635" cy="3839111"/>
+            <a:ext cx="2170926" cy="3839111"/>
           </a:xfrm>
           <a:prstGeom prst="rect">
             <a:avLst/>
@@ -25498,10 +25441,9 @@
               </a:spcAft>
             </a:pPr>
             <a:r>
-              <a:rPr lang="de-DE" dirty="0" smtClean="0"/>
+              <a:rPr lang="de-DE" dirty="0"/>
               <a:t>Z-Order nach Position sortieren</a:t>
             </a:r>
-            <a:endParaRPr lang="de-DE" dirty="0"/>
           </a:p>
         </p:txBody>
       </p:sp>
@@ -25592,14 +25534,13 @@
           <a:lstStyle/>
           <a:p>
             <a:r>
-              <a:rPr lang="en-US" dirty="0" err="1" smtClean="0"/>
+              <a:rPr lang="en-US" dirty="0" err="1"/>
               <a:t>FontAwesome</a:t>
             </a:r>
             <a:r>
-              <a:rPr lang="en-US" dirty="0" smtClean="0"/>
+              <a:rPr lang="en-US" dirty="0"/>
               <a:t> v5.15.0</a:t>
             </a:r>
-            <a:endParaRPr lang="en-US" dirty="0"/>
           </a:p>
         </p:txBody>
       </p:sp>
@@ -25613,13 +25554,6 @@
   <p:clrMapOvr>
     <a:masterClrMapping/>
   </p:clrMapOvr>
-  <p:timing>
-    <p:tnLst>
-      <p:par>
-        <p:cTn id="1" dur="indefinite" restart="never" nodeType="tmRoot"/>
-      </p:par>
-    </p:tnLst>
-  </p:timing>
 </p:sld>
 </file>
 
@@ -25665,7 +25599,7 @@
           <a:graphicData uri="http://schemas.openxmlformats.org/presentationml/2006/ole">
             <mc:AlternateContent xmlns:mc="http://schemas.openxmlformats.org/markup-compatibility/2006">
               <mc:Choice xmlns:v="urn:schemas-microsoft-com:vml" Requires="v">
-                <p:oleObj spid="_x0000_s30729" name="think-cell Folie" r:id="rId4" imgW="526" imgH="526" progId="TCLayout.ActiveDocument.1">
+                <p:oleObj spid="_x0000_s30732" name="think-cell Folie" r:id="rId4" imgW="526" imgH="526" progId="TCLayout.ActiveDocument.1">
                   <p:embed/>
                 </p:oleObj>
               </mc:Choice>
@@ -25716,7 +25650,7 @@
           <a:lstStyle/>
           <a:p>
             <a:r>
-              <a:rPr lang="en-US" dirty="0" err="1" smtClean="0"/>
+              <a:rPr lang="en-US" dirty="0" err="1"/>
               <a:t>Dialoge</a:t>
             </a:r>
             <a:endParaRPr lang="en-US" dirty="0"/>
@@ -25781,10 +25715,9 @@
               </a:spcAft>
             </a:pPr>
             <a:r>
-              <a:rPr lang="de-DE" dirty="0" smtClean="0"/>
+              <a:rPr lang="de-DE" dirty="0"/>
               <a:t>Neue Option „Leere Abschnitte entfernen“</a:t>
             </a:r>
-            <a:endParaRPr lang="de-DE" dirty="0"/>
           </a:p>
         </p:txBody>
       </p:sp>
@@ -25822,13 +25755,6 @@
   <p:clrMapOvr>
     <a:masterClrMapping/>
   </p:clrMapOvr>
-  <p:timing>
-    <p:tnLst>
-      <p:par>
-        <p:cTn id="1" dur="indefinite" restart="never" nodeType="tmRoot"/>
-      </p:par>
-    </p:tnLst>
-  </p:timing>
 </p:sld>
 </file>
 
@@ -25874,7 +25800,7 @@
           <a:graphicData uri="http://schemas.openxmlformats.org/presentationml/2006/ole">
             <mc:AlternateContent xmlns:mc="http://schemas.openxmlformats.org/markup-compatibility/2006">
               <mc:Choice xmlns:v="urn:schemas-microsoft-com:vml" Requires="v">
-                <p:oleObj spid="_x0000_s29709" name="think-cell Folie" r:id="rId5" imgW="526" imgH="526" progId="TCLayout.ActiveDocument.1">
+                <p:oleObj spid="_x0000_s29712" name="think-cell Folie" r:id="rId5" imgW="526" imgH="526" progId="TCLayout.ActiveDocument.1">
                   <p:embed/>
                 </p:oleObj>
               </mc:Choice>
@@ -25974,30 +25900,29 @@
           <a:lstStyle/>
           <a:p>
             <a:r>
-              <a:rPr lang="en-US" dirty="0" err="1" smtClean="0"/>
+              <a:rPr lang="en-US" dirty="0" err="1"/>
               <a:t>Funktion</a:t>
             </a:r>
             <a:r>
-              <a:rPr lang="en-US" dirty="0" smtClean="0"/>
+              <a:rPr lang="en-US" dirty="0"/>
               <a:t> “</a:t>
             </a:r>
             <a:r>
-              <a:rPr lang="en-US" dirty="0" err="1" smtClean="0"/>
+              <a:rPr lang="en-US" dirty="0" err="1"/>
               <a:t>Folien</a:t>
             </a:r>
             <a:r>
-              <a:rPr lang="en-US" dirty="0" smtClean="0"/>
+              <a:rPr lang="en-US" dirty="0"/>
               <a:t> </a:t>
             </a:r>
             <a:r>
-              <a:rPr lang="en-US" dirty="0" err="1" smtClean="0"/>
+              <a:rPr lang="en-US" dirty="0" err="1"/>
               <a:t>synchronisieren</a:t>
             </a:r>
             <a:r>
-              <a:rPr lang="en-US" dirty="0" smtClean="0"/>
+              <a:rPr lang="en-US" dirty="0"/>
               <a:t>”</a:t>
             </a:r>
-            <a:endParaRPr lang="en-US" dirty="0"/>
           </a:p>
         </p:txBody>
       </p:sp>
@@ -26027,7 +25952,13 @@
       </p:pic>
       <p:pic>
         <p:nvPicPr>
-          <p:cNvPr id="4" name="Grafik 3"/>
+          <p:cNvPr id="34" name="Grafik 33">
+            <a:extLst>
+              <a:ext uri="{FF2B5EF4-FFF2-40B4-BE49-F238E27FC236}">
+                <a16:creationId xmlns:a16="http://schemas.microsoft.com/office/drawing/2014/main" id="{E2062843-0844-4038-B048-59749539CF56}"/>
+              </a:ext>
+            </a:extLst>
+          </p:cNvPr>
           <p:cNvPicPr>
             <a:picLocks noChangeAspect="1"/>
           </p:cNvPicPr>
@@ -26042,7 +25973,7 @@
         <p:spPr>
           <a:xfrm>
             <a:off x="411274" y="1490217"/>
-            <a:ext cx="2108758" cy="3877565"/>
+            <a:ext cx="1918999" cy="3877565"/>
           </a:xfrm>
           <a:prstGeom prst="rect">
             <a:avLst/>
@@ -26111,7 +26042,7 @@
           <a:p>
             <a:pPr algn="ctr"/>
             <a:r>
-              <a:rPr lang="en-US" b="1" dirty="0" err="1" smtClean="0">
+              <a:rPr lang="en-US" b="1" dirty="0" err="1">
                 <a:solidFill>
                   <a:schemeClr val="tx1">
                     <a:lumMod val="100000"/>
@@ -26121,7 +26052,7 @@
               <a:t>Beispiel</a:t>
             </a:r>
             <a:r>
-              <a:rPr lang="en-US" b="1" dirty="0" smtClean="0">
+              <a:rPr lang="en-US" b="1" dirty="0">
                 <a:solidFill>
                   <a:schemeClr val="tx1">
                     <a:lumMod val="100000"/>
@@ -26130,13 +26061,6 @@
               </a:rPr>
               <a:t> Use Case</a:t>
             </a:r>
-            <a:endParaRPr lang="en-US" b="1" dirty="0">
-              <a:solidFill>
-                <a:schemeClr val="tx1">
-                  <a:lumMod val="100000"/>
-                </a:schemeClr>
-              </a:solidFill>
-            </a:endParaRPr>
           </a:p>
         </p:txBody>
       </p:sp>
@@ -26335,10 +26259,9 @@
           <a:lstStyle/>
           <a:p>
             <a:r>
-              <a:rPr lang="en-US" sz="800" dirty="0" smtClean="0"/>
+              <a:rPr lang="en-US" sz="800" dirty="0"/>
               <a:t>Template v1</a:t>
             </a:r>
-            <a:endParaRPr lang="en-US" sz="800" dirty="0"/>
           </a:p>
         </p:txBody>
       </p:sp>
@@ -26365,14 +26288,13 @@
           <a:lstStyle/>
           <a:p>
             <a:r>
-              <a:rPr lang="en-US" sz="800" dirty="0" err="1" smtClean="0"/>
+              <a:rPr lang="en-US" sz="800" dirty="0" err="1"/>
               <a:t>OnePager</a:t>
             </a:r>
             <a:r>
-              <a:rPr lang="en-US" sz="800" dirty="0" smtClean="0"/>
+              <a:rPr lang="en-US" sz="800" dirty="0"/>
               <a:t> 1</a:t>
             </a:r>
-            <a:endParaRPr lang="en-US" sz="800" dirty="0"/>
           </a:p>
         </p:txBody>
       </p:sp>
@@ -26453,14 +26375,13 @@
           <a:lstStyle/>
           <a:p>
             <a:r>
-              <a:rPr lang="en-US" sz="800" dirty="0" err="1" smtClean="0"/>
+              <a:rPr lang="en-US" sz="800" dirty="0" err="1"/>
               <a:t>OnePager</a:t>
             </a:r>
             <a:r>
-              <a:rPr lang="en-US" sz="800" dirty="0" smtClean="0"/>
+              <a:rPr lang="en-US" sz="800" dirty="0"/>
               <a:t> 2</a:t>
             </a:r>
-            <a:endParaRPr lang="en-US" sz="800" dirty="0"/>
           </a:p>
         </p:txBody>
       </p:sp>
@@ -26501,10 +26422,9 @@
           <a:p>
             <a:pPr algn="ctr"/>
             <a:r>
-              <a:rPr lang="en-US" sz="1000" dirty="0" smtClean="0"/>
+              <a:rPr lang="en-US" sz="1000" dirty="0"/>
               <a:t>X:</a:t>
             </a:r>
-            <a:endParaRPr lang="en-US" sz="1000" dirty="0"/>
           </a:p>
         </p:txBody>
       </p:sp>
@@ -26545,10 +26465,9 @@
           <a:p>
             <a:pPr algn="ctr"/>
             <a:r>
-              <a:rPr lang="en-US" sz="1000" dirty="0" smtClean="0"/>
+              <a:rPr lang="en-US" sz="1000" dirty="0"/>
               <a:t>Y:</a:t>
             </a:r>
-            <a:endParaRPr lang="en-US" sz="1000" dirty="0"/>
           </a:p>
         </p:txBody>
       </p:sp>
@@ -26687,10 +26606,9 @@
           <a:p>
             <a:pPr algn="ctr"/>
             <a:r>
-              <a:rPr lang="en-US" sz="1000" dirty="0" smtClean="0"/>
+              <a:rPr lang="en-US" sz="1000" dirty="0"/>
               <a:t>X:</a:t>
             </a:r>
-            <a:endParaRPr lang="en-US" sz="1000" dirty="0"/>
           </a:p>
         </p:txBody>
       </p:sp>
@@ -26731,10 +26649,9 @@
           <a:p>
             <a:pPr algn="ctr"/>
             <a:r>
-              <a:rPr lang="en-US" sz="1000" dirty="0" smtClean="0"/>
+              <a:rPr lang="en-US" sz="1000" dirty="0"/>
               <a:t>Y:</a:t>
             </a:r>
-            <a:endParaRPr lang="en-US" sz="1000" dirty="0"/>
           </a:p>
         </p:txBody>
       </p:sp>
@@ -26780,7 +26697,7 @@
           <a:p>
             <a:pPr algn="ctr"/>
             <a:r>
-              <a:rPr lang="en-US" sz="800" dirty="0" err="1" smtClean="0">
+              <a:rPr lang="en-US" sz="800" dirty="0" err="1">
                 <a:solidFill>
                   <a:sysClr val="windowText" lastClr="000000"/>
                 </a:solidFill>
@@ -26837,7 +26754,7 @@
           <a:p>
             <a:pPr algn="ctr"/>
             <a:r>
-              <a:rPr lang="en-US" sz="800" dirty="0" err="1" smtClean="0">
+              <a:rPr lang="en-US" sz="800" dirty="0" err="1">
                 <a:solidFill>
                   <a:sysClr val="windowText" lastClr="000000"/>
                 </a:solidFill>
@@ -26889,10 +26806,9 @@
           <a:p>
             <a:pPr algn="ctr"/>
             <a:r>
-              <a:rPr lang="en-US" sz="1000" dirty="0" smtClean="0"/>
+              <a:rPr lang="en-US" sz="1000" dirty="0"/>
               <a:t>X:</a:t>
             </a:r>
-            <a:endParaRPr lang="en-US" sz="1000" dirty="0"/>
           </a:p>
         </p:txBody>
       </p:sp>
@@ -26933,10 +26849,9 @@
           <a:p>
             <a:pPr algn="ctr"/>
             <a:r>
-              <a:rPr lang="en-US" sz="1000" dirty="0" smtClean="0"/>
+              <a:rPr lang="en-US" sz="1000" dirty="0"/>
               <a:t>Y:</a:t>
             </a:r>
-            <a:endParaRPr lang="en-US" sz="1000" dirty="0"/>
           </a:p>
         </p:txBody>
       </p:sp>
@@ -26982,18 +26897,13 @@
           <a:p>
             <a:pPr algn="ctr"/>
             <a:r>
-              <a:rPr lang="en-US" sz="800" dirty="0" smtClean="0">
+              <a:rPr lang="en-US" sz="800" dirty="0">
                 <a:solidFill>
                   <a:sysClr val="windowText" lastClr="000000"/>
                 </a:solidFill>
               </a:rPr>
               <a:t>xyz</a:t>
             </a:r>
-            <a:endParaRPr lang="en-US" sz="800" dirty="0">
-              <a:solidFill>
-                <a:sysClr val="windowText" lastClr="000000"/>
-              </a:solidFill>
-            </a:endParaRPr>
           </a:p>
         </p:txBody>
       </p:sp>
@@ -27039,18 +26949,13 @@
           <a:p>
             <a:pPr algn="ctr"/>
             <a:r>
-              <a:rPr lang="en-US" sz="800" dirty="0" smtClean="0">
+              <a:rPr lang="en-US" sz="800" dirty="0">
                 <a:solidFill>
                   <a:sysClr val="windowText" lastClr="000000"/>
                 </a:solidFill>
               </a:rPr>
               <a:t>123</a:t>
             </a:r>
-            <a:endParaRPr lang="en-US" sz="800" dirty="0">
-              <a:solidFill>
-                <a:sysClr val="windowText" lastClr="000000"/>
-              </a:solidFill>
-            </a:endParaRPr>
           </a:p>
         </p:txBody>
       </p:sp>
@@ -27131,10 +27036,9 @@
           <a:lstStyle/>
           <a:p>
             <a:r>
-              <a:rPr lang="en-US" sz="800" dirty="0" smtClean="0"/>
+              <a:rPr lang="en-US" sz="800" dirty="0"/>
               <a:t>Template v2</a:t>
             </a:r>
-            <a:endParaRPr lang="en-US" sz="800" dirty="0"/>
           </a:p>
         </p:txBody>
       </p:sp>
@@ -27178,10 +27082,9 @@
           <a:p>
             <a:pPr algn="ctr"/>
             <a:r>
-              <a:rPr lang="en-US" sz="800" dirty="0" smtClean="0"/>
+              <a:rPr lang="en-US" sz="800" dirty="0"/>
               <a:t>X:</a:t>
             </a:r>
-            <a:endParaRPr lang="en-US" sz="800" dirty="0"/>
           </a:p>
         </p:txBody>
       </p:sp>
@@ -27225,10 +27128,9 @@
           <a:p>
             <a:pPr algn="ctr"/>
             <a:r>
-              <a:rPr lang="en-US" sz="800" dirty="0" smtClean="0"/>
+              <a:rPr lang="en-US" sz="800" dirty="0"/>
               <a:t>Y:</a:t>
             </a:r>
-            <a:endParaRPr lang="en-US" sz="800" dirty="0"/>
           </a:p>
         </p:txBody>
       </p:sp>
@@ -27453,13 +27355,8 @@
             <a:pPr algn="ctr"/>
             <a:r>
               <a:rPr lang="en-US" sz="800" dirty="0"/>
-              <a:t>Z</a:t>
-            </a:r>
-            <a:r>
-              <a:rPr lang="en-US" sz="800" dirty="0" smtClean="0"/>
-              <a:t>:</a:t>
-            </a:r>
-            <a:endParaRPr lang="en-US" sz="800" dirty="0"/>
+              <a:t>Z:</a:t>
+            </a:r>
           </a:p>
         </p:txBody>
       </p:sp>
@@ -27546,30 +27443,25 @@
               </a:spcAft>
             </a:pPr>
             <a:r>
-              <a:rPr lang="de-DE" sz="1200" dirty="0" smtClean="0"/>
+              <a:rPr lang="de-DE" sz="1200" dirty="0"/>
               <a:t>Erstellt man ein Template für </a:t>
             </a:r>
             <a:r>
-              <a:rPr lang="de-DE" sz="1200" dirty="0" err="1" smtClean="0"/>
+              <a:rPr lang="de-DE" sz="1200" dirty="0" err="1"/>
               <a:t>OnePager</a:t>
             </a:r>
             <a:r>
               <a:rPr lang="de-DE" sz="1200" dirty="0"/>
-              <a:t> </a:t>
-            </a:r>
-            <a:r>
-              <a:rPr lang="de-DE" sz="1200" dirty="0" smtClean="0"/>
-              <a:t>und ändert dieses später an, kann man mit „Folien synchronisieren“ die Änderungen ganz einfach auf alle </a:t>
-            </a:r>
-            <a:r>
-              <a:rPr lang="de-DE" sz="1200" dirty="0" err="1" smtClean="0"/>
+              <a:t> und ändert dieses später an, kann man mit „Folien synchronisieren“ die Änderungen ganz einfach auf alle </a:t>
+            </a:r>
+            <a:r>
+              <a:rPr lang="de-DE" sz="1200" dirty="0" err="1"/>
               <a:t>OnePager</a:t>
             </a:r>
             <a:r>
-              <a:rPr lang="de-DE" sz="1200" dirty="0" smtClean="0"/>
+              <a:rPr lang="de-DE" sz="1200" dirty="0"/>
               <a:t> übertragen, ohne bestehende Inhalte zu überschreiben</a:t>
             </a:r>
-            <a:endParaRPr lang="de-DE" sz="1200" dirty="0"/>
           </a:p>
         </p:txBody>
       </p:sp>
@@ -27696,14 +27588,13 @@
           <a:lstStyle/>
           <a:p>
             <a:r>
-              <a:rPr lang="en-US" sz="800" dirty="0" err="1" smtClean="0"/>
+              <a:rPr lang="en-US" sz="800" dirty="0" err="1"/>
               <a:t>OnePager</a:t>
             </a:r>
             <a:r>
-              <a:rPr lang="en-US" sz="800" dirty="0" smtClean="0"/>
+              <a:rPr lang="en-US" sz="800" dirty="0"/>
               <a:t> 1</a:t>
             </a:r>
-            <a:endParaRPr lang="en-US" sz="800" dirty="0"/>
           </a:p>
         </p:txBody>
       </p:sp>
@@ -27784,14 +27675,13 @@
           <a:lstStyle/>
           <a:p>
             <a:r>
-              <a:rPr lang="en-US" sz="800" dirty="0" err="1" smtClean="0"/>
+              <a:rPr lang="en-US" sz="800" dirty="0" err="1"/>
               <a:t>OnePager</a:t>
             </a:r>
             <a:r>
-              <a:rPr lang="en-US" sz="800" dirty="0" smtClean="0"/>
+              <a:rPr lang="en-US" sz="800" dirty="0"/>
               <a:t> 2</a:t>
             </a:r>
-            <a:endParaRPr lang="en-US" sz="800" dirty="0"/>
           </a:p>
         </p:txBody>
       </p:sp>
@@ -27835,10 +27725,9 @@
           <a:p>
             <a:pPr algn="ctr"/>
             <a:r>
-              <a:rPr lang="en-US" sz="800" dirty="0" smtClean="0"/>
+              <a:rPr lang="en-US" sz="800" dirty="0"/>
               <a:t>X:</a:t>
             </a:r>
-            <a:endParaRPr lang="en-US" sz="800" dirty="0"/>
           </a:p>
         </p:txBody>
       </p:sp>
@@ -27882,10 +27771,9 @@
           <a:p>
             <a:pPr algn="ctr"/>
             <a:r>
-              <a:rPr lang="en-US" sz="800" dirty="0" smtClean="0"/>
+              <a:rPr lang="en-US" sz="800" dirty="0"/>
               <a:t>Y:</a:t>
             </a:r>
-            <a:endParaRPr lang="en-US" sz="800" dirty="0"/>
           </a:p>
         </p:txBody>
       </p:sp>
@@ -27931,7 +27819,7 @@
           <a:p>
             <a:pPr algn="ctr"/>
             <a:r>
-              <a:rPr lang="en-US" sz="800" dirty="0" err="1" smtClean="0">
+              <a:rPr lang="en-US" sz="800" dirty="0" err="1">
                 <a:solidFill>
                   <a:sysClr val="windowText" lastClr="000000"/>
                 </a:solidFill>
@@ -27988,7 +27876,7 @@
           <a:p>
             <a:pPr algn="ctr"/>
             <a:r>
-              <a:rPr lang="en-US" sz="800" dirty="0" err="1" smtClean="0">
+              <a:rPr lang="en-US" sz="800" dirty="0" err="1">
                 <a:solidFill>
                   <a:sysClr val="windowText" lastClr="000000"/>
                 </a:solidFill>
@@ -28044,13 +27932,8 @@
             <a:pPr algn="ctr"/>
             <a:r>
               <a:rPr lang="en-US" sz="800" dirty="0"/>
-              <a:t>Z</a:t>
-            </a:r>
-            <a:r>
-              <a:rPr lang="en-US" sz="800" dirty="0" smtClean="0"/>
-              <a:t>:</a:t>
-            </a:r>
-            <a:endParaRPr lang="en-US" sz="800" dirty="0"/>
+              <a:t>Z:</a:t>
+            </a:r>
           </a:p>
         </p:txBody>
       </p:sp>
@@ -28143,10 +28026,9 @@
           <a:p>
             <a:pPr algn="ctr"/>
             <a:r>
-              <a:rPr lang="en-US" sz="800" dirty="0" smtClean="0"/>
+              <a:rPr lang="en-US" sz="800" dirty="0"/>
               <a:t>X:</a:t>
             </a:r>
-            <a:endParaRPr lang="en-US" sz="800" dirty="0"/>
           </a:p>
         </p:txBody>
       </p:sp>
@@ -28190,10 +28072,9 @@
           <a:p>
             <a:pPr algn="ctr"/>
             <a:r>
-              <a:rPr lang="en-US" sz="800" dirty="0" smtClean="0"/>
+              <a:rPr lang="en-US" sz="800" dirty="0"/>
               <a:t>Y:</a:t>
             </a:r>
-            <a:endParaRPr lang="en-US" sz="800" dirty="0"/>
           </a:p>
         </p:txBody>
       </p:sp>
@@ -28239,18 +28120,13 @@
           <a:p>
             <a:pPr algn="ctr"/>
             <a:r>
-              <a:rPr lang="en-US" sz="800" dirty="0" smtClean="0">
+              <a:rPr lang="en-US" sz="800" dirty="0">
                 <a:solidFill>
                   <a:sysClr val="windowText" lastClr="000000"/>
                 </a:solidFill>
               </a:rPr>
               <a:t>xyz</a:t>
             </a:r>
-            <a:endParaRPr lang="en-US" sz="800" dirty="0">
-              <a:solidFill>
-                <a:sysClr val="windowText" lastClr="000000"/>
-              </a:solidFill>
-            </a:endParaRPr>
           </a:p>
         </p:txBody>
       </p:sp>
@@ -28296,18 +28172,13 @@
           <a:p>
             <a:pPr algn="ctr"/>
             <a:r>
-              <a:rPr lang="en-US" sz="800" dirty="0" smtClean="0">
+              <a:rPr lang="en-US" sz="800" dirty="0">
                 <a:solidFill>
                   <a:sysClr val="windowText" lastClr="000000"/>
                 </a:solidFill>
               </a:rPr>
               <a:t>123</a:t>
             </a:r>
-            <a:endParaRPr lang="en-US" sz="800" dirty="0">
-              <a:solidFill>
-                <a:sysClr val="windowText" lastClr="000000"/>
-              </a:solidFill>
-            </a:endParaRPr>
           </a:p>
         </p:txBody>
       </p:sp>
@@ -28352,13 +28223,8 @@
             <a:pPr algn="ctr"/>
             <a:r>
               <a:rPr lang="en-US" sz="800" dirty="0"/>
-              <a:t>Z</a:t>
-            </a:r>
-            <a:r>
-              <a:rPr lang="en-US" sz="800" dirty="0" smtClean="0"/>
-              <a:t>:</a:t>
-            </a:r>
-            <a:endParaRPr lang="en-US" sz="800" dirty="0"/>
+              <a:t>Z:</a:t>
+            </a:r>
           </a:p>
         </p:txBody>
       </p:sp>
@@ -28421,13 +28287,6 @@
   <p:clrMapOvr>
     <a:masterClrMapping/>
   </p:clrMapOvr>
-  <p:timing>
-    <p:tnLst>
-      <p:par>
-        <p:cTn id="1" dur="indefinite" restart="never" nodeType="tmRoot"/>
-      </p:par>
-    </p:tnLst>
-  </p:timing>
 </p:sld>
 </file>
 
@@ -28473,7 +28332,7 @@
           <a:graphicData uri="http://schemas.openxmlformats.org/presentationml/2006/ole">
             <mc:AlternateContent xmlns:mc="http://schemas.openxmlformats.org/markup-compatibility/2006">
               <mc:Choice xmlns:v="urn:schemas-microsoft-com:vml" Requires="v">
-                <p:oleObj spid="_x0000_s31753" name="think-cell Folie" r:id="rId5" imgW="526" imgH="526" progId="TCLayout.ActiveDocument.1">
+                <p:oleObj spid="_x0000_s31756" name="think-cell Folie" r:id="rId5" imgW="526" imgH="526" progId="TCLayout.ActiveDocument.1">
                   <p:embed/>
                 </p:oleObj>
               </mc:Choice>
@@ -28573,11 +28432,11 @@
           <a:lstStyle/>
           <a:p>
             <a:r>
-              <a:rPr lang="en-US" dirty="0" smtClean="0"/>
+              <a:rPr lang="en-US" dirty="0"/>
               <a:t>Copy-Paste </a:t>
             </a:r>
             <a:r>
-              <a:rPr lang="en-US" dirty="0" err="1" smtClean="0"/>
+              <a:rPr lang="en-US" dirty="0" err="1"/>
               <a:t>Funktionen</a:t>
             </a:r>
             <a:endParaRPr lang="en-US" dirty="0"/>
@@ -28586,7 +28445,13 @@
       </p:sp>
       <p:pic>
         <p:nvPicPr>
-          <p:cNvPr id="8" name="Grafik 7"/>
+          <p:cNvPr id="3" name="Grafik 2">
+            <a:extLst>
+              <a:ext uri="{FF2B5EF4-FFF2-40B4-BE49-F238E27FC236}">
+                <a16:creationId xmlns:a16="http://schemas.microsoft.com/office/drawing/2014/main" id="{BDCF7E16-2754-444A-A888-55F680A8B89C}"/>
+              </a:ext>
+            </a:extLst>
+          </p:cNvPr>
           <p:cNvPicPr>
             <a:picLocks noChangeAspect="1"/>
           </p:cNvPicPr>
@@ -28601,7 +28466,7 @@
         <p:spPr>
           <a:xfrm>
             <a:off x="3379422" y="2472938"/>
-            <a:ext cx="3286584" cy="3115110"/>
+            <a:ext cx="2890916" cy="3115110"/>
           </a:xfrm>
           <a:prstGeom prst="rect">
             <a:avLst/>
@@ -28610,7 +28475,13 @@
       </p:pic>
       <p:pic>
         <p:nvPicPr>
-          <p:cNvPr id="9" name="Grafik 8"/>
+          <p:cNvPr id="4" name="Grafik 3">
+            <a:extLst>
+              <a:ext uri="{FF2B5EF4-FFF2-40B4-BE49-F238E27FC236}">
+                <a16:creationId xmlns:a16="http://schemas.microsoft.com/office/drawing/2014/main" id="{5C8585FB-28C9-4A81-B470-0580B7B4F738}"/>
+              </a:ext>
+            </a:extLst>
+          </p:cNvPr>
           <p:cNvPicPr>
             <a:picLocks noChangeAspect="1"/>
           </p:cNvPicPr>
@@ -28625,7 +28496,7 @@
         <p:spPr>
           <a:xfrm>
             <a:off x="698930" y="4365366"/>
-            <a:ext cx="2753109" cy="1771897"/>
+            <a:ext cx="2230882" cy="1771897"/>
           </a:xfrm>
           <a:prstGeom prst="rect">
             <a:avLst/>
@@ -28694,7 +28565,7 @@
           <a:p>
             <a:pPr algn="ctr"/>
             <a:r>
-              <a:rPr lang="en-US" b="1" dirty="0" err="1" smtClean="0">
+              <a:rPr lang="en-US" b="1" dirty="0" err="1">
                 <a:solidFill>
                   <a:schemeClr val="tx1">
                     <a:lumMod val="100000"/>
@@ -28704,7 +28575,7 @@
               <a:t>Beispiel</a:t>
             </a:r>
             <a:r>
-              <a:rPr lang="en-US" b="1" dirty="0" smtClean="0">
+              <a:rPr lang="en-US" b="1" dirty="0">
                 <a:solidFill>
                   <a:schemeClr val="tx1">
                     <a:lumMod val="100000"/>
@@ -28713,13 +28584,6 @@
               </a:rPr>
               <a:t> Use Case</a:t>
             </a:r>
-            <a:endParaRPr lang="en-US" b="1" dirty="0">
-              <a:solidFill>
-                <a:schemeClr val="tx1">
-                  <a:lumMod val="100000"/>
-                </a:schemeClr>
-              </a:solidFill>
-            </a:endParaRPr>
           </a:p>
         </p:txBody>
       </p:sp>
@@ -28797,13 +28661,6 @@
   <p:clrMapOvr>
     <a:masterClrMapping/>
   </p:clrMapOvr>
-  <p:timing>
-    <p:tnLst>
-      <p:par>
-        <p:cTn id="1" dur="indefinite" restart="never" nodeType="tmRoot"/>
-      </p:par>
-    </p:tnLst>
-  </p:timing>
 </p:sld>
 </file>
 
@@ -28849,7 +28706,7 @@
           <a:graphicData uri="http://schemas.openxmlformats.org/presentationml/2006/ole">
             <mc:AlternateContent xmlns:mc="http://schemas.openxmlformats.org/markup-compatibility/2006">
               <mc:Choice xmlns:v="urn:schemas-microsoft-com:vml" Requires="v">
-                <p:oleObj spid="_x0000_s12402" name="think-cell Folie" r:id="rId5" imgW="526" imgH="526" progId="TCLayout.ActiveDocument.1">
+                <p:oleObj spid="_x0000_s12405" name="think-cell Folie" r:id="rId5" imgW="526" imgH="526" progId="TCLayout.ActiveDocument.1">
                   <p:embed/>
                 </p:oleObj>
               </mc:Choice>
@@ -29052,13 +28909,6 @@
   <p:clrMapOvr>
     <a:masterClrMapping/>
   </p:clrMapOvr>
-  <p:timing>
-    <p:tnLst>
-      <p:par>
-        <p:cTn id="1" dur="indefinite" restart="never" nodeType="tmRoot"/>
-      </p:par>
-    </p:tnLst>
-  </p:timing>
 </p:sld>
 </file>
 
@@ -29104,7 +28954,7 @@
           <a:graphicData uri="http://schemas.openxmlformats.org/presentationml/2006/ole">
             <mc:AlternateContent xmlns:mc="http://schemas.openxmlformats.org/markup-compatibility/2006">
               <mc:Choice xmlns:v="urn:schemas-microsoft-com:vml" Requires="v">
-                <p:oleObj spid="_x0000_s16478" name="think-cell Folie" r:id="rId5" imgW="526" imgH="526" progId="TCLayout.ActiveDocument.1">
+                <p:oleObj spid="_x0000_s16481" name="think-cell Folie" r:id="rId5" imgW="526" imgH="526" progId="TCLayout.ActiveDocument.1">
                   <p:embed/>
                 </p:oleObj>
               </mc:Choice>
@@ -29676,13 +29526,6 @@
   <p:clrMapOvr>
     <a:masterClrMapping/>
   </p:clrMapOvr>
-  <p:timing>
-    <p:tnLst>
-      <p:par>
-        <p:cTn id="1" dur="indefinite" restart="never" nodeType="tmRoot"/>
-      </p:par>
-    </p:tnLst>
-  </p:timing>
 </p:sld>
 </file>
 

--- a/documentation/Changelog.pptx
+++ b/documentation/Changelog.pptx
@@ -297,7 +297,7 @@
           <a:p>
             <a:fld id="{5EC86055-D2F1-46C3-83FD-A327EBDDB0A8}" type="datetimeFigureOut">
               <a:rPr lang="de-DE" smtClean="0"/>
-              <a:t>21.10.2020</a:t>
+              <a:t>29.10.2020</a:t>
             </a:fld>
             <a:endParaRPr lang="de-DE"/>
           </a:p>
@@ -711,7 +711,7 @@
           <a:p>
             <a:fld id="{83E968C0-E631-4FA5-B66C-A6893089A72C}" type="datetime1">
               <a:rPr lang="de-DE" smtClean="0"/>
-              <a:t>21.10.2020</a:t>
+              <a:t>29.10.2020</a:t>
             </a:fld>
             <a:endParaRPr lang="de-DE"/>
           </a:p>
@@ -909,7 +909,7 @@
           <a:p>
             <a:fld id="{327DFED5-F5BC-4C21-B00D-107757BCB1D5}" type="datetime1">
               <a:rPr lang="de-DE" smtClean="0"/>
-              <a:t>21.10.2020</a:t>
+              <a:t>29.10.2020</a:t>
             </a:fld>
             <a:endParaRPr lang="de-DE"/>
           </a:p>
@@ -1117,7 +1117,7 @@
           <a:p>
             <a:fld id="{D55D80D4-FC22-469B-B760-6A7940AA3138}" type="datetime1">
               <a:rPr lang="de-DE" smtClean="0"/>
-              <a:t>21.10.2020</a:t>
+              <a:t>29.10.2020</a:t>
             </a:fld>
             <a:endParaRPr lang="de-DE"/>
           </a:p>
@@ -1232,7 +1232,7 @@
           <a:graphicData uri="http://schemas.openxmlformats.org/presentationml/2006/ole">
             <mc:AlternateContent xmlns:mc="http://schemas.openxmlformats.org/markup-compatibility/2006">
               <mc:Choice xmlns:v="urn:schemas-microsoft-com:vml" Requires="v">
-                <p:oleObj spid="_x0000_s1188" name="think-cell Folie" r:id="rId4" imgW="762" imgH="769" progId="TCLayout.ActiveDocument.1">
+                <p:oleObj spid="_x0000_s1189" name="think-cell Folie" r:id="rId4" imgW="762" imgH="769" progId="TCLayout.ActiveDocument.1">
                   <p:embed/>
                 </p:oleObj>
               </mc:Choice>
@@ -1312,7 +1312,7 @@
           <a:p>
             <a:fld id="{146DBEAB-51C5-4FBE-9B54-BC8F608043B0}" type="datetime1">
               <a:rPr lang="de-DE" smtClean="0"/>
-              <a:t>21.10.2020</a:t>
+              <a:t>29.10.2020</a:t>
             </a:fld>
             <a:endParaRPr lang="de-DE" dirty="0"/>
           </a:p>
@@ -1499,7 +1499,7 @@
           <a:p>
             <a:fld id="{B861EB0D-30DD-4E89-8B0D-65B7028FC562}" type="datetime1">
               <a:rPr lang="de-DE" smtClean="0"/>
-              <a:t>21.10.2020</a:t>
+              <a:t>29.10.2020</a:t>
             </a:fld>
             <a:endParaRPr lang="de-DE"/>
           </a:p>
@@ -1774,7 +1774,7 @@
           <a:p>
             <a:fld id="{73CEBF28-F29F-47B0-8445-64F25E1B2731}" type="datetime1">
               <a:rPr lang="de-DE" smtClean="0"/>
-              <a:t>21.10.2020</a:t>
+              <a:t>29.10.2020</a:t>
             </a:fld>
             <a:endParaRPr lang="de-DE"/>
           </a:p>
@@ -2039,7 +2039,7 @@
           <a:p>
             <a:fld id="{70BB8FCB-2F3D-4195-89D6-401F7605A609}" type="datetime1">
               <a:rPr lang="de-DE" smtClean="0"/>
-              <a:t>21.10.2020</a:t>
+              <a:t>29.10.2020</a:t>
             </a:fld>
             <a:endParaRPr lang="de-DE"/>
           </a:p>
@@ -2451,7 +2451,7 @@
           <a:p>
             <a:fld id="{7A814B83-3C3F-4E43-9685-CE4AC483A9CE}" type="datetime1">
               <a:rPr lang="de-DE" smtClean="0"/>
-              <a:t>21.10.2020</a:t>
+              <a:t>29.10.2020</a:t>
             </a:fld>
             <a:endParaRPr lang="de-DE"/>
           </a:p>
@@ -2593,7 +2593,7 @@
           <a:p>
             <a:fld id="{5A2175DA-8D38-4A58-A54F-1168D09756FD}" type="datetime1">
               <a:rPr lang="de-DE" smtClean="0"/>
-              <a:t>21.10.2020</a:t>
+              <a:t>29.10.2020</a:t>
             </a:fld>
             <a:endParaRPr lang="de-DE"/>
           </a:p>
@@ -2706,7 +2706,7 @@
           <a:p>
             <a:fld id="{8F6AF57F-AE76-4C94-AABC-F8C3359A6250}" type="datetime1">
               <a:rPr lang="de-DE" smtClean="0"/>
-              <a:t>21.10.2020</a:t>
+              <a:t>29.10.2020</a:t>
             </a:fld>
             <a:endParaRPr lang="de-DE"/>
           </a:p>
@@ -3017,7 +3017,7 @@
           <a:p>
             <a:fld id="{5582B541-E7EC-488F-97C5-20BBF6BE4B06}" type="datetime1">
               <a:rPr lang="de-DE" smtClean="0"/>
-              <a:t>21.10.2020</a:t>
+              <a:t>29.10.2020</a:t>
             </a:fld>
             <a:endParaRPr lang="de-DE"/>
           </a:p>
@@ -3308,7 +3308,7 @@
           <a:p>
             <a:fld id="{07C6A342-1575-4CB6-868D-A21133827D71}" type="datetime1">
               <a:rPr lang="de-DE" smtClean="0"/>
-              <a:t>21.10.2020</a:t>
+              <a:t>29.10.2020</a:t>
             </a:fld>
             <a:endParaRPr lang="de-DE"/>
           </a:p>
@@ -3428,7 +3428,7 @@
           <a:graphicData uri="http://schemas.openxmlformats.org/presentationml/2006/ole">
             <mc:AlternateContent xmlns:mc="http://schemas.openxmlformats.org/markup-compatibility/2006">
               <mc:Choice xmlns:v="urn:schemas-microsoft-com:vml" Requires="v">
-                <p:oleObj spid="_x0000_s11402" name="think-cell Folie" r:id="rId17" imgW="526" imgH="526" progId="TCLayout.ActiveDocument.1">
+                <p:oleObj spid="_x0000_s11403" name="think-cell Folie" r:id="rId17" imgW="526" imgH="526" progId="TCLayout.ActiveDocument.1">
                   <p:embed/>
                 </p:oleObj>
               </mc:Choice>
@@ -3658,7 +3658,7 @@
           <a:p>
             <a:fld id="{EC197B76-F97A-42BE-B66C-1432418DB8F2}" type="datetime1">
               <a:rPr lang="de-DE" smtClean="0"/>
-              <a:t>21.10.2020</a:t>
+              <a:t>29.10.2020</a:t>
             </a:fld>
             <a:endParaRPr lang="de-DE"/>
           </a:p>
@@ -4102,7 +4102,7 @@
           <a:graphicData uri="http://schemas.openxmlformats.org/presentationml/2006/ole">
             <mc:AlternateContent xmlns:mc="http://schemas.openxmlformats.org/markup-compatibility/2006">
               <mc:Choice xmlns:v="urn:schemas-microsoft-com:vml" Requires="v">
-                <p:oleObj spid="_x0000_s25657" name="think-cell Folie" r:id="rId5" imgW="526" imgH="526" progId="TCLayout.ActiveDocument.1">
+                <p:oleObj spid="_x0000_s25658" name="think-cell Folie" r:id="rId5" imgW="526" imgH="526" progId="TCLayout.ActiveDocument.1">
                   <p:embed/>
                 </p:oleObj>
               </mc:Choice>
@@ -4352,7 +4352,7 @@
           <a:graphicData uri="http://schemas.openxmlformats.org/presentationml/2006/ole">
             <mc:AlternateContent xmlns:mc="http://schemas.openxmlformats.org/markup-compatibility/2006">
               <mc:Choice xmlns:v="urn:schemas-microsoft-com:vml" Requires="v">
-                <p:oleObj spid="_x0000_s17521" name="think-cell Folie" r:id="rId7" imgW="526" imgH="526" progId="TCLayout.ActiveDocument.1">
+                <p:oleObj spid="_x0000_s17522" name="think-cell Folie" r:id="rId7" imgW="526" imgH="526" progId="TCLayout.ActiveDocument.1">
                   <p:embed/>
                 </p:oleObj>
               </mc:Choice>
@@ -5259,7 +5259,7 @@
           <a:graphicData uri="http://schemas.openxmlformats.org/presentationml/2006/ole">
             <mc:AlternateContent xmlns:mc="http://schemas.openxmlformats.org/markup-compatibility/2006">
               <mc:Choice xmlns:v="urn:schemas-microsoft-com:vml" Requires="v">
-                <p:oleObj spid="_x0000_s19560" name="think-cell Folie" r:id="rId5" imgW="526" imgH="526" progId="TCLayout.ActiveDocument.1">
+                <p:oleObj spid="_x0000_s19561" name="think-cell Folie" r:id="rId5" imgW="526" imgH="526" progId="TCLayout.ActiveDocument.1">
                   <p:embed/>
                 </p:oleObj>
               </mc:Choice>
@@ -6013,7 +6013,7 @@
           <a:graphicData uri="http://schemas.openxmlformats.org/presentationml/2006/ole">
             <mc:AlternateContent xmlns:mc="http://schemas.openxmlformats.org/markup-compatibility/2006">
               <mc:Choice xmlns:v="urn:schemas-microsoft-com:vml" Requires="v">
-                <p:oleObj spid="_x0000_s20584" name="think-cell Folie" r:id="rId5" imgW="526" imgH="526" progId="TCLayout.ActiveDocument.1">
+                <p:oleObj spid="_x0000_s20585" name="think-cell Folie" r:id="rId5" imgW="526" imgH="526" progId="TCLayout.ActiveDocument.1">
                   <p:embed/>
                 </p:oleObj>
               </mc:Choice>
@@ -6414,7 +6414,7 @@
           <a:graphicData uri="http://schemas.openxmlformats.org/presentationml/2006/ole">
             <mc:AlternateContent xmlns:mc="http://schemas.openxmlformats.org/markup-compatibility/2006">
               <mc:Choice xmlns:v="urn:schemas-microsoft-com:vml" Requires="v">
-                <p:oleObj spid="_x0000_s22628" name="think-cell Folie" r:id="rId5" imgW="526" imgH="526" progId="TCLayout.ActiveDocument.1">
+                <p:oleObj spid="_x0000_s22629" name="think-cell Folie" r:id="rId5" imgW="526" imgH="526" progId="TCLayout.ActiveDocument.1">
                   <p:embed/>
                 </p:oleObj>
               </mc:Choice>
@@ -6971,7 +6971,7 @@
           <a:graphicData uri="http://schemas.openxmlformats.org/presentationml/2006/ole">
             <mc:AlternateContent xmlns:mc="http://schemas.openxmlformats.org/markup-compatibility/2006">
               <mc:Choice xmlns:v="urn:schemas-microsoft-com:vml" Requires="v">
-                <p:oleObj spid="_x0000_s15483" name="think-cell Folie" r:id="rId5" imgW="526" imgH="526" progId="TCLayout.ActiveDocument.1">
+                <p:oleObj spid="_x0000_s15484" name="think-cell Folie" r:id="rId5" imgW="526" imgH="526" progId="TCLayout.ActiveDocument.1">
                   <p:embed/>
                 </p:oleObj>
               </mc:Choice>
@@ -7301,7 +7301,7 @@
           <a:graphicData uri="http://schemas.openxmlformats.org/presentationml/2006/ole">
             <mc:AlternateContent xmlns:mc="http://schemas.openxmlformats.org/markup-compatibility/2006">
               <mc:Choice xmlns:v="urn:schemas-microsoft-com:vml" Requires="v">
-                <p:oleObj spid="_x0000_s24654" name="think-cell Folie" r:id="rId4" imgW="526" imgH="526" progId="TCLayout.ActiveDocument.1">
+                <p:oleObj spid="_x0000_s24655" name="think-cell Folie" r:id="rId4" imgW="526" imgH="526" progId="TCLayout.ActiveDocument.1">
                   <p:embed/>
                 </p:oleObj>
               </mc:Choice>
@@ -8172,7 +8172,7 @@
           <a:graphicData uri="http://schemas.openxmlformats.org/presentationml/2006/ole">
             <mc:AlternateContent xmlns:mc="http://schemas.openxmlformats.org/markup-compatibility/2006">
               <mc:Choice xmlns:v="urn:schemas-microsoft-com:vml" Requires="v">
-                <p:oleObj spid="_x0000_s23635" name="think-cell Folie" r:id="rId5" imgW="526" imgH="526" progId="TCLayout.ActiveDocument.1">
+                <p:oleObj spid="_x0000_s23636" name="think-cell Folie" r:id="rId5" imgW="526" imgH="526" progId="TCLayout.ActiveDocument.1">
                   <p:embed/>
                 </p:oleObj>
               </mc:Choice>
@@ -9261,7 +9261,7 @@
           <a:graphicData uri="http://schemas.openxmlformats.org/presentationml/2006/ole">
             <mc:AlternateContent xmlns:mc="http://schemas.openxmlformats.org/markup-compatibility/2006">
               <mc:Choice xmlns:v="urn:schemas-microsoft-com:vml" Requires="v">
-                <p:oleObj spid="_x0000_s27701" name="think-cell Folie" r:id="rId11" imgW="526" imgH="526" progId="TCLayout.ActiveDocument.1">
+                <p:oleObj spid="_x0000_s27702" name="think-cell Folie" r:id="rId11" imgW="526" imgH="526" progId="TCLayout.ActiveDocument.1">
                   <p:embed/>
                 </p:oleObj>
               </mc:Choice>
@@ -15288,7 +15288,7 @@
           <a:graphicData uri="http://schemas.openxmlformats.org/presentationml/2006/ole">
             <mc:AlternateContent xmlns:mc="http://schemas.openxmlformats.org/markup-compatibility/2006">
               <mc:Choice xmlns:v="urn:schemas-microsoft-com:vml" Requires="v">
-                <p:oleObj spid="_x0000_s29733" name="think-cell Folie" r:id="rId5" imgW="526" imgH="526" progId="TCLayout.ActiveDocument.1">
+                <p:oleObj spid="_x0000_s29734" name="think-cell Folie" r:id="rId5" imgW="526" imgH="526" progId="TCLayout.ActiveDocument.1">
                   <p:embed/>
                 </p:oleObj>
               </mc:Choice>
@@ -18798,7 +18798,7 @@
           <a:graphicData uri="http://schemas.openxmlformats.org/presentationml/2006/ole">
             <mc:AlternateContent xmlns:mc="http://schemas.openxmlformats.org/markup-compatibility/2006">
               <mc:Choice xmlns:v="urn:schemas-microsoft-com:vml" Requires="v">
-                <p:oleObj spid="_x0000_s6308" name="think-cell Folie" r:id="rId5" imgW="631" imgH="631" progId="TCLayout.ActiveDocument.1">
+                <p:oleObj spid="_x0000_s6309" name="think-cell Folie" r:id="rId5" imgW="631" imgH="631" progId="TCLayout.ActiveDocument.1">
                   <p:embed/>
                 </p:oleObj>
               </mc:Choice>
@@ -20249,7 +20249,7 @@
           <a:graphicData uri="http://schemas.openxmlformats.org/presentationml/2006/ole">
             <mc:AlternateContent xmlns:mc="http://schemas.openxmlformats.org/markup-compatibility/2006">
               <mc:Choice xmlns:v="urn:schemas-microsoft-com:vml" Requires="v">
-                <p:oleObj spid="_x0000_s7332" name="think-cell Folie" r:id="rId6" imgW="631" imgH="631" progId="TCLayout.ActiveDocument.1">
+                <p:oleObj spid="_x0000_s7333" name="think-cell Folie" r:id="rId6" imgW="631" imgH="631" progId="TCLayout.ActiveDocument.1">
                   <p:embed/>
                 </p:oleObj>
               </mc:Choice>
@@ -22713,7 +22713,7 @@
           <a:graphicData uri="http://schemas.openxmlformats.org/presentationml/2006/ole">
             <mc:AlternateContent xmlns:mc="http://schemas.openxmlformats.org/markup-compatibility/2006">
               <mc:Choice xmlns:v="urn:schemas-microsoft-com:vml" Requires="v">
-                <p:oleObj spid="_x0000_s8356" name="think-cell Folie" r:id="rId5" imgW="631" imgH="631" progId="TCLayout.ActiveDocument.1">
+                <p:oleObj spid="_x0000_s8357" name="think-cell Folie" r:id="rId5" imgW="631" imgH="631" progId="TCLayout.ActiveDocument.1">
                   <p:embed/>
                 </p:oleObj>
               </mc:Choice>
@@ -24053,7 +24053,7 @@
           <a:graphicData uri="http://schemas.openxmlformats.org/presentationml/2006/ole">
             <mc:AlternateContent xmlns:mc="http://schemas.openxmlformats.org/markup-compatibility/2006">
               <mc:Choice xmlns:v="urn:schemas-microsoft-com:vml" Requires="v">
-                <p:oleObj spid="_x0000_s9380" name="think-cell Folie" r:id="rId5" imgW="592" imgH="588" progId="TCLayout.ActiveDocument.1">
+                <p:oleObj spid="_x0000_s9381" name="think-cell Folie" r:id="rId5" imgW="592" imgH="588" progId="TCLayout.ActiveDocument.1">
                   <p:embed/>
                 </p:oleObj>
               </mc:Choice>
@@ -25259,7 +25259,7 @@
           <a:graphicData uri="http://schemas.openxmlformats.org/presentationml/2006/ole">
             <mc:AlternateContent xmlns:mc="http://schemas.openxmlformats.org/markup-compatibility/2006">
               <mc:Choice xmlns:v="urn:schemas-microsoft-com:vml" Requires="v">
-                <p:oleObj spid="_x0000_s10404" name="think-cell Folie" r:id="rId5" imgW="631" imgH="631" progId="TCLayout.ActiveDocument.1">
+                <p:oleObj spid="_x0000_s10405" name="think-cell Folie" r:id="rId5" imgW="631" imgH="631" progId="TCLayout.ActiveDocument.1">
                   <p:embed/>
                 </p:oleObj>
               </mc:Choice>
@@ -26360,7 +26360,7 @@
           <a:graphicData uri="http://schemas.openxmlformats.org/presentationml/2006/ole">
             <mc:AlternateContent xmlns:mc="http://schemas.openxmlformats.org/markup-compatibility/2006">
               <mc:Choice xmlns:v="urn:schemas-microsoft-com:vml" Requires="v">
-                <p:oleObj spid="_x0000_s31777" name="think-cell Folie" r:id="rId5" imgW="526" imgH="526" progId="TCLayout.ActiveDocument.1">
+                <p:oleObj spid="_x0000_s31778" name="think-cell Folie" r:id="rId5" imgW="526" imgH="526" progId="TCLayout.ActiveDocument.1">
                   <p:embed/>
                 </p:oleObj>
               </mc:Choice>
@@ -27451,13 +27451,6 @@
               </a:rPr>
               <a:t>A</a:t>
             </a:r>
-            <a:endParaRPr lang="en-US">
-              <a:solidFill>
-                <a:schemeClr val="tx1">
-                  <a:lumMod val="100000"/>
-                </a:schemeClr>
-              </a:solidFill>
-            </a:endParaRPr>
           </a:p>
         </p:txBody>
       </p:sp>
@@ -27512,13 +27505,6 @@
               </a:rPr>
               <a:t>B</a:t>
             </a:r>
-            <a:endParaRPr lang="en-US">
-              <a:solidFill>
-                <a:schemeClr val="tx1">
-                  <a:lumMod val="100000"/>
-                </a:schemeClr>
-              </a:solidFill>
-            </a:endParaRPr>
           </a:p>
         </p:txBody>
       </p:sp>
@@ -27573,13 +27559,6 @@
               </a:rPr>
               <a:t>C</a:t>
             </a:r>
-            <a:endParaRPr lang="en-US">
-              <a:solidFill>
-                <a:schemeClr val="tx1">
-                  <a:lumMod val="100000"/>
-                </a:schemeClr>
-              </a:solidFill>
-            </a:endParaRPr>
           </a:p>
         </p:txBody>
       </p:sp>
@@ -27634,13 +27613,6 @@
               </a:rPr>
               <a:t>D</a:t>
             </a:r>
-            <a:endParaRPr lang="en-US">
-              <a:solidFill>
-                <a:schemeClr val="tx1">
-                  <a:lumMod val="100000"/>
-                </a:schemeClr>
-              </a:solidFill>
-            </a:endParaRPr>
           </a:p>
         </p:txBody>
       </p:sp>
@@ -27695,13 +27667,6 @@
               </a:rPr>
               <a:t>E</a:t>
             </a:r>
-            <a:endParaRPr lang="en-US">
-              <a:solidFill>
-                <a:schemeClr val="tx1">
-                  <a:lumMod val="100000"/>
-                </a:schemeClr>
-              </a:solidFill>
-            </a:endParaRPr>
           </a:p>
         </p:txBody>
       </p:sp>
@@ -27817,13 +27782,6 @@
               </a:rPr>
               <a:t>A</a:t>
             </a:r>
-            <a:endParaRPr lang="en-US">
-              <a:solidFill>
-                <a:schemeClr val="tx1">
-                  <a:lumMod val="100000"/>
-                </a:schemeClr>
-              </a:solidFill>
-            </a:endParaRPr>
           </a:p>
         </p:txBody>
       </p:sp>
@@ -27878,13 +27836,6 @@
               </a:rPr>
               <a:t>B</a:t>
             </a:r>
-            <a:endParaRPr lang="en-US">
-              <a:solidFill>
-                <a:schemeClr val="tx1">
-                  <a:lumMod val="100000"/>
-                </a:schemeClr>
-              </a:solidFill>
-            </a:endParaRPr>
           </a:p>
         </p:txBody>
       </p:sp>
@@ -27950,7 +27901,7 @@
           <a:graphicData uri="http://schemas.openxmlformats.org/presentationml/2006/ole">
             <mc:AlternateContent xmlns:mc="http://schemas.openxmlformats.org/markup-compatibility/2006">
               <mc:Choice xmlns:v="urn:schemas-microsoft-com:vml" Requires="v">
-                <p:oleObj spid="_x0000_s30753" name="think-cell Folie" r:id="rId5" imgW="526" imgH="526" progId="TCLayout.ActiveDocument.1">
+                <p:oleObj spid="_x0000_s30754" name="think-cell Folie" r:id="rId5" imgW="526" imgH="526" progId="TCLayout.ActiveDocument.1">
                   <p:embed/>
                 </p:oleObj>
               </mc:Choice>
@@ -28470,7 +28421,7 @@
           <a:graphicData uri="http://schemas.openxmlformats.org/presentationml/2006/ole">
             <mc:AlternateContent xmlns:mc="http://schemas.openxmlformats.org/markup-compatibility/2006">
               <mc:Choice xmlns:v="urn:schemas-microsoft-com:vml" Requires="v">
-                <p:oleObj spid="_x0000_s26680" name="think-cell Folie" r:id="rId5" imgW="526" imgH="526" progId="TCLayout.ActiveDocument.1">
+                <p:oleObj spid="_x0000_s26681" name="think-cell Folie" r:id="rId5" imgW="526" imgH="526" progId="TCLayout.ActiveDocument.1">
                   <p:embed/>
                 </p:oleObj>
               </mc:Choice>
@@ -28880,7 +28831,7 @@
         </p:blipFill>
         <p:spPr>
           <a:xfrm>
-            <a:off x="3647805" y="3042351"/>
+            <a:off x="3647805" y="2528755"/>
             <a:ext cx="3386563" cy="1061123"/>
           </a:xfrm>
           <a:prstGeom prst="rect">
@@ -28896,7 +28847,7 @@
         </p:nvSpPr>
         <p:spPr>
           <a:xfrm>
-            <a:off x="3647805" y="2051818"/>
+            <a:off x="3647805" y="1538222"/>
             <a:ext cx="3491551" cy="923330"/>
           </a:xfrm>
           <a:prstGeom prst="rect">
@@ -28912,15 +28863,15 @@
           <a:p>
             <a:r>
               <a:rPr lang="de-DE" dirty="0" smtClean="0"/>
-              <a:t>Komprimierte Schriftart und Absatzgruppe </a:t>
+              <a:t>Komprimierte Schriftart und Absatzgruppe nun Standard </a:t>
             </a:r>
             <a:r>
               <a:rPr lang="de-DE" dirty="0" smtClean="0"/>
-              <a:t>n</a:t>
+              <a:t>auch im </a:t>
             </a:r>
             <a:r>
               <a:rPr lang="de-DE" dirty="0" smtClean="0"/>
-              <a:t>un Standard im 3-Seiten-Layout</a:t>
+              <a:t>3-Seiten-Layout</a:t>
             </a:r>
             <a:endParaRPr lang="de-DE" dirty="0"/>
           </a:p>
@@ -29079,6 +29030,48 @@
           <a:p>
             <a:pPr algn="ctr"/>
             <a:endParaRPr lang="de-DE" dirty="0"/>
+          </a:p>
+        </p:txBody>
+      </p:sp>
+      <p:sp>
+        <p:nvSpPr>
+          <p:cNvPr id="21" name="Textfeld 20"/>
+          <p:cNvSpPr txBox="1"/>
+          <p:nvPr/>
+        </p:nvSpPr>
+        <p:spPr>
+          <a:xfrm>
+            <a:off x="3647805" y="3589878"/>
+            <a:ext cx="3491551" cy="461665"/>
+          </a:xfrm>
+          <a:prstGeom prst="rect">
+            <a:avLst/>
+          </a:prstGeom>
+          <a:noFill/>
+        </p:spPr>
+        <p:txBody>
+          <a:bodyPr wrap="square" rtlCol="0">
+            <a:spAutoFit/>
+          </a:bodyPr>
+          <a:lstStyle/>
+          <a:p>
+            <a:r>
+              <a:rPr lang="de-DE" sz="1200" i="1" dirty="0" smtClean="0"/>
+              <a:t>(Über </a:t>
+            </a:r>
+            <a:r>
+              <a:rPr lang="de-DE" sz="1200" i="1" dirty="0" err="1" smtClean="0"/>
+              <a:t>Theme</a:t>
+            </a:r>
+            <a:r>
+              <a:rPr lang="de-DE" sz="1200" i="1" dirty="0" smtClean="0"/>
+              <a:t>-Einstellunge</a:t>
+            </a:r>
+            <a:r>
+              <a:rPr lang="de-DE" sz="1200" i="1" dirty="0" smtClean="0"/>
+              <a:t>n lässt sich aber die alte Konfiguration wiederherstellen)</a:t>
+            </a:r>
+            <a:endParaRPr lang="de-DE" sz="1200" i="1" dirty="0"/>
           </a:p>
         </p:txBody>
       </p:sp>
@@ -29144,7 +29137,7 @@
           <a:graphicData uri="http://schemas.openxmlformats.org/presentationml/2006/ole">
             <mc:AlternateContent xmlns:mc="http://schemas.openxmlformats.org/markup-compatibility/2006">
               <mc:Choice xmlns:v="urn:schemas-microsoft-com:vml" Requires="v">
-                <p:oleObj spid="_x0000_s12426" name="think-cell Folie" r:id="rId5" imgW="526" imgH="526" progId="TCLayout.ActiveDocument.1">
+                <p:oleObj spid="_x0000_s12427" name="think-cell Folie" r:id="rId5" imgW="526" imgH="526" progId="TCLayout.ActiveDocument.1">
                   <p:embed/>
                 </p:oleObj>
               </mc:Choice>
@@ -29392,7 +29385,7 @@
           <a:graphicData uri="http://schemas.openxmlformats.org/presentationml/2006/ole">
             <mc:AlternateContent xmlns:mc="http://schemas.openxmlformats.org/markup-compatibility/2006">
               <mc:Choice xmlns:v="urn:schemas-microsoft-com:vml" Requires="v">
-                <p:oleObj spid="_x0000_s16502" name="think-cell Folie" r:id="rId5" imgW="526" imgH="526" progId="TCLayout.ActiveDocument.1">
+                <p:oleObj spid="_x0000_s16503" name="think-cell Folie" r:id="rId5" imgW="526" imgH="526" progId="TCLayout.ActiveDocument.1">
                   <p:embed/>
                 </p:oleObj>
               </mc:Choice>
@@ -30009,7 +30002,7 @@
           <a:graphicData uri="http://schemas.openxmlformats.org/presentationml/2006/ole">
             <mc:AlternateContent xmlns:mc="http://schemas.openxmlformats.org/markup-compatibility/2006">
               <mc:Choice xmlns:v="urn:schemas-microsoft-com:vml" Requires="v">
-                <p:oleObj spid="_x0000_s13450" name="think-cell Folie" r:id="rId11" imgW="526" imgH="526" progId="TCLayout.ActiveDocument.1">
+                <p:oleObj spid="_x0000_s13451" name="think-cell Folie" r:id="rId11" imgW="526" imgH="526" progId="TCLayout.ActiveDocument.1">
                   <p:embed/>
                 </p:oleObj>
               </mc:Choice>

--- a/documentation/Changelog.pptx
+++ b/documentation/Changelog.pptx
@@ -10547,7 +10547,7 @@
             </p:custDataLst>
             <p:extLst>
               <p:ext uri="{D42A27DB-BD31-4B8C-83A1-F6EECF244321}">
-                <p14:modId xmlns:p14="http://schemas.microsoft.com/office/powerpoint/2010/main" val="544188150"/>
+                <p14:modId xmlns:p14="http://schemas.microsoft.com/office/powerpoint/2010/main" val="570750519"/>
               </p:ext>
             </p:extLst>
           </p:nvPr>
@@ -10595,6 +10595,704 @@
           </a:graphicData>
         </a:graphic>
       </p:graphicFrame>
+      <p:grpSp>
+        <p:nvGrpSpPr>
+          <p:cNvPr id="10" name="[BKT] Segmented Circle 10">
+            <a:extLst>
+              <a:ext uri="{FF2B5EF4-FFF2-40B4-BE49-F238E27FC236}">
+                <a16:creationId xmlns:a16="http://schemas.microsoft.com/office/drawing/2014/main" id="{C0C08428-DBC5-4410-B0A3-093DF0B26919}"/>
+              </a:ext>
+            </a:extLst>
+          </p:cNvPr>
+          <p:cNvGrpSpPr/>
+          <p:nvPr/>
+        </p:nvGrpSpPr>
+        <p:grpSpPr>
+          <a:xfrm>
+            <a:off x="662099" y="1554026"/>
+            <a:ext cx="1445493" cy="1445493"/>
+            <a:chOff x="1100000" y="1099999"/>
+            <a:chExt cx="2880000" cy="2880000"/>
+          </a:xfrm>
+        </p:grpSpPr>
+        <p:sp>
+          <p:nvSpPr>
+            <p:cNvPr id="3" name="Freihandform: Form 2">
+              <a:extLst>
+                <a:ext uri="{FF2B5EF4-FFF2-40B4-BE49-F238E27FC236}">
+                  <a16:creationId xmlns:a16="http://schemas.microsoft.com/office/drawing/2014/main" id="{146A057A-D66A-4A72-884E-F0DE2D7A92F7}"/>
+                </a:ext>
+              </a:extLst>
+            </p:cNvPr>
+            <p:cNvSpPr/>
+            <p:nvPr/>
+          </p:nvSpPr>
+          <p:spPr>
+            <a:xfrm>
+              <a:off x="2824241" y="2540000"/>
+              <a:ext cx="1155759" cy="1366548"/>
+            </a:xfrm>
+            <a:custGeom>
+              <a:avLst/>
+              <a:gdLst>
+                <a:gd name="connsiteX0" fmla="*/ 1168459 w 1168459"/>
+                <a:gd name="connsiteY0" fmla="*/ 0 h 1366548"/>
+                <a:gd name="connsiteX1" fmla="*/ 170753 w 1168459"/>
+                <a:gd name="connsiteY1" fmla="*/ 1366548 h 1366548"/>
+                <a:gd name="connsiteX2" fmla="*/ 0 w 1168459"/>
+                <a:gd name="connsiteY2" fmla="*/ 1233646 h 1366548"/>
+                <a:gd name="connsiteX3" fmla="*/ 57004 w 1168459"/>
+                <a:gd name="connsiteY3" fmla="*/ 1024911 h 1366548"/>
+                <a:gd name="connsiteX4" fmla="*/ 795759 w 1168459"/>
+                <a:gd name="connsiteY4" fmla="*/ 0 h 1366548"/>
+                <a:gd name="connsiteX5" fmla="*/ 975759 w 1168459"/>
+                <a:gd name="connsiteY5" fmla="*/ 120000 h 1366548"/>
+                <a:gd name="connsiteX0" fmla="*/ 1155759 w 1155759"/>
+                <a:gd name="connsiteY0" fmla="*/ 0 h 1366548"/>
+                <a:gd name="connsiteX1" fmla="*/ 170753 w 1155759"/>
+                <a:gd name="connsiteY1" fmla="*/ 1366548 h 1366548"/>
+                <a:gd name="connsiteX2" fmla="*/ 0 w 1155759"/>
+                <a:gd name="connsiteY2" fmla="*/ 1233646 h 1366548"/>
+                <a:gd name="connsiteX3" fmla="*/ 57004 w 1155759"/>
+                <a:gd name="connsiteY3" fmla="*/ 1024911 h 1366548"/>
+                <a:gd name="connsiteX4" fmla="*/ 795759 w 1155759"/>
+                <a:gd name="connsiteY4" fmla="*/ 0 h 1366548"/>
+                <a:gd name="connsiteX5" fmla="*/ 975759 w 1155759"/>
+                <a:gd name="connsiteY5" fmla="*/ 120000 h 1366548"/>
+              </a:gdLst>
+              <a:ahLst/>
+              <a:cxnLst>
+                <a:cxn ang="0">
+                  <a:pos x="connsiteX0" y="connsiteY0"/>
+                </a:cxn>
+                <a:cxn ang="0">
+                  <a:pos x="connsiteX1" y="connsiteY1"/>
+                </a:cxn>
+                <a:cxn ang="0">
+                  <a:pos x="connsiteX2" y="connsiteY2"/>
+                </a:cxn>
+                <a:cxn ang="0">
+                  <a:pos x="connsiteX3" y="connsiteY3"/>
+                </a:cxn>
+                <a:cxn ang="0">
+                  <a:pos x="connsiteX4" y="connsiteY4"/>
+                </a:cxn>
+                <a:cxn ang="0">
+                  <a:pos x="connsiteX5" y="connsiteY5"/>
+                </a:cxn>
+              </a:cxnLst>
+              <a:rect l="l" t="t" r="r" b="b"/>
+              <a:pathLst>
+                <a:path w="1155759" h="1366548">
+                  <a:moveTo>
+                    <a:pt x="1155759" y="0"/>
+                  </a:moveTo>
+                  <a:cubicBezTo>
+                    <a:pt x="1155759" y="635904"/>
+                    <a:pt x="742882" y="1175962"/>
+                    <a:pt x="170753" y="1366548"/>
+                  </a:cubicBezTo>
+                  <a:lnTo>
+                    <a:pt x="0" y="1233646"/>
+                  </a:lnTo>
+                  <a:lnTo>
+                    <a:pt x="57004" y="1024911"/>
+                  </a:lnTo>
+                  <a:cubicBezTo>
+                    <a:pt x="486102" y="881971"/>
+                    <a:pt x="795759" y="476928"/>
+                    <a:pt x="795759" y="0"/>
+                  </a:cubicBezTo>
+                  <a:lnTo>
+                    <a:pt x="975759" y="120000"/>
+                  </a:lnTo>
+                  <a:close/>
+                </a:path>
+              </a:pathLst>
+            </a:custGeom>
+          </p:spPr>
+          <p:style>
+            <a:lnRef idx="2">
+              <a:schemeClr val="accent1">
+                <a:shade val="50000"/>
+              </a:schemeClr>
+            </a:lnRef>
+            <a:fillRef idx="1">
+              <a:schemeClr val="accent1"/>
+            </a:fillRef>
+            <a:effectRef idx="0">
+              <a:schemeClr val="accent1"/>
+            </a:effectRef>
+            <a:fontRef idx="minor">
+              <a:schemeClr val="lt1"/>
+            </a:fontRef>
+          </p:style>
+          <p:txBody>
+            <a:bodyPr rtlCol="0" anchor="ctr"/>
+            <a:lstStyle/>
+            <a:p>
+              <a:pPr algn="ctr"/>
+              <a:endParaRPr lang="en-US"/>
+            </a:p>
+          </p:txBody>
+        </p:sp>
+        <p:sp>
+          <p:nvSpPr>
+            <p:cNvPr id="6" name="Freihandform: Form 5">
+              <a:extLst>
+                <a:ext uri="{FF2B5EF4-FFF2-40B4-BE49-F238E27FC236}">
+                  <a16:creationId xmlns:a16="http://schemas.microsoft.com/office/drawing/2014/main" id="{D825D329-BAA6-423C-A85B-2BC14DEDD130}"/>
+                </a:ext>
+              </a:extLst>
+            </p:cNvPr>
+            <p:cNvSpPr/>
+            <p:nvPr/>
+          </p:nvSpPr>
+          <p:spPr>
+            <a:xfrm>
+              <a:off x="1377955" y="3177700"/>
+              <a:ext cx="1617039" cy="802299"/>
+            </a:xfrm>
+            <a:custGeom>
+              <a:avLst/>
+              <a:gdLst>
+                <a:gd name="connsiteX0" fmla="*/ 1629739 w 1629739"/>
+                <a:gd name="connsiteY0" fmla="*/ 728847 h 802299"/>
+                <a:gd name="connsiteX1" fmla="*/ 1162045 w 1629739"/>
+                <a:gd name="connsiteY1" fmla="*/ 802299 h 802299"/>
+                <a:gd name="connsiteX2" fmla="*/ 0 w 1629739"/>
+                <a:gd name="connsiteY2" fmla="*/ 212567 h 802299"/>
+                <a:gd name="connsiteX3" fmla="*/ 74400 w 1629739"/>
+                <a:gd name="connsiteY3" fmla="*/ 9447 h 802299"/>
+                <a:gd name="connsiteX4" fmla="*/ 290511 w 1629739"/>
+                <a:gd name="connsiteY4" fmla="*/ 0 h 802299"/>
+                <a:gd name="connsiteX5" fmla="*/ 1162045 w 1629739"/>
+                <a:gd name="connsiteY5" fmla="*/ 442299 h 802299"/>
+                <a:gd name="connsiteX6" fmla="*/ 1503290 w 1629739"/>
+                <a:gd name="connsiteY6" fmla="*/ 387210 h 802299"/>
+                <a:gd name="connsiteX7" fmla="*/ 1446286 w 1629739"/>
+                <a:gd name="connsiteY7" fmla="*/ 595945 h 802299"/>
+                <a:gd name="connsiteX0" fmla="*/ 1617039 w 1617039"/>
+                <a:gd name="connsiteY0" fmla="*/ 728848 h 802299"/>
+                <a:gd name="connsiteX1" fmla="*/ 1162045 w 1617039"/>
+                <a:gd name="connsiteY1" fmla="*/ 802299 h 802299"/>
+                <a:gd name="connsiteX2" fmla="*/ 0 w 1617039"/>
+                <a:gd name="connsiteY2" fmla="*/ 212567 h 802299"/>
+                <a:gd name="connsiteX3" fmla="*/ 74400 w 1617039"/>
+                <a:gd name="connsiteY3" fmla="*/ 9447 h 802299"/>
+                <a:gd name="connsiteX4" fmla="*/ 290511 w 1617039"/>
+                <a:gd name="connsiteY4" fmla="*/ 0 h 802299"/>
+                <a:gd name="connsiteX5" fmla="*/ 1162045 w 1617039"/>
+                <a:gd name="connsiteY5" fmla="*/ 442299 h 802299"/>
+                <a:gd name="connsiteX6" fmla="*/ 1503290 w 1617039"/>
+                <a:gd name="connsiteY6" fmla="*/ 387210 h 802299"/>
+                <a:gd name="connsiteX7" fmla="*/ 1446286 w 1617039"/>
+                <a:gd name="connsiteY7" fmla="*/ 595945 h 802299"/>
+              </a:gdLst>
+              <a:ahLst/>
+              <a:cxnLst>
+                <a:cxn ang="0">
+                  <a:pos x="connsiteX0" y="connsiteY0"/>
+                </a:cxn>
+                <a:cxn ang="0">
+                  <a:pos x="connsiteX1" y="connsiteY1"/>
+                </a:cxn>
+                <a:cxn ang="0">
+                  <a:pos x="connsiteX2" y="connsiteY2"/>
+                </a:cxn>
+                <a:cxn ang="0">
+                  <a:pos x="connsiteX3" y="connsiteY3"/>
+                </a:cxn>
+                <a:cxn ang="0">
+                  <a:pos x="connsiteX4" y="connsiteY4"/>
+                </a:cxn>
+                <a:cxn ang="0">
+                  <a:pos x="connsiteX5" y="connsiteY5"/>
+                </a:cxn>
+                <a:cxn ang="0">
+                  <a:pos x="connsiteX6" y="connsiteY6"/>
+                </a:cxn>
+                <a:cxn ang="0">
+                  <a:pos x="connsiteX7" y="connsiteY7"/>
+                </a:cxn>
+              </a:cxnLst>
+              <a:rect l="l" t="t" r="r" b="b"/>
+              <a:pathLst>
+                <a:path w="1617039" h="802299">
+                  <a:moveTo>
+                    <a:pt x="1617039" y="728848"/>
+                  </a:moveTo>
+                  <a:cubicBezTo>
+                    <a:pt x="1474007" y="776494"/>
+                    <a:pt x="1321021" y="802299"/>
+                    <a:pt x="1162045" y="802299"/>
+                  </a:cubicBezTo>
+                  <a:cubicBezTo>
+                    <a:pt x="685117" y="802299"/>
+                    <a:pt x="262103" y="570056"/>
+                    <a:pt x="0" y="212567"/>
+                  </a:cubicBezTo>
+                  <a:lnTo>
+                    <a:pt x="74400" y="9447"/>
+                  </a:lnTo>
+                  <a:lnTo>
+                    <a:pt x="290511" y="0"/>
+                  </a:lnTo>
+                  <a:cubicBezTo>
+                    <a:pt x="487088" y="268117"/>
+                    <a:pt x="804349" y="442299"/>
+                    <a:pt x="1162045" y="442299"/>
+                  </a:cubicBezTo>
+                  <a:cubicBezTo>
+                    <a:pt x="1281277" y="442299"/>
+                    <a:pt x="1396016" y="422945"/>
+                    <a:pt x="1503290" y="387210"/>
+                  </a:cubicBezTo>
+                  <a:lnTo>
+                    <a:pt x="1446286" y="595945"/>
+                  </a:lnTo>
+                  <a:close/>
+                </a:path>
+              </a:pathLst>
+            </a:custGeom>
+          </p:spPr>
+          <p:style>
+            <a:lnRef idx="2">
+              <a:schemeClr val="accent1">
+                <a:shade val="50000"/>
+              </a:schemeClr>
+            </a:lnRef>
+            <a:fillRef idx="1">
+              <a:schemeClr val="accent1"/>
+            </a:fillRef>
+            <a:effectRef idx="0">
+              <a:schemeClr val="accent1"/>
+            </a:effectRef>
+            <a:fontRef idx="minor">
+              <a:schemeClr val="lt1"/>
+            </a:fontRef>
+          </p:style>
+          <p:txBody>
+            <a:bodyPr rtlCol="0" anchor="ctr"/>
+            <a:lstStyle/>
+            <a:p>
+              <a:pPr algn="ctr"/>
+              <a:endParaRPr lang="en-US"/>
+            </a:p>
+          </p:txBody>
+        </p:sp>
+        <p:sp>
+          <p:nvSpPr>
+            <p:cNvPr id="7" name="Freihandform: Form 6">
+              <a:extLst>
+                <a:ext uri="{FF2B5EF4-FFF2-40B4-BE49-F238E27FC236}">
+                  <a16:creationId xmlns:a16="http://schemas.microsoft.com/office/drawing/2014/main" id="{FC614CD9-AD9E-40A7-A3A6-AE140D23E3D5}"/>
+                </a:ext>
+              </a:extLst>
+            </p:cNvPr>
+            <p:cNvSpPr/>
+            <p:nvPr/>
+          </p:nvSpPr>
+          <p:spPr>
+            <a:xfrm>
+              <a:off x="1100000" y="1689732"/>
+              <a:ext cx="568466" cy="1700536"/>
+            </a:xfrm>
+            <a:custGeom>
+              <a:avLst/>
+              <a:gdLst>
+                <a:gd name="connsiteX0" fmla="*/ 290655 w 568466"/>
+                <a:gd name="connsiteY0" fmla="*/ 1700536 h 1700536"/>
+                <a:gd name="connsiteX1" fmla="*/ 0 w 568466"/>
+                <a:gd name="connsiteY1" fmla="*/ 850268 h 1700536"/>
+                <a:gd name="connsiteX2" fmla="*/ 277955 w 568466"/>
+                <a:gd name="connsiteY2" fmla="*/ 0 h 1700536"/>
+                <a:gd name="connsiteX3" fmla="*/ 494066 w 568466"/>
+                <a:gd name="connsiteY3" fmla="*/ 9446 h 1700536"/>
+                <a:gd name="connsiteX4" fmla="*/ 568466 w 568466"/>
+                <a:gd name="connsiteY4" fmla="*/ 212567 h 1700536"/>
+                <a:gd name="connsiteX5" fmla="*/ 360000 w 568466"/>
+                <a:gd name="connsiteY5" fmla="*/ 850268 h 1700536"/>
+                <a:gd name="connsiteX6" fmla="*/ 568466 w 568466"/>
+                <a:gd name="connsiteY6" fmla="*/ 1487969 h 1700536"/>
+                <a:gd name="connsiteX7" fmla="*/ 352355 w 568466"/>
+                <a:gd name="connsiteY7" fmla="*/ 1497416 h 1700536"/>
+                <a:gd name="connsiteX0" fmla="*/ 277955 w 568466"/>
+                <a:gd name="connsiteY0" fmla="*/ 1700536 h 1700536"/>
+                <a:gd name="connsiteX1" fmla="*/ 0 w 568466"/>
+                <a:gd name="connsiteY1" fmla="*/ 850268 h 1700536"/>
+                <a:gd name="connsiteX2" fmla="*/ 277955 w 568466"/>
+                <a:gd name="connsiteY2" fmla="*/ 0 h 1700536"/>
+                <a:gd name="connsiteX3" fmla="*/ 494066 w 568466"/>
+                <a:gd name="connsiteY3" fmla="*/ 9446 h 1700536"/>
+                <a:gd name="connsiteX4" fmla="*/ 568466 w 568466"/>
+                <a:gd name="connsiteY4" fmla="*/ 212567 h 1700536"/>
+                <a:gd name="connsiteX5" fmla="*/ 360000 w 568466"/>
+                <a:gd name="connsiteY5" fmla="*/ 850268 h 1700536"/>
+                <a:gd name="connsiteX6" fmla="*/ 568466 w 568466"/>
+                <a:gd name="connsiteY6" fmla="*/ 1487969 h 1700536"/>
+                <a:gd name="connsiteX7" fmla="*/ 352355 w 568466"/>
+                <a:gd name="connsiteY7" fmla="*/ 1497416 h 1700536"/>
+              </a:gdLst>
+              <a:ahLst/>
+              <a:cxnLst>
+                <a:cxn ang="0">
+                  <a:pos x="connsiteX0" y="connsiteY0"/>
+                </a:cxn>
+                <a:cxn ang="0">
+                  <a:pos x="connsiteX1" y="connsiteY1"/>
+                </a:cxn>
+                <a:cxn ang="0">
+                  <a:pos x="connsiteX2" y="connsiteY2"/>
+                </a:cxn>
+                <a:cxn ang="0">
+                  <a:pos x="connsiteX3" y="connsiteY3"/>
+                </a:cxn>
+                <a:cxn ang="0">
+                  <a:pos x="connsiteX4" y="connsiteY4"/>
+                </a:cxn>
+                <a:cxn ang="0">
+                  <a:pos x="connsiteX5" y="connsiteY5"/>
+                </a:cxn>
+                <a:cxn ang="0">
+                  <a:pos x="connsiteX6" y="connsiteY6"/>
+                </a:cxn>
+                <a:cxn ang="0">
+                  <a:pos x="connsiteX7" y="connsiteY7"/>
+                </a:cxn>
+              </a:cxnLst>
+              <a:rect l="l" t="t" r="r" b="b"/>
+              <a:pathLst>
+                <a:path w="568466" h="1700536">
+                  <a:moveTo>
+                    <a:pt x="277955" y="1700536"/>
+                  </a:moveTo>
+                  <a:cubicBezTo>
+                    <a:pt x="103219" y="1462210"/>
+                    <a:pt x="0" y="1168220"/>
+                    <a:pt x="0" y="850268"/>
+                  </a:cubicBezTo>
+                  <a:cubicBezTo>
+                    <a:pt x="0" y="532316"/>
+                    <a:pt x="103219" y="238326"/>
+                    <a:pt x="277955" y="0"/>
+                  </a:cubicBezTo>
+                  <a:lnTo>
+                    <a:pt x="494066" y="9446"/>
+                  </a:lnTo>
+                  <a:lnTo>
+                    <a:pt x="568466" y="212567"/>
+                  </a:lnTo>
+                  <a:cubicBezTo>
+                    <a:pt x="437414" y="391311"/>
+                    <a:pt x="360000" y="611804"/>
+                    <a:pt x="360000" y="850268"/>
+                  </a:cubicBezTo>
+                  <a:cubicBezTo>
+                    <a:pt x="360000" y="1088732"/>
+                    <a:pt x="437414" y="1309225"/>
+                    <a:pt x="568466" y="1487969"/>
+                  </a:cubicBezTo>
+                  <a:lnTo>
+                    <a:pt x="352355" y="1497416"/>
+                  </a:lnTo>
+                  <a:close/>
+                </a:path>
+              </a:pathLst>
+            </a:custGeom>
+          </p:spPr>
+          <p:style>
+            <a:lnRef idx="2">
+              <a:schemeClr val="accent1">
+                <a:shade val="50000"/>
+              </a:schemeClr>
+            </a:lnRef>
+            <a:fillRef idx="1">
+              <a:schemeClr val="accent1"/>
+            </a:fillRef>
+            <a:effectRef idx="0">
+              <a:schemeClr val="accent1"/>
+            </a:effectRef>
+            <a:fontRef idx="minor">
+              <a:schemeClr val="lt1"/>
+            </a:fontRef>
+          </p:style>
+          <p:txBody>
+            <a:bodyPr rtlCol="0" anchor="ctr"/>
+            <a:lstStyle/>
+            <a:p>
+              <a:pPr algn="ctr"/>
+              <a:endParaRPr lang="en-US"/>
+            </a:p>
+          </p:txBody>
+        </p:sp>
+        <p:sp>
+          <p:nvSpPr>
+            <p:cNvPr id="8" name="Freihandform: Form 7">
+              <a:extLst>
+                <a:ext uri="{FF2B5EF4-FFF2-40B4-BE49-F238E27FC236}">
+                  <a16:creationId xmlns:a16="http://schemas.microsoft.com/office/drawing/2014/main" id="{11101BBC-6028-44CA-B599-28DFB31A33BA}"/>
+                </a:ext>
+              </a:extLst>
+            </p:cNvPr>
+            <p:cNvSpPr/>
+            <p:nvPr/>
+          </p:nvSpPr>
+          <p:spPr>
+            <a:xfrm>
+              <a:off x="1377955" y="1099999"/>
+              <a:ext cx="1674044" cy="802299"/>
+            </a:xfrm>
+            <a:custGeom>
+              <a:avLst/>
+              <a:gdLst>
+                <a:gd name="connsiteX0" fmla="*/ 0 w 1661344"/>
+                <a:gd name="connsiteY0" fmla="*/ 589732 h 802299"/>
+                <a:gd name="connsiteX1" fmla="*/ 1149345 w 1661344"/>
+                <a:gd name="connsiteY1" fmla="*/ 0 h 802299"/>
+                <a:gd name="connsiteX2" fmla="*/ 1604339 w 1661344"/>
+                <a:gd name="connsiteY2" fmla="*/ 73452 h 802299"/>
+                <a:gd name="connsiteX3" fmla="*/ 1661344 w 1661344"/>
+                <a:gd name="connsiteY3" fmla="*/ 282186 h 802299"/>
+                <a:gd name="connsiteX4" fmla="*/ 1490590 w 1661344"/>
+                <a:gd name="connsiteY4" fmla="*/ 415089 h 802299"/>
+                <a:gd name="connsiteX5" fmla="*/ 1149345 w 1661344"/>
+                <a:gd name="connsiteY5" fmla="*/ 360000 h 802299"/>
+                <a:gd name="connsiteX6" fmla="*/ 277811 w 1661344"/>
+                <a:gd name="connsiteY6" fmla="*/ 802299 h 802299"/>
+                <a:gd name="connsiteX7" fmla="*/ 203411 w 1661344"/>
+                <a:gd name="connsiteY7" fmla="*/ 599178 h 802299"/>
+                <a:gd name="connsiteX0" fmla="*/ 0 w 1674044"/>
+                <a:gd name="connsiteY0" fmla="*/ 589733 h 802299"/>
+                <a:gd name="connsiteX1" fmla="*/ 1162045 w 1674044"/>
+                <a:gd name="connsiteY1" fmla="*/ 0 h 802299"/>
+                <a:gd name="connsiteX2" fmla="*/ 1617039 w 1674044"/>
+                <a:gd name="connsiteY2" fmla="*/ 73452 h 802299"/>
+                <a:gd name="connsiteX3" fmla="*/ 1674044 w 1674044"/>
+                <a:gd name="connsiteY3" fmla="*/ 282186 h 802299"/>
+                <a:gd name="connsiteX4" fmla="*/ 1503290 w 1674044"/>
+                <a:gd name="connsiteY4" fmla="*/ 415089 h 802299"/>
+                <a:gd name="connsiteX5" fmla="*/ 1162045 w 1674044"/>
+                <a:gd name="connsiteY5" fmla="*/ 360000 h 802299"/>
+                <a:gd name="connsiteX6" fmla="*/ 290511 w 1674044"/>
+                <a:gd name="connsiteY6" fmla="*/ 802299 h 802299"/>
+                <a:gd name="connsiteX7" fmla="*/ 216111 w 1674044"/>
+                <a:gd name="connsiteY7" fmla="*/ 599178 h 802299"/>
+              </a:gdLst>
+              <a:ahLst/>
+              <a:cxnLst>
+                <a:cxn ang="0">
+                  <a:pos x="connsiteX0" y="connsiteY0"/>
+                </a:cxn>
+                <a:cxn ang="0">
+                  <a:pos x="connsiteX1" y="connsiteY1"/>
+                </a:cxn>
+                <a:cxn ang="0">
+                  <a:pos x="connsiteX2" y="connsiteY2"/>
+                </a:cxn>
+                <a:cxn ang="0">
+                  <a:pos x="connsiteX3" y="connsiteY3"/>
+                </a:cxn>
+                <a:cxn ang="0">
+                  <a:pos x="connsiteX4" y="connsiteY4"/>
+                </a:cxn>
+                <a:cxn ang="0">
+                  <a:pos x="connsiteX5" y="connsiteY5"/>
+                </a:cxn>
+                <a:cxn ang="0">
+                  <a:pos x="connsiteX6" y="connsiteY6"/>
+                </a:cxn>
+                <a:cxn ang="0">
+                  <a:pos x="connsiteX7" y="connsiteY7"/>
+                </a:cxn>
+              </a:cxnLst>
+              <a:rect l="l" t="t" r="r" b="b"/>
+              <a:pathLst>
+                <a:path w="1674044" h="802299">
+                  <a:moveTo>
+                    <a:pt x="0" y="589733"/>
+                  </a:moveTo>
+                  <a:cubicBezTo>
+                    <a:pt x="262103" y="232243"/>
+                    <a:pt x="685117" y="0"/>
+                    <a:pt x="1162045" y="0"/>
+                  </a:cubicBezTo>
+                  <a:cubicBezTo>
+                    <a:pt x="1321021" y="0"/>
+                    <a:pt x="1474007" y="25805"/>
+                    <a:pt x="1617039" y="73452"/>
+                  </a:cubicBezTo>
+                  <a:lnTo>
+                    <a:pt x="1674044" y="282186"/>
+                  </a:lnTo>
+                  <a:lnTo>
+                    <a:pt x="1503290" y="415089"/>
+                  </a:lnTo>
+                  <a:cubicBezTo>
+                    <a:pt x="1396016" y="379354"/>
+                    <a:pt x="1281277" y="360000"/>
+                    <a:pt x="1162045" y="360000"/>
+                  </a:cubicBezTo>
+                  <a:cubicBezTo>
+                    <a:pt x="804349" y="360000"/>
+                    <a:pt x="487088" y="534182"/>
+                    <a:pt x="290511" y="802299"/>
+                  </a:cubicBezTo>
+                  <a:lnTo>
+                    <a:pt x="216111" y="599178"/>
+                  </a:lnTo>
+                  <a:close/>
+                </a:path>
+              </a:pathLst>
+            </a:custGeom>
+          </p:spPr>
+          <p:style>
+            <a:lnRef idx="2">
+              <a:schemeClr val="accent1">
+                <a:shade val="50000"/>
+              </a:schemeClr>
+            </a:lnRef>
+            <a:fillRef idx="1">
+              <a:schemeClr val="accent1"/>
+            </a:fillRef>
+            <a:effectRef idx="0">
+              <a:schemeClr val="accent1"/>
+            </a:effectRef>
+            <a:fontRef idx="minor">
+              <a:schemeClr val="lt1"/>
+            </a:fontRef>
+          </p:style>
+          <p:txBody>
+            <a:bodyPr rtlCol="0" anchor="ctr"/>
+            <a:lstStyle/>
+            <a:p>
+              <a:pPr algn="ctr"/>
+              <a:endParaRPr lang="en-US"/>
+            </a:p>
+          </p:txBody>
+        </p:sp>
+        <p:sp>
+          <p:nvSpPr>
+            <p:cNvPr id="9" name="Freihandform: Form 8">
+              <a:extLst>
+                <a:ext uri="{FF2B5EF4-FFF2-40B4-BE49-F238E27FC236}">
+                  <a16:creationId xmlns:a16="http://schemas.microsoft.com/office/drawing/2014/main" id="{36618F16-1C10-4278-8F62-BEDC532C4384}"/>
+                </a:ext>
+              </a:extLst>
+            </p:cNvPr>
+            <p:cNvSpPr/>
+            <p:nvPr/>
+          </p:nvSpPr>
+          <p:spPr>
+            <a:xfrm>
+              <a:off x="2881244" y="1173452"/>
+              <a:ext cx="1098755" cy="1486548"/>
+            </a:xfrm>
+            <a:custGeom>
+              <a:avLst/>
+              <a:gdLst>
+                <a:gd name="connsiteX0" fmla="*/ 126449 w 1098755"/>
+                <a:gd name="connsiteY0" fmla="*/ 0 h 1486548"/>
+                <a:gd name="connsiteX1" fmla="*/ 1098755 w 1098755"/>
+                <a:gd name="connsiteY1" fmla="*/ 1366548 h 1486548"/>
+                <a:gd name="connsiteX2" fmla="*/ 918755 w 1098755"/>
+                <a:gd name="connsiteY2" fmla="*/ 1486548 h 1486548"/>
+                <a:gd name="connsiteX3" fmla="*/ 738755 w 1098755"/>
+                <a:gd name="connsiteY3" fmla="*/ 1366548 h 1486548"/>
+                <a:gd name="connsiteX4" fmla="*/ 0 w 1098755"/>
+                <a:gd name="connsiteY4" fmla="*/ 341637 h 1486548"/>
+                <a:gd name="connsiteX5" fmla="*/ 170754 w 1098755"/>
+                <a:gd name="connsiteY5" fmla="*/ 208734 h 1486548"/>
+                <a:gd name="connsiteX0" fmla="*/ 113750 w 1098755"/>
+                <a:gd name="connsiteY0" fmla="*/ 0 h 1486548"/>
+                <a:gd name="connsiteX1" fmla="*/ 1098755 w 1098755"/>
+                <a:gd name="connsiteY1" fmla="*/ 1366548 h 1486548"/>
+                <a:gd name="connsiteX2" fmla="*/ 918755 w 1098755"/>
+                <a:gd name="connsiteY2" fmla="*/ 1486548 h 1486548"/>
+                <a:gd name="connsiteX3" fmla="*/ 738755 w 1098755"/>
+                <a:gd name="connsiteY3" fmla="*/ 1366548 h 1486548"/>
+                <a:gd name="connsiteX4" fmla="*/ 0 w 1098755"/>
+                <a:gd name="connsiteY4" fmla="*/ 341637 h 1486548"/>
+                <a:gd name="connsiteX5" fmla="*/ 170754 w 1098755"/>
+                <a:gd name="connsiteY5" fmla="*/ 208734 h 1486548"/>
+              </a:gdLst>
+              <a:ahLst/>
+              <a:cxnLst>
+                <a:cxn ang="0">
+                  <a:pos x="connsiteX0" y="connsiteY0"/>
+                </a:cxn>
+                <a:cxn ang="0">
+                  <a:pos x="connsiteX1" y="connsiteY1"/>
+                </a:cxn>
+                <a:cxn ang="0">
+                  <a:pos x="connsiteX2" y="connsiteY2"/>
+                </a:cxn>
+                <a:cxn ang="0">
+                  <a:pos x="connsiteX3" y="connsiteY3"/>
+                </a:cxn>
+                <a:cxn ang="0">
+                  <a:pos x="connsiteX4" y="connsiteY4"/>
+                </a:cxn>
+                <a:cxn ang="0">
+                  <a:pos x="connsiteX5" y="connsiteY5"/>
+                </a:cxn>
+              </a:cxnLst>
+              <a:rect l="l" t="t" r="r" b="b"/>
+              <a:pathLst>
+                <a:path w="1098755" h="1486548">
+                  <a:moveTo>
+                    <a:pt x="113750" y="0"/>
+                  </a:moveTo>
+                  <a:cubicBezTo>
+                    <a:pt x="685878" y="190586"/>
+                    <a:pt x="1098755" y="730644"/>
+                    <a:pt x="1098755" y="1366548"/>
+                  </a:cubicBezTo>
+                  <a:lnTo>
+                    <a:pt x="918755" y="1486548"/>
+                  </a:lnTo>
+                  <a:lnTo>
+                    <a:pt x="738755" y="1366548"/>
+                  </a:lnTo>
+                  <a:cubicBezTo>
+                    <a:pt x="738755" y="889620"/>
+                    <a:pt x="429098" y="484577"/>
+                    <a:pt x="0" y="341637"/>
+                  </a:cubicBezTo>
+                  <a:lnTo>
+                    <a:pt x="170754" y="208734"/>
+                  </a:lnTo>
+                  <a:close/>
+                </a:path>
+              </a:pathLst>
+            </a:custGeom>
+          </p:spPr>
+          <p:style>
+            <a:lnRef idx="2">
+              <a:schemeClr val="accent1">
+                <a:shade val="50000"/>
+              </a:schemeClr>
+            </a:lnRef>
+            <a:fillRef idx="1">
+              <a:schemeClr val="accent1"/>
+            </a:fillRef>
+            <a:effectRef idx="0">
+              <a:schemeClr val="accent1"/>
+            </a:effectRef>
+            <a:fontRef idx="minor">
+              <a:schemeClr val="lt1"/>
+            </a:fontRef>
+          </p:style>
+          <p:txBody>
+            <a:bodyPr rtlCol="0" anchor="ctr"/>
+            <a:lstStyle/>
+            <a:p>
+              <a:pPr algn="ctr"/>
+              <a:endParaRPr lang="en-US"/>
+            </a:p>
+          </p:txBody>
+        </p:sp>
+      </p:grpSp>
       <p:sp>
         <p:nvSpPr>
           <p:cNvPr id="4" name="Rechteck 3" hidden="1"/>
@@ -10695,7 +11393,7 @@
         </p:blipFill>
         <p:spPr>
           <a:xfrm>
-            <a:off x="838200" y="1690688"/>
+            <a:off x="1458851" y="2167874"/>
             <a:ext cx="1690093" cy="1325563"/>
           </a:xfrm>
           <a:prstGeom prst="rect">
@@ -10717,7 +11415,7 @@
         </p:nvSpPr>
         <p:spPr>
           <a:xfrm>
-            <a:off x="2604449" y="1753304"/>
+            <a:off x="3225100" y="2230490"/>
             <a:ext cx="3491551" cy="1200329"/>
           </a:xfrm>
           <a:prstGeom prst="rect">
@@ -10952,7 +11650,7 @@
         </p:nvSpPr>
         <p:spPr>
           <a:xfrm>
-            <a:off x="963827" y="2100649"/>
+            <a:off x="1578966" y="2598445"/>
             <a:ext cx="1383957" cy="140043"/>
           </a:xfrm>
           <a:prstGeom prst="rect">

--- a/documentation/Changelog.pptx
+++ b/documentation/Changelog.pptx
@@ -335,7 +335,7 @@
           <a:p>
             <a:fld id="{5EC86055-D2F1-46C3-83FD-A327EBDDB0A8}" type="datetimeFigureOut">
               <a:rPr lang="de-DE" smtClean="0"/>
-              <a:t>11.06.2023</a:t>
+              <a:t>30.08.2023</a:t>
             </a:fld>
             <a:endParaRPr lang="de-DE"/>
           </a:p>
@@ -749,7 +749,7 @@
           <a:p>
             <a:fld id="{83E968C0-E631-4FA5-B66C-A6893089A72C}" type="datetime1">
               <a:rPr lang="de-DE" smtClean="0"/>
-              <a:t>11.06.2023</a:t>
+              <a:t>30.08.2023</a:t>
             </a:fld>
             <a:endParaRPr lang="de-DE"/>
           </a:p>
@@ -947,7 +947,7 @@
           <a:p>
             <a:fld id="{327DFED5-F5BC-4C21-B00D-107757BCB1D5}" type="datetime1">
               <a:rPr lang="de-DE" smtClean="0"/>
-              <a:t>11.06.2023</a:t>
+              <a:t>30.08.2023</a:t>
             </a:fld>
             <a:endParaRPr lang="de-DE"/>
           </a:p>
@@ -1155,7 +1155,7 @@
           <a:p>
             <a:fld id="{D55D80D4-FC22-469B-B760-6A7940AA3138}" type="datetime1">
               <a:rPr lang="de-DE" smtClean="0"/>
-              <a:t>11.06.2023</a:t>
+              <a:t>30.08.2023</a:t>
             </a:fld>
             <a:endParaRPr lang="de-DE"/>
           </a:p>
@@ -1350,7 +1350,7 @@
           <a:p>
             <a:fld id="{146DBEAB-51C5-4FBE-9B54-BC8F608043B0}" type="datetime1">
               <a:rPr lang="de-DE" smtClean="0"/>
-              <a:t>11.06.2023</a:t>
+              <a:t>30.08.2023</a:t>
             </a:fld>
             <a:endParaRPr lang="de-DE" dirty="0"/>
           </a:p>
@@ -1537,7 +1537,7 @@
           <a:p>
             <a:fld id="{B861EB0D-30DD-4E89-8B0D-65B7028FC562}" type="datetime1">
               <a:rPr lang="de-DE" smtClean="0"/>
-              <a:t>11.06.2023</a:t>
+              <a:t>30.08.2023</a:t>
             </a:fld>
             <a:endParaRPr lang="de-DE"/>
           </a:p>
@@ -1812,7 +1812,7 @@
           <a:p>
             <a:fld id="{73CEBF28-F29F-47B0-8445-64F25E1B2731}" type="datetime1">
               <a:rPr lang="de-DE" smtClean="0"/>
-              <a:t>11.06.2023</a:t>
+              <a:t>30.08.2023</a:t>
             </a:fld>
             <a:endParaRPr lang="de-DE"/>
           </a:p>
@@ -2077,7 +2077,7 @@
           <a:p>
             <a:fld id="{70BB8FCB-2F3D-4195-89D6-401F7605A609}" type="datetime1">
               <a:rPr lang="de-DE" smtClean="0"/>
-              <a:t>11.06.2023</a:t>
+              <a:t>30.08.2023</a:t>
             </a:fld>
             <a:endParaRPr lang="de-DE"/>
           </a:p>
@@ -2489,7 +2489,7 @@
           <a:p>
             <a:fld id="{7A814B83-3C3F-4E43-9685-CE4AC483A9CE}" type="datetime1">
               <a:rPr lang="de-DE" smtClean="0"/>
-              <a:t>11.06.2023</a:t>
+              <a:t>30.08.2023</a:t>
             </a:fld>
             <a:endParaRPr lang="de-DE"/>
           </a:p>
@@ -2631,7 +2631,7 @@
           <a:p>
             <a:fld id="{5A2175DA-8D38-4A58-A54F-1168D09756FD}" type="datetime1">
               <a:rPr lang="de-DE" smtClean="0"/>
-              <a:t>11.06.2023</a:t>
+              <a:t>30.08.2023</a:t>
             </a:fld>
             <a:endParaRPr lang="de-DE"/>
           </a:p>
@@ -2744,7 +2744,7 @@
           <a:p>
             <a:fld id="{8F6AF57F-AE76-4C94-AABC-F8C3359A6250}" type="datetime1">
               <a:rPr lang="de-DE" smtClean="0"/>
-              <a:t>11.06.2023</a:t>
+              <a:t>30.08.2023</a:t>
             </a:fld>
             <a:endParaRPr lang="de-DE"/>
           </a:p>
@@ -3055,7 +3055,7 @@
           <a:p>
             <a:fld id="{5582B541-E7EC-488F-97C5-20BBF6BE4B06}" type="datetime1">
               <a:rPr lang="de-DE" smtClean="0"/>
-              <a:t>11.06.2023</a:t>
+              <a:t>30.08.2023</a:t>
             </a:fld>
             <a:endParaRPr lang="de-DE"/>
           </a:p>
@@ -3346,7 +3346,7 @@
           <a:p>
             <a:fld id="{07C6A342-1575-4CB6-868D-A21133827D71}" type="datetime1">
               <a:rPr lang="de-DE" smtClean="0"/>
-              <a:t>11.06.2023</a:t>
+              <a:t>30.08.2023</a:t>
             </a:fld>
             <a:endParaRPr lang="de-DE"/>
           </a:p>
@@ -3696,7 +3696,7 @@
           <a:p>
             <a:fld id="{EC197B76-F97A-42BE-B66C-1432418DB8F2}" type="datetime1">
               <a:rPr lang="de-DE" smtClean="0"/>
-              <a:t>11.06.2023</a:t>
+              <a:t>30.08.2023</a:t>
             </a:fld>
             <a:endParaRPr lang="de-DE"/>
           </a:p>
@@ -34608,6 +34608,53 @@
           <a:p>
             <a:pPr algn="ctr"/>
             <a:endParaRPr lang="en-US"/>
+          </a:p>
+        </p:txBody>
+      </p:sp>
+      <p:sp>
+        <p:nvSpPr>
+          <p:cNvPr id="6" name="Textfeld 5">
+            <a:extLst>
+              <a:ext uri="{FF2B5EF4-FFF2-40B4-BE49-F238E27FC236}">
+                <a16:creationId xmlns:a16="http://schemas.microsoft.com/office/drawing/2014/main" id="{164BECB3-FD2E-9CB4-90D5-351B86C6D439}"/>
+              </a:ext>
+            </a:extLst>
+          </p:cNvPr>
+          <p:cNvSpPr txBox="1"/>
+          <p:nvPr/>
+        </p:nvSpPr>
+        <p:spPr>
+          <a:xfrm>
+            <a:off x="838200" y="4084369"/>
+            <a:ext cx="9546021" cy="646331"/>
+          </a:xfrm>
+          <a:prstGeom prst="rect">
+            <a:avLst/>
+          </a:prstGeom>
+          <a:noFill/>
+        </p:spPr>
+        <p:txBody>
+          <a:bodyPr wrap="square" rtlCol="0">
+            <a:spAutoFit/>
+          </a:bodyPr>
+          <a:lstStyle/>
+          <a:p>
+            <a:pPr marL="285750" indent="-285750">
+              <a:buFont typeface="Wingdings" panose="05000000000000000000" pitchFamily="2" charset="2"/>
+              <a:buChar char="Ø"/>
+            </a:pPr>
+            <a:r>
+              <a:rPr lang="de-DE" dirty="0"/>
+              <a:t>Animationen werden nun bei den Gruppierungs-Funktionen und </a:t>
+            </a:r>
+            <a:r>
+              <a:rPr lang="de-DE" dirty="0" err="1"/>
+              <a:t>Wechselshapes</a:t>
+            </a:r>
+            <a:r>
+              <a:rPr lang="de-DE" dirty="0"/>
+              <a:t> korrekt übertragen</a:t>
+            </a:r>
           </a:p>
         </p:txBody>
       </p:sp>
